--- a/LEI/apresentações/apresLEI.pptx
+++ b/LEI/apresentações/apresLEI.pptx
@@ -5,16 +5,17 @@
     <p:sldMasterId id="2147483648" r:id="rId1"/>
   </p:sldMasterIdLst>
   <p:notesMasterIdLst>
-    <p:notesMasterId r:id="rId9"/>
+    <p:notesMasterId r:id="rId10"/>
   </p:notesMasterIdLst>
   <p:sldIdLst>
     <p:sldId id="256" r:id="rId2"/>
     <p:sldId id="257" r:id="rId3"/>
     <p:sldId id="272" r:id="rId4"/>
-    <p:sldId id="273" r:id="rId5"/>
+    <p:sldId id="274" r:id="rId5"/>
     <p:sldId id="267" r:id="rId6"/>
-    <p:sldId id="266" r:id="rId7"/>
-    <p:sldId id="271" r:id="rId8"/>
+    <p:sldId id="275" r:id="rId7"/>
+    <p:sldId id="266" r:id="rId8"/>
+    <p:sldId id="271" r:id="rId9"/>
   </p:sldIdLst>
   <p:sldSz cx="9144000" cy="6858000" type="screen4x3"/>
   <p:notesSz cx="9144000" cy="6858000"/>
@@ -630,7 +631,7 @@
           <a:p>
             <a:fld id="{62C9FF69-D9AD-48B5-8D39-7AA42039F77D}" type="slidenum">
               <a:rPr lang="pt-PT" smtClean="0"/>
-              <a:t>7</a:t>
+              <a:t>8</a:t>
             </a:fld>
             <a:endParaRPr lang="pt-PT"/>
           </a:p>
@@ -2208,7 +2209,11 @@
           <a:bodyPr wrap="square" lIns="0" tIns="0" rIns="0" bIns="0" rtlCol="0"/>
           <a:lstStyle/>
           <a:p>
-            <a:endParaRPr/>
+            <a:endParaRPr dirty="0">
+              <a:solidFill>
+                <a:srgbClr val="FF0000"/>
+              </a:solidFill>
+            </a:endParaRPr>
           </a:p>
         </p:txBody>
       </p:sp>
@@ -2819,7 +2824,7 @@
         <p:spPr>
           <a:xfrm>
             <a:off x="762000" y="2910990"/>
-            <a:ext cx="2439327" cy="369332"/>
+            <a:ext cx="2570503" cy="369332"/>
           </a:xfrm>
           <a:prstGeom prst="rect">
             <a:avLst/>
@@ -2833,13 +2838,34 @@
           <a:lstStyle/>
           <a:p>
             <a:r>
-              <a:rPr lang="pt-PT" dirty="0" err="1"/>
+              <a:rPr lang="pt-PT" dirty="0" err="1">
+                <a:solidFill>
+                  <a:srgbClr val="FF0000"/>
+                </a:solidFill>
+              </a:rPr>
               <a:t>Bot</a:t>
             </a:r>
             <a:r>
-              <a:rPr lang="pt-PT" dirty="0"/>
-              <a:t> ícone : TODO</a:t>
-            </a:r>
+              <a:rPr lang="pt-PT" dirty="0">
+                <a:solidFill>
+                  <a:srgbClr val="FF0000"/>
+                </a:solidFill>
+              </a:rPr>
+              <a:t> ícone : TODO </a:t>
+            </a:r>
+            <a:r>
+              <a:rPr lang="pt-PT" dirty="0" err="1">
+                <a:solidFill>
+                  <a:srgbClr val="FF0000"/>
+                </a:solidFill>
+              </a:rPr>
+              <a:t>maybe</a:t>
+            </a:r>
+            <a:endParaRPr lang="pt-PT" dirty="0">
+              <a:solidFill>
+                <a:srgbClr val="FF0000"/>
+              </a:solidFill>
+            </a:endParaRPr>
           </a:p>
         </p:txBody>
       </p:sp>
@@ -3080,7 +3106,7 @@
         <p:spPr>
           <a:xfrm>
             <a:off x="655383" y="1624917"/>
-            <a:ext cx="2561590" cy="762000"/>
+            <a:ext cx="2561590" cy="766235"/>
           </a:xfrm>
           <a:prstGeom prst="rect">
             <a:avLst/>
@@ -3114,12 +3140,18 @@
                 <a:latin typeface="Arial"/>
                 <a:cs typeface="Arial"/>
               </a:rPr>
-              <a:t>Contextualização</a:t>
-            </a:r>
-            <a:endParaRPr sz="1650" dirty="0">
-              <a:latin typeface="Arial"/>
-              <a:cs typeface="Arial"/>
-            </a:endParaRPr>
+              <a:t>C</a:t>
+            </a:r>
+            <a:r>
+              <a:rPr lang="pt-PT" sz="1650" b="1" spc="40" dirty="0">
+                <a:solidFill>
+                  <a:srgbClr val="FFFFFF"/>
+                </a:solidFill>
+                <a:latin typeface="Arial"/>
+                <a:cs typeface="Arial"/>
+              </a:rPr>
+              <a:t>onceitos</a:t>
+            </a:r>
           </a:p>
           <a:p>
             <a:pPr marL="298450" indent="-285750">
@@ -3127,7 +3159,7 @@
                 <a:spcPct val="100000"/>
               </a:lnSpc>
               <a:spcBef>
-                <a:spcPts val="919"/>
+                <a:spcPts val="1015"/>
               </a:spcBef>
               <a:buFont typeface="Arial"/>
               <a:buChar char="•"/>
@@ -3144,7 +3176,7 @@
                 <a:latin typeface="Arial"/>
                 <a:cs typeface="Arial"/>
               </a:rPr>
-              <a:t>Exemplos</a:t>
+              <a:t>Motivação/Objetivos</a:t>
             </a:r>
             <a:endParaRPr sz="1650" dirty="0">
               <a:latin typeface="Arial"/>
@@ -3190,7 +3222,7 @@
                 <a:latin typeface="Arial"/>
                 <a:cs typeface="Arial"/>
               </a:rPr>
-              <a:t>Área de Conhecimento</a:t>
+              <a:t>Introdução</a:t>
             </a:r>
             <a:endParaRPr sz="1650" dirty="0">
               <a:latin typeface="Arial"/>
@@ -3771,7 +3803,7 @@
                 <a:latin typeface="Arial"/>
                 <a:cs typeface="Arial"/>
               </a:rPr>
-              <a:t>Gramática de Atributos</a:t>
+              <a:t>Desenvolvimento</a:t>
             </a:r>
             <a:endParaRPr sz="1650" dirty="0">
               <a:latin typeface="Arial"/>
@@ -3823,7 +3855,7 @@
                 <a:latin typeface="Arial"/>
                 <a:cs typeface="Arial"/>
               </a:rPr>
-              <a:t>Desenvolvimento da solução</a:t>
+              <a:t>D</a:t>
             </a:r>
           </a:p>
         </p:txBody>
@@ -4437,8 +4469,8 @@
         </p:nvSpPr>
         <p:spPr>
           <a:xfrm>
-            <a:off x="2590800" y="4343400"/>
-            <a:ext cx="2971800" cy="369332"/>
+            <a:off x="457200" y="2138065"/>
+            <a:ext cx="2209800" cy="369332"/>
           </a:xfrm>
           <a:prstGeom prst="rect">
             <a:avLst/>
@@ -4466,6 +4498,95 @@
           </a:p>
         </p:txBody>
       </p:sp>
+      <p:sp>
+        <p:nvSpPr>
+          <p:cNvPr id="2" name="Retângulo 1">
+            <a:extLst>
+              <a:ext uri="{FF2B5EF4-FFF2-40B4-BE49-F238E27FC236}">
+                <a16:creationId xmlns:a16="http://schemas.microsoft.com/office/drawing/2014/main" id="{9FFF2FE5-AEE6-460C-9133-F795294FB8DE}"/>
+              </a:ext>
+            </a:extLst>
+          </p:cNvPr>
+          <p:cNvSpPr/>
+          <p:nvPr/>
+        </p:nvSpPr>
+        <p:spPr>
+          <a:xfrm>
+            <a:off x="457200" y="2667000"/>
+            <a:ext cx="4572000" cy="923330"/>
+          </a:xfrm>
+          <a:prstGeom prst="rect">
+            <a:avLst/>
+          </a:prstGeom>
+        </p:spPr>
+        <p:txBody>
+          <a:bodyPr>
+            <a:spAutoFit/>
+          </a:bodyPr>
+          <a:lstStyle/>
+          <a:p>
+            <a:r>
+              <a:rPr lang="pt-PT" dirty="0"/>
+              <a:t>Um </a:t>
+            </a:r>
+            <a:r>
+              <a:rPr lang="pt-PT" i="1" dirty="0" err="1"/>
+              <a:t>Chatbot</a:t>
+            </a:r>
+            <a:r>
+              <a:rPr lang="pt-PT" dirty="0"/>
+              <a:t> é um programa desenvolvido com o objetivo de simular uma conversa com um utilizador.</a:t>
+            </a:r>
+          </a:p>
+        </p:txBody>
+      </p:sp>
+      <p:pic>
+        <p:nvPicPr>
+          <p:cNvPr id="1026" name="Picture 2" descr="Resultado de imagem para chatbot">
+            <a:extLst>
+              <a:ext uri="{FF2B5EF4-FFF2-40B4-BE49-F238E27FC236}">
+                <a16:creationId xmlns:a16="http://schemas.microsoft.com/office/drawing/2014/main" id="{56847837-4079-4B46-BA64-40696143EA4F}"/>
+              </a:ext>
+            </a:extLst>
+          </p:cNvPr>
+          <p:cNvPicPr>
+            <a:picLocks noChangeAspect="1" noChangeArrowheads="1"/>
+          </p:cNvPicPr>
+          <p:nvPr/>
+        </p:nvPicPr>
+        <p:blipFill>
+          <a:blip r:embed="rId2" cstate="print">
+            <a:extLst>
+              <a:ext uri="{28A0092B-C50C-407E-A947-70E740481C1C}">
+                <a14:useLocalDpi xmlns:a14="http://schemas.microsoft.com/office/drawing/2010/main" val="0"/>
+              </a:ext>
+            </a:extLst>
+          </a:blip>
+          <a:srcRect/>
+          <a:stretch>
+            <a:fillRect/>
+          </a:stretch>
+        </p:blipFill>
+        <p:spPr bwMode="auto">
+          <a:xfrm>
+            <a:off x="5638800" y="1524000"/>
+            <a:ext cx="2517878" cy="1676400"/>
+          </a:xfrm>
+          <a:prstGeom prst="rect">
+            <a:avLst/>
+          </a:prstGeom>
+          <a:noFill/>
+          <a:extLst>
+            <a:ext uri="{909E8E84-426E-40DD-AFC4-6F175D3DCCD1}">
+              <a14:hiddenFill xmlns:a14="http://schemas.microsoft.com/office/drawing/2010/main">
+                <a:solidFill>
+                  <a:srgbClr val="FFFFFF"/>
+                </a:solidFill>
+              </a14:hiddenFill>
+            </a:ext>
+          </a:extLst>
+        </p:spPr>
+      </p:pic>
     </p:spTree>
     <p:extLst>
       <p:ext uri="{BB962C8B-B14F-4D97-AF65-F5344CB8AC3E}">
@@ -4501,7 +4622,7 @@
           <p:cNvPr id="3" name="object 2">
             <a:extLst>
               <a:ext uri="{FF2B5EF4-FFF2-40B4-BE49-F238E27FC236}">
-                <a16:creationId xmlns:a16="http://schemas.microsoft.com/office/drawing/2014/main" id="{3EB6BBBB-4CF2-4397-82B3-8C6F575F4FE8}"/>
+                <a16:creationId xmlns:a16="http://schemas.microsoft.com/office/drawing/2014/main" id="{5538EF00-CAFD-4B22-A49E-27B33CD6D0A3}"/>
               </a:ext>
             </a:extLst>
           </p:cNvPr>
@@ -4514,8 +4635,8 @@
         </p:nvSpPr>
         <p:spPr>
           <a:xfrm>
-            <a:off x="3543300" y="228600"/>
-            <a:ext cx="2057400" cy="461023"/>
+            <a:off x="2790825" y="304800"/>
+            <a:ext cx="3562350" cy="461023"/>
           </a:xfrm>
           <a:prstGeom prst="rect">
             <a:avLst/>
@@ -4537,7 +4658,7 @@
             </a:pPr>
             <a:r>
               <a:rPr lang="pt-PT" spc="-185" dirty="0"/>
-              <a:t>Arquitetura</a:t>
+              <a:t>Motivação/Objetivos</a:t>
             </a:r>
             <a:endParaRPr spc="-185" dirty="0"/>
           </a:p>
@@ -4546,7 +4667,7 @@
     </p:spTree>
     <p:extLst>
       <p:ext uri="{BB962C8B-B14F-4D97-AF65-F5344CB8AC3E}">
-        <p14:creationId xmlns:p14="http://schemas.microsoft.com/office/powerpoint/2010/main" val="2538142247"/>
+        <p14:creationId xmlns:p14="http://schemas.microsoft.com/office/powerpoint/2010/main" val="2408551954"/>
       </p:ext>
     </p:extLst>
   </p:cSld>
@@ -4625,7 +4746,13 @@
       </p:sp>
       <p:sp>
         <p:nvSpPr>
-          <p:cNvPr id="5" name="object 5"/>
+          <p:cNvPr id="9" name="object 2">
+            <a:extLst>
+              <a:ext uri="{FF2B5EF4-FFF2-40B4-BE49-F238E27FC236}">
+                <a16:creationId xmlns:a16="http://schemas.microsoft.com/office/drawing/2014/main" id="{AE81FA02-C10F-482F-9ED4-F0FBBAFB14BD}"/>
+              </a:ext>
+            </a:extLst>
+          </p:cNvPr>
           <p:cNvSpPr txBox="1">
             <a:spLocks noGrp="1"/>
           </p:cNvSpPr>
@@ -4635,8 +4762,8 @@
         </p:nvSpPr>
         <p:spPr>
           <a:xfrm>
-            <a:off x="2686050" y="173054"/>
-            <a:ext cx="3771900" cy="461023"/>
+            <a:off x="3543300" y="228600"/>
+            <a:ext cx="2057400" cy="461023"/>
           </a:xfrm>
           <a:prstGeom prst="rect">
             <a:avLst/>
@@ -4657,18 +4784,173 @@
               </a:spcBef>
             </a:pPr>
             <a:r>
-              <a:rPr lang="pt-PT" spc="-130" dirty="0">
-                <a:solidFill>
-                  <a:srgbClr val="FFFFFF"/>
-                </a:solidFill>
-              </a:rPr>
-              <a:t>Gramática de Atributos</a:t>
-            </a:r>
-            <a:endParaRPr spc="-130" dirty="0">
+              <a:rPr lang="pt-PT" spc="-185" dirty="0">
+                <a:solidFill>
+                  <a:schemeClr val="bg1"/>
+                </a:solidFill>
+              </a:rPr>
+              <a:t>Arquitetura</a:t>
+            </a:r>
+            <a:endParaRPr spc="-185" dirty="0">
               <a:solidFill>
-                <a:srgbClr val="FFFFFF"/>
+                <a:schemeClr val="bg1"/>
               </a:solidFill>
             </a:endParaRPr>
+          </a:p>
+        </p:txBody>
+      </p:sp>
+      <p:pic>
+        <p:nvPicPr>
+          <p:cNvPr id="10" name="Imagem 9">
+            <a:extLst>
+              <a:ext uri="{FF2B5EF4-FFF2-40B4-BE49-F238E27FC236}">
+                <a16:creationId xmlns:a16="http://schemas.microsoft.com/office/drawing/2014/main" id="{08183A0A-DA67-4959-8478-175A12AF564E}"/>
+              </a:ext>
+            </a:extLst>
+          </p:cNvPr>
+          <p:cNvPicPr>
+            <a:picLocks noChangeAspect="1"/>
+          </p:cNvPicPr>
+          <p:nvPr/>
+        </p:nvPicPr>
+        <p:blipFill>
+          <a:blip r:embed="rId2">
+            <a:extLst>
+              <a:ext uri="{28A0092B-C50C-407E-A947-70E740481C1C}">
+                <a14:useLocalDpi xmlns:a14="http://schemas.microsoft.com/office/drawing/2010/main" val="0"/>
+              </a:ext>
+            </a:extLst>
+          </a:blip>
+          <a:stretch>
+            <a:fillRect/>
+          </a:stretch>
+        </p:blipFill>
+        <p:spPr>
+          <a:xfrm>
+            <a:off x="1497260" y="1219200"/>
+            <a:ext cx="6149480" cy="5562600"/>
+          </a:xfrm>
+          <a:prstGeom prst="rect">
+            <a:avLst/>
+          </a:prstGeom>
+        </p:spPr>
+      </p:pic>
+      <p:sp>
+        <p:nvSpPr>
+          <p:cNvPr id="11" name="CaixaDeTexto 10">
+            <a:extLst>
+              <a:ext uri="{FF2B5EF4-FFF2-40B4-BE49-F238E27FC236}">
+                <a16:creationId xmlns:a16="http://schemas.microsoft.com/office/drawing/2014/main" id="{998AA047-1179-4555-83A3-65588A133A4A}"/>
+              </a:ext>
+            </a:extLst>
+          </p:cNvPr>
+          <p:cNvSpPr txBox="1"/>
+          <p:nvPr/>
+        </p:nvSpPr>
+        <p:spPr>
+          <a:xfrm>
+            <a:off x="1295400" y="5029200"/>
+            <a:ext cx="4442320" cy="369332"/>
+          </a:xfrm>
+          <a:prstGeom prst="rect">
+            <a:avLst/>
+          </a:prstGeom>
+          <a:noFill/>
+        </p:spPr>
+        <p:txBody>
+          <a:bodyPr wrap="square" rtlCol="0">
+            <a:spAutoFit/>
+          </a:bodyPr>
+          <a:lstStyle/>
+          <a:p>
+            <a:r>
+              <a:rPr lang="pt-PT" dirty="0">
+                <a:solidFill>
+                  <a:srgbClr val="FF0000"/>
+                </a:solidFill>
+              </a:rPr>
+              <a:t>Precisa de um print melhor para isto</a:t>
+            </a:r>
+          </a:p>
+        </p:txBody>
+      </p:sp>
+    </p:spTree>
+    <p:extLst>
+      <p:ext uri="{BB962C8B-B14F-4D97-AF65-F5344CB8AC3E}">
+        <p14:creationId xmlns:p14="http://schemas.microsoft.com/office/powerpoint/2010/main" val="2610590006"/>
+      </p:ext>
+    </p:extLst>
+  </p:cSld>
+  <p:clrMapOvr>
+    <a:masterClrMapping/>
+  </p:clrMapOvr>
+</p:sld>
+</file>
+
+<file path=ppt/slides/slide6.xml><?xml version="1.0" encoding="utf-8"?>
+<p:sld xmlns:a="http://schemas.openxmlformats.org/drawingml/2006/main" xmlns:r="http://schemas.openxmlformats.org/officeDocument/2006/relationships" xmlns:p="http://schemas.openxmlformats.org/presentationml/2006/main">
+  <p:cSld>
+    <p:spTree>
+      <p:nvGrpSpPr>
+        <p:cNvPr id="1" name=""/>
+        <p:cNvGrpSpPr/>
+        <p:nvPr/>
+      </p:nvGrpSpPr>
+      <p:grpSpPr>
+        <a:xfrm>
+          <a:off x="0" y="0"/>
+          <a:ext cx="0" cy="0"/>
+          <a:chOff x="0" y="0"/>
+          <a:chExt cx="0" cy="0"/>
+        </a:xfrm>
+      </p:grpSpPr>
+      <p:sp>
+        <p:nvSpPr>
+          <p:cNvPr id="2" name="object 2"/>
+          <p:cNvSpPr/>
+          <p:nvPr/>
+        </p:nvSpPr>
+        <p:spPr>
+          <a:xfrm>
+            <a:off x="0" y="0"/>
+            <a:ext cx="9144000" cy="6858000"/>
+          </a:xfrm>
+          <a:custGeom>
+            <a:avLst/>
+            <a:gdLst/>
+            <a:ahLst/>
+            <a:cxnLst/>
+            <a:rect l="l" t="t" r="r" b="b"/>
+            <a:pathLst>
+              <a:path w="9144000" h="6858000">
+                <a:moveTo>
+                  <a:pt x="0" y="6857995"/>
+                </a:moveTo>
+                <a:lnTo>
+                  <a:pt x="9144000" y="6857995"/>
+                </a:lnTo>
+                <a:lnTo>
+                  <a:pt x="9144000" y="0"/>
+                </a:lnTo>
+                <a:lnTo>
+                  <a:pt x="0" y="0"/>
+                </a:lnTo>
+                <a:lnTo>
+                  <a:pt x="0" y="6857995"/>
+                </a:lnTo>
+                <a:close/>
+              </a:path>
+            </a:pathLst>
+          </a:custGeom>
+          <a:solidFill>
+            <a:srgbClr val="38505F"/>
+          </a:solidFill>
+        </p:spPr>
+        <p:txBody>
+          <a:bodyPr wrap="square" lIns="0" tIns="0" rIns="0" bIns="0" rtlCol="0"/>
+          <a:lstStyle/>
+          <a:p>
+            <a:endParaRPr dirty="0"/>
           </a:p>
         </p:txBody>
       </p:sp>
@@ -5653,7 +5935,7 @@
     </p:spTree>
     <p:extLst>
       <p:ext uri="{BB962C8B-B14F-4D97-AF65-F5344CB8AC3E}">
-        <p14:creationId xmlns:p14="http://schemas.microsoft.com/office/powerpoint/2010/main" val="2610590006"/>
+        <p14:creationId xmlns:p14="http://schemas.microsoft.com/office/powerpoint/2010/main" val="890682223"/>
       </p:ext>
     </p:extLst>
   </p:cSld>
@@ -5663,7 +5945,7 @@
 </p:sld>
 </file>
 
-<file path=ppt/slides/slide6.xml><?xml version="1.0" encoding="utf-8"?>
+<file path=ppt/slides/slide7.xml><?xml version="1.0" encoding="utf-8"?>
 <p:sld xmlns:a="http://schemas.openxmlformats.org/drawingml/2006/main" xmlns:r="http://schemas.openxmlformats.org/officeDocument/2006/relationships" xmlns:p="http://schemas.openxmlformats.org/presentationml/2006/main" showMasterSp="0">
   <p:cSld>
     <p:spTree>
@@ -5829,6 +6111,58 @@
           </a:p>
         </p:txBody>
       </p:sp>
+      <p:sp>
+        <p:nvSpPr>
+          <p:cNvPr id="5" name="Retângulo: Cantos Arredondados 4">
+            <a:extLst>
+              <a:ext uri="{FF2B5EF4-FFF2-40B4-BE49-F238E27FC236}">
+                <a16:creationId xmlns:a16="http://schemas.microsoft.com/office/drawing/2014/main" id="{B8336ACE-D0D5-489B-ACD7-457A46608889}"/>
+              </a:ext>
+            </a:extLst>
+          </p:cNvPr>
+          <p:cNvSpPr/>
+          <p:nvPr/>
+        </p:nvSpPr>
+        <p:spPr>
+          <a:xfrm>
+            <a:off x="338706" y="1294702"/>
+            <a:ext cx="8420100" cy="4191000"/>
+          </a:xfrm>
+          <a:prstGeom prst="roundRect">
+            <a:avLst/>
+          </a:prstGeom>
+          <a:solidFill>
+            <a:srgbClr val="DDDDDD"/>
+          </a:solidFill>
+          <a:ln>
+            <a:noFill/>
+          </a:ln>
+        </p:spPr>
+        <p:style>
+          <a:lnRef idx="2">
+            <a:schemeClr val="accent1">
+              <a:shade val="50000"/>
+            </a:schemeClr>
+          </a:lnRef>
+          <a:fillRef idx="1">
+            <a:schemeClr val="accent1"/>
+          </a:fillRef>
+          <a:effectRef idx="0">
+            <a:schemeClr val="accent1"/>
+          </a:effectRef>
+          <a:fontRef idx="minor">
+            <a:schemeClr val="lt1"/>
+          </a:fontRef>
+        </p:style>
+        <p:txBody>
+          <a:bodyPr rtlCol="0" anchor="ctr"/>
+          <a:lstStyle/>
+          <a:p>
+            <a:pPr algn="ctr"/>
+            <a:endParaRPr lang="pt-PT"/>
+          </a:p>
+        </p:txBody>
+      </p:sp>
     </p:spTree>
   </p:cSld>
   <p:clrMapOvr>
@@ -5837,7 +6171,7 @@
 </p:sld>
 </file>
 
-<file path=ppt/slides/slide7.xml><?xml version="1.0" encoding="utf-8"?>
+<file path=ppt/slides/slide8.xml><?xml version="1.0" encoding="utf-8"?>
 <p:sld xmlns:a="http://schemas.openxmlformats.org/drawingml/2006/main" xmlns:r="http://schemas.openxmlformats.org/officeDocument/2006/relationships" xmlns:p="http://schemas.openxmlformats.org/presentationml/2006/main">
   <p:cSld>
     <p:spTree>

--- a/LEI/apresentações/apresLEI.pptx
+++ b/LEI/apresentações/apresLEI.pptx
@@ -215,7 +215,7 @@
           <a:p>
             <a:fld id="{06D80BC0-DB8E-4343-896B-DB141BAE3B05}" type="datetimeFigureOut">
               <a:rPr lang="pt-PT" smtClean="0"/>
-              <a:t>24/03/2019</a:t>
+              <a:t>25/03/2019</a:t>
             </a:fld>
             <a:endParaRPr lang="pt-PT"/>
           </a:p>
@@ -743,6 +743,93 @@
 </p:notes>
 </file>
 
+<file path=ppt/notesSlides/notesSlide4.xml><?xml version="1.0" encoding="utf-8"?>
+<p:notes xmlns:a="http://schemas.openxmlformats.org/drawingml/2006/main" xmlns:r="http://schemas.openxmlformats.org/officeDocument/2006/relationships" xmlns:p="http://schemas.openxmlformats.org/presentationml/2006/main">
+  <p:cSld>
+    <p:spTree>
+      <p:nvGrpSpPr>
+        <p:cNvPr id="1" name=""/>
+        <p:cNvGrpSpPr/>
+        <p:nvPr/>
+      </p:nvGrpSpPr>
+      <p:grpSpPr>
+        <a:xfrm>
+          <a:off x="0" y="0"/>
+          <a:ext cx="0" cy="0"/>
+          <a:chOff x="0" y="0"/>
+          <a:chExt cx="0" cy="0"/>
+        </a:xfrm>
+      </p:grpSpPr>
+      <p:sp>
+        <p:nvSpPr>
+          <p:cNvPr id="2" name="Marcador de Posição da Imagem do Diapositivo 1"/>
+          <p:cNvSpPr>
+            <a:spLocks noGrp="1" noRot="1" noChangeAspect="1"/>
+          </p:cNvSpPr>
+          <p:nvPr>
+            <p:ph type="sldImg"/>
+          </p:nvPr>
+        </p:nvSpPr>
+        <p:spPr/>
+      </p:sp>
+      <p:sp>
+        <p:nvSpPr>
+          <p:cNvPr id="3" name="Marcador de Posição de Notas 2"/>
+          <p:cNvSpPr>
+            <a:spLocks noGrp="1"/>
+          </p:cNvSpPr>
+          <p:nvPr>
+            <p:ph type="body" idx="1"/>
+          </p:nvPr>
+        </p:nvSpPr>
+        <p:spPr/>
+        <p:txBody>
+          <a:bodyPr/>
+          <a:lstStyle/>
+          <a:p>
+            <a:r>
+              <a:rPr lang="pt-PT" dirty="0"/>
+              <a:t>JJ: 15h Às 19h</a:t>
+            </a:r>
+          </a:p>
+        </p:txBody>
+      </p:sp>
+      <p:sp>
+        <p:nvSpPr>
+          <p:cNvPr id="4" name="Marcador de Posição do Número do Diapositivo 3"/>
+          <p:cNvSpPr>
+            <a:spLocks noGrp="1"/>
+          </p:cNvSpPr>
+          <p:nvPr>
+            <p:ph type="sldNum" sz="quarter" idx="5"/>
+          </p:nvPr>
+        </p:nvSpPr>
+        <p:spPr/>
+        <p:txBody>
+          <a:bodyPr/>
+          <a:lstStyle/>
+          <a:p>
+            <a:fld id="{62C9FF69-D9AD-48B5-8D39-7AA42039F77D}" type="slidenum">
+              <a:rPr lang="pt-PT" smtClean="0"/>
+              <a:t>8</a:t>
+            </a:fld>
+            <a:endParaRPr lang="pt-PT"/>
+          </a:p>
+        </p:txBody>
+      </p:sp>
+    </p:spTree>
+    <p:extLst>
+      <p:ext uri="{BB962C8B-B14F-4D97-AF65-F5344CB8AC3E}">
+        <p14:creationId xmlns:p14="http://schemas.microsoft.com/office/powerpoint/2010/main" val="806290648"/>
+      </p:ext>
+    </p:extLst>
+  </p:cSld>
+  <p:clrMapOvr>
+    <a:masterClrMapping/>
+  </p:clrMapOvr>
+</p:notes>
+</file>
+
 <file path=ppt/slideLayouts/slideLayout1.xml><?xml version="1.0" encoding="utf-8"?>
 <p:sldLayout xmlns:a="http://schemas.openxmlformats.org/drawingml/2006/main" xmlns:r="http://schemas.openxmlformats.org/officeDocument/2006/relationships" xmlns:p="http://schemas.openxmlformats.org/presentationml/2006/main" type="title" preserve="1">
   <p:cSld name="Diapositivo de Título">
@@ -882,7 +969,7 @@
           <a:p>
             <a:fld id="{1D8BD707-D9CF-40AE-B4C6-C98DA3205C09}" type="datetimeFigureOut">
               <a:rPr lang="en-US" smtClean="0"/>
-              <a:t>3/24/2019</a:t>
+              <a:t>3/25/2019</a:t>
             </a:fld>
             <a:endParaRPr lang="en-US"/>
           </a:p>
@@ -1124,7 +1211,7 @@
           <a:p>
             <a:fld id="{1D8BD707-D9CF-40AE-B4C6-C98DA3205C09}" type="datetimeFigureOut">
               <a:rPr lang="en-US" smtClean="0"/>
-              <a:t>3/24/2019</a:t>
+              <a:t>3/25/2019</a:t>
             </a:fld>
             <a:endParaRPr lang="en-US"/>
           </a:p>
@@ -1308,7 +1395,7 @@
           <a:p>
             <a:fld id="{1D8BD707-D9CF-40AE-B4C6-C98DA3205C09}" type="datetimeFigureOut">
               <a:rPr lang="en-US" smtClean="0"/>
-              <a:t>3/24/2019</a:t>
+              <a:t>3/25/2019</a:t>
             </a:fld>
             <a:endParaRPr lang="en-US"/>
           </a:p>
@@ -1509,7 +1596,7 @@
           <a:p>
             <a:fld id="{1D8BD707-D9CF-40AE-B4C6-C98DA3205C09}" type="datetimeFigureOut">
               <a:rPr lang="en-US" smtClean="0"/>
-              <a:t>3/24/2019</a:t>
+              <a:t>3/25/2019</a:t>
             </a:fld>
             <a:endParaRPr lang="en-US"/>
           </a:p>
@@ -1788,7 +1875,7 @@
           <a:p>
             <a:fld id="{1D8BD707-D9CF-40AE-B4C6-C98DA3205C09}" type="datetimeFigureOut">
               <a:rPr lang="en-US" smtClean="0"/>
-              <a:t>3/24/2019</a:t>
+              <a:t>3/25/2019</a:t>
             </a:fld>
             <a:endParaRPr lang="en-US"/>
           </a:p>
@@ -2056,7 +2143,7 @@
           <a:p>
             <a:fld id="{1D8BD707-D9CF-40AE-B4C6-C98DA3205C09}" type="datetimeFigureOut">
               <a:rPr lang="en-US" smtClean="0"/>
-              <a:t>3/24/2019</a:t>
+              <a:t>3/25/2019</a:t>
             </a:fld>
             <a:endParaRPr lang="en-US"/>
           </a:p>
@@ -2503,7 +2590,7 @@
           <a:p>
             <a:fld id="{1D8BD707-D9CF-40AE-B4C6-C98DA3205C09}" type="datetimeFigureOut">
               <a:rPr lang="en-US" smtClean="0"/>
-              <a:t>3/24/2019</a:t>
+              <a:t>3/25/2019</a:t>
             </a:fld>
             <a:endParaRPr lang="en-US"/>
           </a:p>
@@ -2652,7 +2739,7 @@
           <a:p>
             <a:fld id="{1D8BD707-D9CF-40AE-B4C6-C98DA3205C09}" type="datetimeFigureOut">
               <a:rPr lang="en-US" smtClean="0"/>
-              <a:t>3/24/2019</a:t>
+              <a:t>3/25/2019</a:t>
             </a:fld>
             <a:endParaRPr lang="en-US"/>
           </a:p>
@@ -2747,7 +2834,7 @@
           <a:p>
             <a:fld id="{1D8BD707-D9CF-40AE-B4C6-C98DA3205C09}" type="datetimeFigureOut">
               <a:rPr lang="en-US" smtClean="0"/>
-              <a:t>3/24/2019</a:t>
+              <a:t>3/25/2019</a:t>
             </a:fld>
             <a:endParaRPr lang="en-US"/>
           </a:p>
@@ -3000,7 +3087,7 @@
           <a:p>
             <a:fld id="{1D8BD707-D9CF-40AE-B4C6-C98DA3205C09}" type="datetimeFigureOut">
               <a:rPr lang="en-US" smtClean="0"/>
-              <a:t>3/24/2019</a:t>
+              <a:t>3/25/2019</a:t>
             </a:fld>
             <a:endParaRPr lang="en-US"/>
           </a:p>
@@ -3445,7 +3532,7 @@
           <a:p>
             <a:fld id="{1D8BD707-D9CF-40AE-B4C6-C98DA3205C09}" type="datetimeFigureOut">
               <a:rPr lang="en-US" smtClean="0"/>
-              <a:t>3/24/2019</a:t>
+              <a:t>3/25/2019</a:t>
             </a:fld>
             <a:endParaRPr lang="en-US"/>
           </a:p>
@@ -3808,7 +3895,7 @@
           <a:p>
             <a:fld id="{1D8BD707-D9CF-40AE-B4C6-C98DA3205C09}" type="datetimeFigureOut">
               <a:rPr lang="en-US" smtClean="0"/>
-              <a:t>3/24/2019</a:t>
+              <a:t>3/25/2019</a:t>
             </a:fld>
             <a:endParaRPr lang="en-US"/>
           </a:p>
@@ -9516,7 +9603,58 @@
           <a:bodyPr/>
           <a:lstStyle/>
           <a:p>
-            <a:endParaRPr lang="pt-PT"/>
+            <a:r>
+              <a:rPr lang="pt-PT" dirty="0"/>
+              <a:t>+ trabalho futuro</a:t>
+            </a:r>
+          </a:p>
+          <a:p>
+            <a:r>
+              <a:rPr lang="pt-PT" dirty="0"/>
+              <a:t>O que temos a dar</a:t>
+            </a:r>
+          </a:p>
+          <a:p>
+            <a:r>
+              <a:rPr lang="pt-PT" dirty="0"/>
+              <a:t>O que é preciso para o trabalho geral</a:t>
+            </a:r>
+          </a:p>
+          <a:p>
+            <a:r>
+              <a:rPr lang="pt-PT" dirty="0"/>
+              <a:t>Melhores exemplos do que temos</a:t>
+            </a:r>
+          </a:p>
+          <a:p>
+            <a:r>
+              <a:rPr lang="pt-PT" dirty="0"/>
+              <a:t>Explicar porque começamos por onde começamos</a:t>
+            </a:r>
+          </a:p>
+          <a:p>
+            <a:r>
+              <a:rPr lang="pt-PT" dirty="0" err="1"/>
+              <a:t>Logs</a:t>
+            </a:r>
+            <a:r>
+              <a:rPr lang="pt-PT" dirty="0"/>
+              <a:t>, aprendizagem.</a:t>
+            </a:r>
+          </a:p>
+          <a:p>
+            <a:r>
+              <a:rPr lang="pt-PT" dirty="0"/>
+              <a:t>Criar </a:t>
+            </a:r>
+            <a:r>
+              <a:rPr lang="pt-PT" dirty="0" err="1"/>
+              <a:t>subbots</a:t>
+            </a:r>
+            <a:r>
+              <a:rPr lang="pt-PT" dirty="0"/>
+              <a:t>, somar, prioridades, …</a:t>
+            </a:r>
           </a:p>
         </p:txBody>
       </p:sp>

--- a/LEI/apresentações/apresLEI.pptx
+++ b/LEI/apresentações/apresLEI.pptx
@@ -5,19 +5,18 @@
     <p:sldMasterId id="2147483648" r:id="rId1"/>
   </p:sldMasterIdLst>
   <p:notesMasterIdLst>
-    <p:notesMasterId r:id="rId12"/>
+    <p:notesMasterId r:id="rId11"/>
   </p:notesMasterIdLst>
   <p:sldIdLst>
     <p:sldId id="256" r:id="rId2"/>
     <p:sldId id="257" r:id="rId3"/>
     <p:sldId id="272" r:id="rId4"/>
     <p:sldId id="274" r:id="rId5"/>
-    <p:sldId id="267" r:id="rId6"/>
-    <p:sldId id="275" r:id="rId7"/>
-    <p:sldId id="292" r:id="rId8"/>
-    <p:sldId id="266" r:id="rId9"/>
-    <p:sldId id="293" r:id="rId10"/>
-    <p:sldId id="291" r:id="rId11"/>
+    <p:sldId id="275" r:id="rId6"/>
+    <p:sldId id="294" r:id="rId7"/>
+    <p:sldId id="266" r:id="rId8"/>
+    <p:sldId id="295" r:id="rId9"/>
+    <p:sldId id="291" r:id="rId10"/>
   </p:sldIdLst>
   <p:sldSz cx="9144000" cy="6858000" type="screen4x3"/>
   <p:notesSz cx="9144000" cy="6858000"/>
@@ -623,6 +622,519 @@
             <a:spLocks noGrp="1"/>
           </p:cNvSpPr>
           <p:nvPr>
+            <p:ph type="sldNum" sz="quarter" idx="5"/>
+          </p:nvPr>
+        </p:nvSpPr>
+        <p:spPr/>
+        <p:txBody>
+          <a:bodyPr/>
+          <a:lstStyle/>
+          <a:p>
+            <a:fld id="{62C9FF69-D9AD-48B5-8D39-7AA42039F77D}" type="slidenum">
+              <a:rPr lang="pt-PT" smtClean="0"/>
+              <a:t>4</a:t>
+            </a:fld>
+            <a:endParaRPr lang="pt-PT"/>
+          </a:p>
+        </p:txBody>
+      </p:sp>
+    </p:spTree>
+    <p:extLst>
+      <p:ext uri="{BB962C8B-B14F-4D97-AF65-F5344CB8AC3E}">
+        <p14:creationId xmlns:p14="http://schemas.microsoft.com/office/powerpoint/2010/main" val="596858377"/>
+      </p:ext>
+    </p:extLst>
+  </p:cSld>
+  <p:clrMapOvr>
+    <a:masterClrMapping/>
+  </p:clrMapOvr>
+</p:notes>
+</file>
+
+<file path=ppt/notesSlides/notesSlide3.xml><?xml version="1.0" encoding="utf-8"?>
+<p:notes xmlns:a="http://schemas.openxmlformats.org/drawingml/2006/main" xmlns:r="http://schemas.openxmlformats.org/officeDocument/2006/relationships" xmlns:p="http://schemas.openxmlformats.org/presentationml/2006/main">
+  <p:cSld>
+    <p:spTree>
+      <p:nvGrpSpPr>
+        <p:cNvPr id="1" name=""/>
+        <p:cNvGrpSpPr/>
+        <p:nvPr/>
+      </p:nvGrpSpPr>
+      <p:grpSpPr>
+        <a:xfrm>
+          <a:off x="0" y="0"/>
+          <a:ext cx="0" cy="0"/>
+          <a:chOff x="0" y="0"/>
+          <a:chExt cx="0" cy="0"/>
+        </a:xfrm>
+      </p:grpSpPr>
+      <p:sp>
+        <p:nvSpPr>
+          <p:cNvPr id="2" name="Marcador de Posição da Imagem do Diapositivo 1"/>
+          <p:cNvSpPr>
+            <a:spLocks noGrp="1" noRot="1" noChangeAspect="1"/>
+          </p:cNvSpPr>
+          <p:nvPr>
+            <p:ph type="sldImg"/>
+          </p:nvPr>
+        </p:nvSpPr>
+        <p:spPr/>
+      </p:sp>
+      <p:sp>
+        <p:nvSpPr>
+          <p:cNvPr id="3" name="Marcador de Posição de Notas 2"/>
+          <p:cNvSpPr>
+            <a:spLocks noGrp="1"/>
+          </p:cNvSpPr>
+          <p:nvPr>
+            <p:ph type="body" idx="1"/>
+          </p:nvPr>
+        </p:nvSpPr>
+        <p:spPr/>
+        <p:txBody>
+          <a:bodyPr/>
+          <a:lstStyle/>
+          <a:p>
+            <a:r>
+              <a:rPr lang="pt-PT" dirty="0"/>
+              <a:t>Explicar na responde o processo geral de resposta (</a:t>
+            </a:r>
+            <a:r>
+              <a:rPr lang="pt-PT" dirty="0" err="1"/>
+              <a:t>pseudo</a:t>
+            </a:r>
+            <a:r>
+              <a:rPr lang="pt-PT" dirty="0"/>
+              <a:t> código)</a:t>
+            </a:r>
+          </a:p>
+          <a:p>
+            <a:r>
+              <a:rPr lang="pt-PT" dirty="0"/>
+              <a:t>Regras de cima a ver com os exemplos de que falamos (</a:t>
+            </a:r>
+            <a:r>
+              <a:rPr lang="pt-PT" dirty="0" err="1"/>
+              <a:t>else</a:t>
+            </a:r>
+            <a:r>
+              <a:rPr lang="pt-PT" dirty="0"/>
+              <a:t> </a:t>
+            </a:r>
+            <a:r>
+              <a:rPr lang="pt-PT" dirty="0" err="1"/>
+              <a:t>qdo</a:t>
+            </a:r>
+            <a:r>
+              <a:rPr lang="pt-PT" dirty="0"/>
+              <a:t> n dá match com nenhumas regras)</a:t>
+            </a:r>
+          </a:p>
+          <a:p>
+            <a:r>
+              <a:rPr lang="pt-PT" dirty="0"/>
+              <a:t>Mudar nomes das coisas para se perceber melhor o que está a acontecer.</a:t>
+            </a:r>
+          </a:p>
+          <a:p>
+            <a:r>
+              <a:rPr lang="pt-PT" dirty="0" err="1"/>
+              <a:t>Get</a:t>
+            </a:r>
+            <a:r>
+              <a:rPr lang="pt-PT" dirty="0"/>
+              <a:t> keywords.</a:t>
+            </a:r>
+          </a:p>
+          <a:p>
+            <a:r>
+              <a:rPr lang="pt-PT" dirty="0"/>
+              <a:t>Já estamos a fazer protótipos que generalizam o </a:t>
+            </a:r>
+            <a:r>
+              <a:rPr lang="pt-PT" dirty="0" err="1"/>
+              <a:t>re.match</a:t>
+            </a:r>
+            <a:r>
+              <a:rPr lang="pt-PT" dirty="0"/>
+              <a:t>.</a:t>
+            </a:r>
+          </a:p>
+          <a:p>
+            <a:r>
+              <a:rPr lang="pt-PT" dirty="0"/>
+              <a:t>É tudo </a:t>
+            </a:r>
+            <a:r>
+              <a:rPr lang="pt-PT" dirty="0" err="1"/>
+              <a:t>mto</a:t>
+            </a:r>
+            <a:r>
+              <a:rPr lang="pt-PT" dirty="0"/>
+              <a:t> geral, n estamos a mostrar como usar as prioridades etc</a:t>
+            </a:r>
+          </a:p>
+        </p:txBody>
+      </p:sp>
+      <p:sp>
+        <p:nvSpPr>
+          <p:cNvPr id="4" name="Marcador de Posição do Número do Diapositivo 3"/>
+          <p:cNvSpPr>
+            <a:spLocks noGrp="1"/>
+          </p:cNvSpPr>
+          <p:nvPr>
+            <p:ph type="sldNum" sz="quarter" idx="5"/>
+          </p:nvPr>
+        </p:nvSpPr>
+        <p:spPr/>
+        <p:txBody>
+          <a:bodyPr/>
+          <a:lstStyle/>
+          <a:p>
+            <a:fld id="{62C9FF69-D9AD-48B5-8D39-7AA42039F77D}" type="slidenum">
+              <a:rPr lang="pt-PT" smtClean="0"/>
+              <a:t>6</a:t>
+            </a:fld>
+            <a:endParaRPr lang="pt-PT"/>
+          </a:p>
+        </p:txBody>
+      </p:sp>
+    </p:spTree>
+    <p:extLst>
+      <p:ext uri="{BB962C8B-B14F-4D97-AF65-F5344CB8AC3E}">
+        <p14:creationId xmlns:p14="http://schemas.microsoft.com/office/powerpoint/2010/main" val="2837080322"/>
+      </p:ext>
+    </p:extLst>
+  </p:cSld>
+  <p:clrMapOvr>
+    <a:masterClrMapping/>
+  </p:clrMapOvr>
+</p:notes>
+</file>
+
+<file path=ppt/notesSlides/notesSlide4.xml><?xml version="1.0" encoding="utf-8"?>
+<p:notes xmlns:a="http://schemas.openxmlformats.org/drawingml/2006/main" xmlns:r="http://schemas.openxmlformats.org/officeDocument/2006/relationships" xmlns:p="http://schemas.openxmlformats.org/presentationml/2006/main">
+  <p:cSld>
+    <p:spTree>
+      <p:nvGrpSpPr>
+        <p:cNvPr id="1" name=""/>
+        <p:cNvGrpSpPr/>
+        <p:nvPr/>
+      </p:nvGrpSpPr>
+      <p:grpSpPr>
+        <a:xfrm>
+          <a:off x="0" y="0"/>
+          <a:ext cx="0" cy="0"/>
+          <a:chOff x="0" y="0"/>
+          <a:chExt cx="0" cy="0"/>
+        </a:xfrm>
+      </p:grpSpPr>
+      <p:sp>
+        <p:nvSpPr>
+          <p:cNvPr id="2" name="Marcador de Posição da Imagem do Diapositivo 1"/>
+          <p:cNvSpPr>
+            <a:spLocks noGrp="1" noRot="1" noChangeAspect="1"/>
+          </p:cNvSpPr>
+          <p:nvPr>
+            <p:ph type="sldImg"/>
+          </p:nvPr>
+        </p:nvSpPr>
+        <p:spPr/>
+      </p:sp>
+      <p:sp>
+        <p:nvSpPr>
+          <p:cNvPr id="3" name="Marcador de Posição de Notas 2"/>
+          <p:cNvSpPr>
+            <a:spLocks noGrp="1"/>
+          </p:cNvSpPr>
+          <p:nvPr>
+            <p:ph type="body" idx="1"/>
+          </p:nvPr>
+        </p:nvSpPr>
+        <p:spPr/>
+        <p:txBody>
+          <a:bodyPr/>
+          <a:lstStyle/>
+          <a:p>
+            <a:r>
+              <a:rPr lang="pt-PT" dirty="0"/>
+              <a:t>Destacar coisas e dizer qual o </a:t>
+            </a:r>
+            <a:r>
+              <a:rPr lang="pt-PT" dirty="0" err="1"/>
+              <a:t>bot</a:t>
+            </a:r>
+            <a:r>
+              <a:rPr lang="pt-PT" dirty="0"/>
+              <a:t>. </a:t>
+            </a:r>
+          </a:p>
+          <a:p>
+            <a:r>
+              <a:rPr lang="pt-PT" dirty="0"/>
+              <a:t>Explicar  que se está a passar.</a:t>
+            </a:r>
+          </a:p>
+        </p:txBody>
+      </p:sp>
+      <p:sp>
+        <p:nvSpPr>
+          <p:cNvPr id="4" name="Marcador de Posição do Número do Diapositivo 3"/>
+          <p:cNvSpPr>
+            <a:spLocks noGrp="1"/>
+          </p:cNvSpPr>
+          <p:nvPr>
+            <p:ph type="sldNum" sz="quarter" idx="5"/>
+          </p:nvPr>
+        </p:nvSpPr>
+        <p:spPr/>
+        <p:txBody>
+          <a:bodyPr/>
+          <a:lstStyle/>
+          <a:p>
+            <a:fld id="{62C9FF69-D9AD-48B5-8D39-7AA42039F77D}" type="slidenum">
+              <a:rPr lang="pt-PT" smtClean="0"/>
+              <a:t>7</a:t>
+            </a:fld>
+            <a:endParaRPr lang="pt-PT"/>
+          </a:p>
+        </p:txBody>
+      </p:sp>
+    </p:spTree>
+    <p:extLst>
+      <p:ext uri="{BB962C8B-B14F-4D97-AF65-F5344CB8AC3E}">
+        <p14:creationId xmlns:p14="http://schemas.microsoft.com/office/powerpoint/2010/main" val="1184834112"/>
+      </p:ext>
+    </p:extLst>
+  </p:cSld>
+  <p:clrMapOvr>
+    <a:masterClrMapping/>
+  </p:clrMapOvr>
+</p:notes>
+</file>
+
+<file path=ppt/notesSlides/notesSlide5.xml><?xml version="1.0" encoding="utf-8"?>
+<p:notes xmlns:a="http://schemas.openxmlformats.org/drawingml/2006/main" xmlns:r="http://schemas.openxmlformats.org/officeDocument/2006/relationships" xmlns:p="http://schemas.openxmlformats.org/presentationml/2006/main">
+  <p:cSld>
+    <p:spTree>
+      <p:nvGrpSpPr>
+        <p:cNvPr id="1" name=""/>
+        <p:cNvGrpSpPr/>
+        <p:nvPr/>
+      </p:nvGrpSpPr>
+      <p:grpSpPr>
+        <a:xfrm>
+          <a:off x="0" y="0"/>
+          <a:ext cx="0" cy="0"/>
+          <a:chOff x="0" y="0"/>
+          <a:chExt cx="0" cy="0"/>
+        </a:xfrm>
+      </p:grpSpPr>
+      <p:sp>
+        <p:nvSpPr>
+          <p:cNvPr id="2" name="Marcador de Posição da Imagem do Diapositivo 1"/>
+          <p:cNvSpPr>
+            <a:spLocks noGrp="1" noRot="1" noChangeAspect="1"/>
+          </p:cNvSpPr>
+          <p:nvPr>
+            <p:ph type="sldImg"/>
+          </p:nvPr>
+        </p:nvSpPr>
+        <p:spPr/>
+      </p:sp>
+      <p:sp>
+        <p:nvSpPr>
+          <p:cNvPr id="3" name="Marcador de Posição de Notas 2"/>
+          <p:cNvSpPr>
+            <a:spLocks noGrp="1"/>
+          </p:cNvSpPr>
+          <p:nvPr>
+            <p:ph type="body" idx="1"/>
+          </p:nvPr>
+        </p:nvSpPr>
+        <p:spPr/>
+        <p:txBody>
+          <a:bodyPr/>
+          <a:lstStyle/>
+          <a:p>
+            <a:r>
+              <a:rPr lang="pt-PT" dirty="0"/>
+              <a:t>Dizer que já começamos aos poucos</a:t>
+            </a:r>
+          </a:p>
+          <a:p>
+            <a:r>
+              <a:rPr lang="pt-PT" dirty="0"/>
+              <a:t>Que estados e tipo de informação guardar (perfil de utilizador, etc…)</a:t>
+            </a:r>
+          </a:p>
+          <a:p>
+            <a:r>
+              <a:rPr lang="pt-PT" dirty="0"/>
+              <a:t>Maneiras de aprender: </a:t>
+            </a:r>
+            <a:r>
+              <a:rPr lang="pt-PT" dirty="0" err="1"/>
+              <a:t>hardcoded</a:t>
+            </a:r>
+            <a:r>
+              <a:rPr lang="pt-PT" dirty="0"/>
+              <a:t>; generalizar por keywords; o meu x favorito é y. </a:t>
+            </a:r>
+            <a:r>
+              <a:rPr lang="pt-PT" dirty="0" err="1"/>
+              <a:t>aka</a:t>
+            </a:r>
+            <a:r>
+              <a:rPr lang="pt-PT" dirty="0"/>
+              <a:t>, criar perfis dos utilizador; aprender a partir de excertos de diálogos. </a:t>
+            </a:r>
+            <a:r>
+              <a:rPr lang="pt-PT" dirty="0" err="1"/>
+              <a:t>FAQs</a:t>
+            </a:r>
+            <a:r>
+              <a:rPr lang="pt-PT" dirty="0"/>
+              <a:t>. </a:t>
+            </a:r>
+          </a:p>
+          <a:p>
+            <a:r>
+              <a:rPr lang="pt-PT" dirty="0"/>
+              <a:t>(se recebe </a:t>
+            </a:r>
+            <a:r>
+              <a:rPr lang="pt-PT" dirty="0" err="1"/>
+              <a:t>faqs</a:t>
+            </a:r>
+            <a:r>
+              <a:rPr lang="pt-PT" dirty="0"/>
+              <a:t> </a:t>
+            </a:r>
+            <a:r>
+              <a:rPr lang="pt-PT" dirty="0" err="1"/>
+              <a:t>ex</a:t>
+            </a:r>
+            <a:r>
+              <a:rPr lang="pt-PT" dirty="0"/>
+              <a:t>; qual é o telefone do </a:t>
+            </a:r>
+            <a:r>
+              <a:rPr lang="pt-PT" dirty="0" err="1"/>
+              <a:t>cesium</a:t>
+            </a:r>
+            <a:r>
+              <a:rPr lang="pt-PT" dirty="0"/>
+              <a:t>. E alguém disser algo com essas keywords e ele n souber o que responder deteta as keywords e responde com isso). Ex: módulos </a:t>
+            </a:r>
+            <a:r>
+              <a:rPr lang="pt-PT" dirty="0" err="1"/>
+              <a:t>python</a:t>
+            </a:r>
+            <a:r>
+              <a:rPr lang="pt-PT" dirty="0"/>
+              <a:t> que aprende com diálogos.</a:t>
+            </a:r>
+          </a:p>
+          <a:p>
+            <a:r>
+              <a:rPr lang="pt-PT" dirty="0"/>
+              <a:t>Responder como pessoas responderiam aprender com diálogos de pessoas de por exemplo filmes.</a:t>
+            </a:r>
+          </a:p>
+        </p:txBody>
+      </p:sp>
+      <p:sp>
+        <p:nvSpPr>
+          <p:cNvPr id="4" name="Marcador de Posição do Número do Diapositivo 3"/>
+          <p:cNvSpPr>
+            <a:spLocks noGrp="1"/>
+          </p:cNvSpPr>
+          <p:nvPr>
+            <p:ph type="sldNum" sz="quarter" idx="5"/>
+          </p:nvPr>
+        </p:nvSpPr>
+        <p:spPr/>
+        <p:txBody>
+          <a:bodyPr/>
+          <a:lstStyle/>
+          <a:p>
+            <a:fld id="{62C9FF69-D9AD-48B5-8D39-7AA42039F77D}" type="slidenum">
+              <a:rPr lang="pt-PT" smtClean="0"/>
+              <a:t>8</a:t>
+            </a:fld>
+            <a:endParaRPr lang="pt-PT"/>
+          </a:p>
+        </p:txBody>
+      </p:sp>
+    </p:spTree>
+    <p:extLst>
+      <p:ext uri="{BB962C8B-B14F-4D97-AF65-F5344CB8AC3E}">
+        <p14:creationId xmlns:p14="http://schemas.microsoft.com/office/powerpoint/2010/main" val="2174473249"/>
+      </p:ext>
+    </p:extLst>
+  </p:cSld>
+  <p:clrMapOvr>
+    <a:masterClrMapping/>
+  </p:clrMapOvr>
+</p:notes>
+</file>
+
+<file path=ppt/notesSlides/notesSlide6.xml><?xml version="1.0" encoding="utf-8"?>
+<p:notes xmlns:a="http://schemas.openxmlformats.org/drawingml/2006/main" xmlns:r="http://schemas.openxmlformats.org/officeDocument/2006/relationships" xmlns:p="http://schemas.openxmlformats.org/presentationml/2006/main">
+  <p:cSld>
+    <p:spTree>
+      <p:nvGrpSpPr>
+        <p:cNvPr id="1" name=""/>
+        <p:cNvGrpSpPr/>
+        <p:nvPr/>
+      </p:nvGrpSpPr>
+      <p:grpSpPr>
+        <a:xfrm>
+          <a:off x="0" y="0"/>
+          <a:ext cx="0" cy="0"/>
+          <a:chOff x="0" y="0"/>
+          <a:chExt cx="0" cy="0"/>
+        </a:xfrm>
+      </p:grpSpPr>
+      <p:sp>
+        <p:nvSpPr>
+          <p:cNvPr id="2" name="Marcador de Posição da Imagem do Diapositivo 1"/>
+          <p:cNvSpPr>
+            <a:spLocks noGrp="1" noRot="1" noChangeAspect="1"/>
+          </p:cNvSpPr>
+          <p:nvPr>
+            <p:ph type="sldImg"/>
+          </p:nvPr>
+        </p:nvSpPr>
+        <p:spPr/>
+      </p:sp>
+      <p:sp>
+        <p:nvSpPr>
+          <p:cNvPr id="3" name="Marcador de Posição de Notas 2"/>
+          <p:cNvSpPr>
+            <a:spLocks noGrp="1"/>
+          </p:cNvSpPr>
+          <p:nvPr>
+            <p:ph type="body" idx="1"/>
+          </p:nvPr>
+        </p:nvSpPr>
+        <p:spPr/>
+        <p:txBody>
+          <a:bodyPr/>
+          <a:lstStyle/>
+          <a:p>
+            <a:endParaRPr lang="pt-PT" dirty="0"/>
+          </a:p>
+        </p:txBody>
+      </p:sp>
+      <p:sp>
+        <p:nvSpPr>
+          <p:cNvPr id="4" name="Marcador de Posição do Número do Diapositivo 3"/>
+          <p:cNvSpPr>
+            <a:spLocks noGrp="1"/>
+          </p:cNvSpPr>
+          <p:nvPr>
             <p:ph type="sldNum" sz="quarter" idx="10"/>
           </p:nvPr>
         </p:nvSpPr>
@@ -633,7 +1145,7 @@
           <a:p>
             <a:fld id="{62C9FF69-D9AD-48B5-8D39-7AA42039F77D}" type="slidenum">
               <a:rPr lang="pt-PT" smtClean="0"/>
-              <a:t>10</a:t>
+              <a:t>9</a:t>
             </a:fld>
             <a:endParaRPr lang="pt-PT"/>
           </a:p>
@@ -2894,757 +3406,6 @@
 </p:sld>
 </file>
 
-<file path=ppt/slides/slide10.xml><?xml version="1.0" encoding="utf-8"?>
-<p:sld xmlns:a="http://schemas.openxmlformats.org/drawingml/2006/main" xmlns:r="http://schemas.openxmlformats.org/officeDocument/2006/relationships" xmlns:p="http://schemas.openxmlformats.org/presentationml/2006/main">
-  <p:cSld>
-    <p:spTree>
-      <p:nvGrpSpPr>
-        <p:cNvPr id="1" name=""/>
-        <p:cNvGrpSpPr/>
-        <p:nvPr/>
-      </p:nvGrpSpPr>
-      <p:grpSpPr>
-        <a:xfrm>
-          <a:off x="0" y="0"/>
-          <a:ext cx="0" cy="0"/>
-          <a:chOff x="0" y="0"/>
-          <a:chExt cx="0" cy="0"/>
-        </a:xfrm>
-      </p:grpSpPr>
-      <p:sp>
-        <p:nvSpPr>
-          <p:cNvPr id="2" name="object 2"/>
-          <p:cNvSpPr/>
-          <p:nvPr/>
-        </p:nvSpPr>
-        <p:spPr>
-          <a:xfrm>
-            <a:off x="0" y="0"/>
-            <a:ext cx="3790950" cy="6858000"/>
-          </a:xfrm>
-          <a:custGeom>
-            <a:avLst/>
-            <a:gdLst/>
-            <a:ahLst/>
-            <a:cxnLst/>
-            <a:rect l="l" t="t" r="r" b="b"/>
-            <a:pathLst>
-              <a:path w="3790950" h="6858000">
-                <a:moveTo>
-                  <a:pt x="0" y="6858000"/>
-                </a:moveTo>
-                <a:lnTo>
-                  <a:pt x="3790416" y="6858000"/>
-                </a:lnTo>
-                <a:lnTo>
-                  <a:pt x="3790416" y="0"/>
-                </a:lnTo>
-                <a:lnTo>
-                  <a:pt x="0" y="0"/>
-                </a:lnTo>
-                <a:lnTo>
-                  <a:pt x="0" y="6858000"/>
-                </a:lnTo>
-                <a:close/>
-              </a:path>
-            </a:pathLst>
-          </a:custGeom>
-          <a:solidFill>
-            <a:srgbClr val="00ADE2"/>
-          </a:solidFill>
-        </p:spPr>
-        <p:txBody>
-          <a:bodyPr wrap="square" lIns="0" tIns="0" rIns="0" bIns="0" rtlCol="0"/>
-          <a:lstStyle/>
-          <a:p>
-            <a:endParaRPr dirty="0">
-              <a:solidFill>
-                <a:srgbClr val="FF0000"/>
-              </a:solidFill>
-            </a:endParaRPr>
-          </a:p>
-        </p:txBody>
-      </p:sp>
-      <p:sp>
-        <p:nvSpPr>
-          <p:cNvPr id="3" name="object 3"/>
-          <p:cNvSpPr/>
-          <p:nvPr/>
-        </p:nvSpPr>
-        <p:spPr>
-          <a:xfrm>
-            <a:off x="3806432" y="0"/>
-            <a:ext cx="5337924" cy="6858000"/>
-          </a:xfrm>
-          <a:custGeom>
-            <a:avLst/>
-            <a:gdLst/>
-            <a:ahLst/>
-            <a:cxnLst/>
-            <a:rect l="l" t="t" r="r" b="b"/>
-            <a:pathLst>
-              <a:path w="5254625" h="6858000">
-                <a:moveTo>
-                  <a:pt x="0" y="6858000"/>
-                </a:moveTo>
-                <a:lnTo>
-                  <a:pt x="5254269" y="6858000"/>
-                </a:lnTo>
-                <a:lnTo>
-                  <a:pt x="5254269" y="0"/>
-                </a:lnTo>
-                <a:lnTo>
-                  <a:pt x="0" y="0"/>
-                </a:lnTo>
-                <a:lnTo>
-                  <a:pt x="0" y="6858000"/>
-                </a:lnTo>
-                <a:close/>
-              </a:path>
-            </a:pathLst>
-          </a:custGeom>
-          <a:solidFill>
-            <a:srgbClr val="38505F"/>
-          </a:solidFill>
-        </p:spPr>
-        <p:txBody>
-          <a:bodyPr wrap="square" lIns="0" tIns="0" rIns="0" bIns="0" rtlCol="0"/>
-          <a:lstStyle/>
-          <a:p>
-            <a:endParaRPr dirty="0"/>
-          </a:p>
-        </p:txBody>
-      </p:sp>
-      <p:sp>
-        <p:nvSpPr>
-          <p:cNvPr id="4" name="object 4"/>
-          <p:cNvSpPr txBox="1"/>
-          <p:nvPr/>
-        </p:nvSpPr>
-        <p:spPr>
-          <a:xfrm>
-            <a:off x="4393769" y="2907495"/>
-            <a:ext cx="4481552" cy="446276"/>
-          </a:xfrm>
-          <a:prstGeom prst="rect">
-            <a:avLst/>
-          </a:prstGeom>
-        </p:spPr>
-        <p:txBody>
-          <a:bodyPr vert="horz" wrap="square" lIns="0" tIns="76200" rIns="0" bIns="0" rtlCol="0">
-            <a:spAutoFit/>
-          </a:bodyPr>
-          <a:lstStyle/>
-          <a:p>
-            <a:pPr algn="ctr">
-              <a:lnSpc>
-                <a:spcPct val="100000"/>
-              </a:lnSpc>
-              <a:spcBef>
-                <a:spcPts val="600"/>
-              </a:spcBef>
-            </a:pPr>
-            <a:r>
-              <a:rPr lang="pt-PT" sz="2400" b="1" spc="-90" dirty="0">
-                <a:solidFill>
-                  <a:srgbClr val="FFFFFF"/>
-                </a:solidFill>
-                <a:latin typeface="Arial"/>
-                <a:cs typeface="Arial"/>
-              </a:rPr>
-              <a:t>DSL para a geração de </a:t>
-            </a:r>
-            <a:r>
-              <a:rPr lang="pt-PT" sz="2400" b="1" spc="-90" dirty="0" err="1">
-                <a:solidFill>
-                  <a:srgbClr val="FFFFFF"/>
-                </a:solidFill>
-                <a:latin typeface="Arial"/>
-                <a:cs typeface="Arial"/>
-              </a:rPr>
-              <a:t>Chatbots</a:t>
-            </a:r>
-            <a:endParaRPr sz="2400" dirty="0">
-              <a:latin typeface="Arial"/>
-              <a:cs typeface="Arial"/>
-            </a:endParaRPr>
-          </a:p>
-        </p:txBody>
-      </p:sp>
-      <p:sp>
-        <p:nvSpPr>
-          <p:cNvPr id="5" name="object 5"/>
-          <p:cNvSpPr/>
-          <p:nvPr/>
-        </p:nvSpPr>
-        <p:spPr>
-          <a:xfrm>
-            <a:off x="7689417" y="406961"/>
-            <a:ext cx="1485900" cy="762000"/>
-          </a:xfrm>
-          <a:prstGeom prst="rect">
-            <a:avLst/>
-          </a:prstGeom>
-          <a:blipFill>
-            <a:blip r:embed="rId3" cstate="print"/>
-            <a:stretch>
-              <a:fillRect/>
-            </a:stretch>
-          </a:blipFill>
-        </p:spPr>
-        <p:txBody>
-          <a:bodyPr wrap="square" lIns="0" tIns="0" rIns="0" bIns="0" rtlCol="0"/>
-          <a:lstStyle/>
-          <a:p>
-            <a:endParaRPr dirty="0"/>
-          </a:p>
-        </p:txBody>
-      </p:sp>
-      <p:sp>
-        <p:nvSpPr>
-          <p:cNvPr id="6" name="object 6"/>
-          <p:cNvSpPr txBox="1"/>
-          <p:nvPr/>
-        </p:nvSpPr>
-        <p:spPr>
-          <a:xfrm>
-            <a:off x="5410200" y="5638800"/>
-            <a:ext cx="2743200" cy="1043491"/>
-          </a:xfrm>
-          <a:prstGeom prst="rect">
-            <a:avLst/>
-          </a:prstGeom>
-        </p:spPr>
-        <p:txBody>
-          <a:bodyPr vert="horz" wrap="square" lIns="0" tIns="12700" rIns="0" bIns="0" rtlCol="0">
-            <a:spAutoFit/>
-          </a:bodyPr>
-          <a:lstStyle/>
-          <a:p>
-            <a:pPr marL="19685" marR="11430" algn="ctr">
-              <a:lnSpc>
-                <a:spcPct val="166700"/>
-              </a:lnSpc>
-            </a:pPr>
-            <a:r>
-              <a:rPr lang="pt-PT" sz="1400" spc="35" dirty="0">
-                <a:solidFill>
-                  <a:srgbClr val="FFFFFF"/>
-                </a:solidFill>
-                <a:latin typeface="Arial" panose="020B0604020202020204" pitchFamily="34" charset="0"/>
-                <a:cs typeface="Arial" panose="020B0604020202020204" pitchFamily="34" charset="0"/>
-              </a:rPr>
-              <a:t>Diana Ribeiro Barbosa</a:t>
-            </a:r>
-          </a:p>
-          <a:p>
-            <a:pPr marL="19685" marR="11430" algn="ctr">
-              <a:lnSpc>
-                <a:spcPct val="166700"/>
-              </a:lnSpc>
-            </a:pPr>
-            <a:r>
-              <a:rPr sz="1400" spc="35" dirty="0">
-                <a:solidFill>
-                  <a:srgbClr val="FFFFFF"/>
-                </a:solidFill>
-                <a:latin typeface="Arial" panose="020B0604020202020204" pitchFamily="34" charset="0"/>
-                <a:cs typeface="Arial" panose="020B0604020202020204" pitchFamily="34" charset="0"/>
-              </a:rPr>
-              <a:t>Francisco </a:t>
-            </a:r>
-            <a:r>
-              <a:rPr sz="1400" spc="60" dirty="0">
-                <a:solidFill>
-                  <a:srgbClr val="FFFFFF"/>
-                </a:solidFill>
-                <a:latin typeface="Arial" panose="020B0604020202020204" pitchFamily="34" charset="0"/>
-                <a:cs typeface="Arial" panose="020B0604020202020204" pitchFamily="34" charset="0"/>
-              </a:rPr>
-              <a:t>José </a:t>
-            </a:r>
-            <a:r>
-              <a:rPr sz="1400" spc="20" dirty="0">
-                <a:solidFill>
-                  <a:srgbClr val="FFFFFF"/>
-                </a:solidFill>
-                <a:latin typeface="Arial" panose="020B0604020202020204" pitchFamily="34" charset="0"/>
-                <a:cs typeface="Arial" panose="020B0604020202020204" pitchFamily="34" charset="0"/>
-              </a:rPr>
-              <a:t>Moreira</a:t>
-            </a:r>
-            <a:r>
-              <a:rPr sz="1400" spc="-195" dirty="0">
-                <a:solidFill>
-                  <a:srgbClr val="FFFFFF"/>
-                </a:solidFill>
-                <a:latin typeface="Arial" panose="020B0604020202020204" pitchFamily="34" charset="0"/>
-                <a:cs typeface="Arial" panose="020B0604020202020204" pitchFamily="34" charset="0"/>
-              </a:rPr>
-              <a:t> </a:t>
-            </a:r>
-            <a:r>
-              <a:rPr sz="1400" spc="-5" dirty="0">
-                <a:solidFill>
-                  <a:srgbClr val="FFFFFF"/>
-                </a:solidFill>
-                <a:latin typeface="Arial" panose="020B0604020202020204" pitchFamily="34" charset="0"/>
-                <a:cs typeface="Arial" panose="020B0604020202020204" pitchFamily="34" charset="0"/>
-              </a:rPr>
-              <a:t>Oliveira  </a:t>
-            </a:r>
-            <a:r>
-              <a:rPr sz="1400" spc="20" dirty="0">
-                <a:solidFill>
-                  <a:srgbClr val="FFFFFF"/>
-                </a:solidFill>
-                <a:latin typeface="Arial" panose="020B0604020202020204" pitchFamily="34" charset="0"/>
-                <a:cs typeface="Arial" panose="020B0604020202020204" pitchFamily="34" charset="0"/>
-              </a:rPr>
-              <a:t>Raul Vilas</a:t>
-            </a:r>
-            <a:r>
-              <a:rPr sz="1400" spc="-114" dirty="0">
-                <a:solidFill>
-                  <a:srgbClr val="FFFFFF"/>
-                </a:solidFill>
-                <a:latin typeface="Arial" panose="020B0604020202020204" pitchFamily="34" charset="0"/>
-                <a:cs typeface="Arial" panose="020B0604020202020204" pitchFamily="34" charset="0"/>
-              </a:rPr>
-              <a:t> </a:t>
-            </a:r>
-            <a:r>
-              <a:rPr sz="1400" spc="75" dirty="0">
-                <a:solidFill>
-                  <a:srgbClr val="FFFFFF"/>
-                </a:solidFill>
-                <a:latin typeface="Arial" panose="020B0604020202020204" pitchFamily="34" charset="0"/>
-                <a:cs typeface="Arial" panose="020B0604020202020204" pitchFamily="34" charset="0"/>
-              </a:rPr>
-              <a:t>Boas</a:t>
-            </a:r>
-            <a:endParaRPr sz="1400" dirty="0">
-              <a:latin typeface="Arial" panose="020B0604020202020204" pitchFamily="34" charset="0"/>
-              <a:cs typeface="Arial" panose="020B0604020202020204" pitchFamily="34" charset="0"/>
-            </a:endParaRPr>
-          </a:p>
-        </p:txBody>
-      </p:sp>
-      <p:sp>
-        <p:nvSpPr>
-          <p:cNvPr id="8" name="object 8"/>
-          <p:cNvSpPr txBox="1">
-            <a:spLocks noGrp="1"/>
-          </p:cNvSpPr>
-          <p:nvPr>
-            <p:ph type="title"/>
-          </p:nvPr>
-        </p:nvSpPr>
-        <p:spPr>
-          <a:xfrm>
-            <a:off x="3851945" y="440382"/>
-            <a:ext cx="3577870" cy="704680"/>
-          </a:xfrm>
-          <a:prstGeom prst="rect">
-            <a:avLst/>
-          </a:prstGeom>
-        </p:spPr>
-        <p:txBody>
-          <a:bodyPr vert="horz" wrap="square" lIns="0" tIns="83185" rIns="0" bIns="0" rtlCol="0">
-            <a:spAutoFit/>
-          </a:bodyPr>
-          <a:lstStyle/>
-          <a:p>
-            <a:pPr marL="12700" algn="ctr">
-              <a:lnSpc>
-                <a:spcPct val="100000"/>
-              </a:lnSpc>
-              <a:spcBef>
-                <a:spcPts val="655"/>
-              </a:spcBef>
-            </a:pPr>
-            <a:r>
-              <a:rPr sz="2050" spc="-95" dirty="0" err="1">
-                <a:solidFill>
-                  <a:srgbClr val="FFFFFF"/>
-                </a:solidFill>
-                <a:latin typeface="Arial" panose="020B0604020202020204" pitchFamily="34" charset="0"/>
-                <a:cs typeface="Arial" panose="020B0604020202020204" pitchFamily="34" charset="0"/>
-              </a:rPr>
-              <a:t>Universidade</a:t>
-            </a:r>
-            <a:r>
-              <a:rPr sz="2050" spc="-95" dirty="0">
-                <a:solidFill>
-                  <a:srgbClr val="FFFFFF"/>
-                </a:solidFill>
-                <a:latin typeface="Arial" panose="020B0604020202020204" pitchFamily="34" charset="0"/>
-                <a:cs typeface="Arial" panose="020B0604020202020204" pitchFamily="34" charset="0"/>
-              </a:rPr>
-              <a:t> </a:t>
-            </a:r>
-            <a:r>
-              <a:rPr sz="2050" spc="-80" dirty="0">
-                <a:solidFill>
-                  <a:srgbClr val="FFFFFF"/>
-                </a:solidFill>
-                <a:latin typeface="Arial" panose="020B0604020202020204" pitchFamily="34" charset="0"/>
-                <a:cs typeface="Arial" panose="020B0604020202020204" pitchFamily="34" charset="0"/>
-              </a:rPr>
-              <a:t>do</a:t>
-            </a:r>
-            <a:r>
-              <a:rPr lang="pt-PT" sz="2050" spc="-80" dirty="0">
-                <a:solidFill>
-                  <a:srgbClr val="FFFFFF"/>
-                </a:solidFill>
-                <a:latin typeface="Arial" panose="020B0604020202020204" pitchFamily="34" charset="0"/>
-                <a:cs typeface="Arial" panose="020B0604020202020204" pitchFamily="34" charset="0"/>
-              </a:rPr>
-              <a:t> </a:t>
-            </a:r>
-            <a:r>
-              <a:rPr sz="2050" spc="-470" dirty="0">
-                <a:solidFill>
-                  <a:srgbClr val="FFFFFF"/>
-                </a:solidFill>
-                <a:latin typeface="Arial" panose="020B0604020202020204" pitchFamily="34" charset="0"/>
-                <a:cs typeface="Arial" panose="020B0604020202020204" pitchFamily="34" charset="0"/>
-              </a:rPr>
-              <a:t> </a:t>
-            </a:r>
-            <a:r>
-              <a:rPr sz="2050" spc="-90" dirty="0">
-                <a:solidFill>
-                  <a:srgbClr val="FFFFFF"/>
-                </a:solidFill>
-                <a:latin typeface="Arial" panose="020B0604020202020204" pitchFamily="34" charset="0"/>
-                <a:cs typeface="Arial" panose="020B0604020202020204" pitchFamily="34" charset="0"/>
-              </a:rPr>
-              <a:t>Minho</a:t>
-            </a:r>
-            <a:endParaRPr sz="2050" dirty="0">
-              <a:latin typeface="Arial" panose="020B0604020202020204" pitchFamily="34" charset="0"/>
-              <a:cs typeface="Arial" panose="020B0604020202020204" pitchFamily="34" charset="0"/>
-            </a:endParaRPr>
-          </a:p>
-          <a:p>
-            <a:pPr marL="24765" algn="ctr">
-              <a:lnSpc>
-                <a:spcPct val="100000"/>
-              </a:lnSpc>
-              <a:spcBef>
-                <a:spcPts val="439"/>
-              </a:spcBef>
-            </a:pPr>
-            <a:r>
-              <a:rPr lang="pt-PT" sz="1650" b="0" spc="-70" dirty="0">
-                <a:solidFill>
-                  <a:srgbClr val="FFFFFF"/>
-                </a:solidFill>
-                <a:latin typeface="Arial" panose="020B0604020202020204" pitchFamily="34" charset="0"/>
-                <a:cs typeface="Arial" panose="020B0604020202020204" pitchFamily="34" charset="0"/>
-              </a:rPr>
-              <a:t>Laboratório em Engenharia Informática</a:t>
-            </a:r>
-            <a:endParaRPr sz="1650" dirty="0">
-              <a:latin typeface="Arial" panose="020B0604020202020204" pitchFamily="34" charset="0"/>
-              <a:cs typeface="Arial" panose="020B0604020202020204" pitchFamily="34" charset="0"/>
-            </a:endParaRPr>
-          </a:p>
-        </p:txBody>
-      </p:sp>
-      <p:sp>
-        <p:nvSpPr>
-          <p:cNvPr id="9" name="object 9"/>
-          <p:cNvSpPr/>
-          <p:nvPr/>
-        </p:nvSpPr>
-        <p:spPr>
-          <a:xfrm>
-            <a:off x="4356914" y="2635658"/>
-            <a:ext cx="4404995" cy="0"/>
-          </a:xfrm>
-          <a:custGeom>
-            <a:avLst/>
-            <a:gdLst/>
-            <a:ahLst/>
-            <a:cxnLst/>
-            <a:rect l="l" t="t" r="r" b="b"/>
-            <a:pathLst>
-              <a:path w="4404995">
-                <a:moveTo>
-                  <a:pt x="0" y="0"/>
-                </a:moveTo>
-                <a:lnTo>
-                  <a:pt x="4404462" y="1"/>
-                </a:lnTo>
-              </a:path>
-            </a:pathLst>
-          </a:custGeom>
-          <a:ln w="52916">
-            <a:solidFill>
-              <a:srgbClr val="00ADE2"/>
-            </a:solidFill>
-          </a:ln>
-        </p:spPr>
-        <p:txBody>
-          <a:bodyPr wrap="square" lIns="0" tIns="0" rIns="0" bIns="0" rtlCol="0"/>
-          <a:lstStyle/>
-          <a:p>
-            <a:endParaRPr/>
-          </a:p>
-        </p:txBody>
-      </p:sp>
-      <p:sp>
-        <p:nvSpPr>
-          <p:cNvPr id="10" name="object 10"/>
-          <p:cNvSpPr/>
-          <p:nvPr/>
-        </p:nvSpPr>
-        <p:spPr>
-          <a:xfrm>
-            <a:off x="4639756" y="2468881"/>
-            <a:ext cx="3839210" cy="0"/>
-          </a:xfrm>
-          <a:custGeom>
-            <a:avLst/>
-            <a:gdLst/>
-            <a:ahLst/>
-            <a:cxnLst/>
-            <a:rect l="l" t="t" r="r" b="b"/>
-            <a:pathLst>
-              <a:path w="3839209">
-                <a:moveTo>
-                  <a:pt x="0" y="0"/>
-                </a:moveTo>
-                <a:lnTo>
-                  <a:pt x="3838782" y="1"/>
-                </a:lnTo>
-              </a:path>
-            </a:pathLst>
-          </a:custGeom>
-          <a:ln w="52916">
-            <a:solidFill>
-              <a:srgbClr val="00ADE2"/>
-            </a:solidFill>
-          </a:ln>
-        </p:spPr>
-        <p:txBody>
-          <a:bodyPr wrap="square" lIns="0" tIns="0" rIns="0" bIns="0" rtlCol="0"/>
-          <a:lstStyle/>
-          <a:p>
-            <a:endParaRPr/>
-          </a:p>
-        </p:txBody>
-      </p:sp>
-      <p:sp>
-        <p:nvSpPr>
-          <p:cNvPr id="11" name="object 11"/>
-          <p:cNvSpPr/>
-          <p:nvPr/>
-        </p:nvSpPr>
-        <p:spPr>
-          <a:xfrm>
-            <a:off x="4356914" y="3693822"/>
-            <a:ext cx="4404995" cy="0"/>
-          </a:xfrm>
-          <a:custGeom>
-            <a:avLst/>
-            <a:gdLst/>
-            <a:ahLst/>
-            <a:cxnLst/>
-            <a:rect l="l" t="t" r="r" b="b"/>
-            <a:pathLst>
-              <a:path w="4404995">
-                <a:moveTo>
-                  <a:pt x="0" y="0"/>
-                </a:moveTo>
-                <a:lnTo>
-                  <a:pt x="4404462" y="1"/>
-                </a:lnTo>
-              </a:path>
-            </a:pathLst>
-          </a:custGeom>
-          <a:ln w="52916">
-            <a:solidFill>
-              <a:srgbClr val="00ADE2"/>
-            </a:solidFill>
-          </a:ln>
-        </p:spPr>
-        <p:txBody>
-          <a:bodyPr wrap="square" lIns="0" tIns="0" rIns="0" bIns="0" rtlCol="0"/>
-          <a:lstStyle/>
-          <a:p>
-            <a:endParaRPr/>
-          </a:p>
-        </p:txBody>
-      </p:sp>
-      <p:sp>
-        <p:nvSpPr>
-          <p:cNvPr id="12" name="object 12"/>
-          <p:cNvSpPr/>
-          <p:nvPr/>
-        </p:nvSpPr>
-        <p:spPr>
-          <a:xfrm>
-            <a:off x="4639756" y="3863481"/>
-            <a:ext cx="3839210" cy="0"/>
-          </a:xfrm>
-          <a:custGeom>
-            <a:avLst/>
-            <a:gdLst/>
-            <a:ahLst/>
-            <a:cxnLst/>
-            <a:rect l="l" t="t" r="r" b="b"/>
-            <a:pathLst>
-              <a:path w="3839209">
-                <a:moveTo>
-                  <a:pt x="0" y="0"/>
-                </a:moveTo>
-                <a:lnTo>
-                  <a:pt x="3838782" y="1"/>
-                </a:lnTo>
-              </a:path>
-            </a:pathLst>
-          </a:custGeom>
-          <a:ln w="52916">
-            <a:solidFill>
-              <a:srgbClr val="00ADE2"/>
-            </a:solidFill>
-          </a:ln>
-        </p:spPr>
-        <p:txBody>
-          <a:bodyPr wrap="square" lIns="0" tIns="0" rIns="0" bIns="0" rtlCol="0"/>
-          <a:lstStyle/>
-          <a:p>
-            <a:endParaRPr/>
-          </a:p>
-        </p:txBody>
-      </p:sp>
-      <p:sp>
-        <p:nvSpPr>
-          <p:cNvPr id="13" name="object 13"/>
-          <p:cNvSpPr/>
-          <p:nvPr/>
-        </p:nvSpPr>
-        <p:spPr>
-          <a:xfrm>
-            <a:off x="3697846" y="0"/>
-            <a:ext cx="108585" cy="6858000"/>
-          </a:xfrm>
-          <a:custGeom>
-            <a:avLst/>
-            <a:gdLst/>
-            <a:ahLst/>
-            <a:cxnLst/>
-            <a:rect l="l" t="t" r="r" b="b"/>
-            <a:pathLst>
-              <a:path w="108585" h="6858000">
-                <a:moveTo>
-                  <a:pt x="0" y="6858000"/>
-                </a:moveTo>
-                <a:lnTo>
-                  <a:pt x="108220" y="6858000"/>
-                </a:lnTo>
-                <a:lnTo>
-                  <a:pt x="108220" y="0"/>
-                </a:lnTo>
-                <a:lnTo>
-                  <a:pt x="0" y="0"/>
-                </a:lnTo>
-                <a:lnTo>
-                  <a:pt x="0" y="6858000"/>
-                </a:lnTo>
-                <a:close/>
-              </a:path>
-            </a:pathLst>
-          </a:custGeom>
-          <a:solidFill>
-            <a:srgbClr val="FAB200"/>
-          </a:solidFill>
-        </p:spPr>
-        <p:txBody>
-          <a:bodyPr wrap="square" lIns="0" tIns="0" rIns="0" bIns="0" rtlCol="0"/>
-          <a:lstStyle/>
-          <a:p>
-            <a:endParaRPr/>
-          </a:p>
-        </p:txBody>
-      </p:sp>
-      <p:pic>
-        <p:nvPicPr>
-          <p:cNvPr id="14" name="Imagem 13">
-            <a:extLst>
-              <a:ext uri="{FF2B5EF4-FFF2-40B4-BE49-F238E27FC236}">
-                <a16:creationId xmlns:a16="http://schemas.microsoft.com/office/drawing/2014/main" id="{C738E9B3-4162-4211-8E04-17E91A6E4892}"/>
-              </a:ext>
-            </a:extLst>
-          </p:cNvPr>
-          <p:cNvPicPr>
-            <a:picLocks noChangeAspect="1"/>
-          </p:cNvPicPr>
-          <p:nvPr/>
-        </p:nvPicPr>
-        <p:blipFill>
-          <a:blip r:embed="rId4"/>
-          <a:stretch>
-            <a:fillRect/>
-          </a:stretch>
-        </p:blipFill>
-        <p:spPr>
-          <a:xfrm>
-            <a:off x="7535422" y="386937"/>
-            <a:ext cx="1608578" cy="801678"/>
-          </a:xfrm>
-          <a:prstGeom prst="rect">
-            <a:avLst/>
-          </a:prstGeom>
-        </p:spPr>
-      </p:pic>
-      <p:pic>
-        <p:nvPicPr>
-          <p:cNvPr id="20" name="Imagem 19">
-            <a:extLst>
-              <a:ext uri="{FF2B5EF4-FFF2-40B4-BE49-F238E27FC236}">
-                <a16:creationId xmlns:a16="http://schemas.microsoft.com/office/drawing/2014/main" id="{344E8D08-D3B1-4847-AFDC-BC0E4DA08605}"/>
-              </a:ext>
-            </a:extLst>
-          </p:cNvPr>
-          <p:cNvPicPr>
-            <a:picLocks noChangeAspect="1"/>
-          </p:cNvPicPr>
-          <p:nvPr/>
-        </p:nvPicPr>
-        <p:blipFill>
-          <a:blip r:embed="rId5"/>
-          <a:stretch>
-            <a:fillRect/>
-          </a:stretch>
-        </p:blipFill>
-        <p:spPr>
-          <a:xfrm>
-            <a:off x="4567238" y="3424238"/>
-            <a:ext cx="9524" cy="9524"/>
-          </a:xfrm>
-          <a:prstGeom prst="rect">
-            <a:avLst/>
-          </a:prstGeom>
-        </p:spPr>
-      </p:pic>
-    </p:spTree>
-    <p:extLst>
-      <p:ext uri="{BB962C8B-B14F-4D97-AF65-F5344CB8AC3E}">
-        <p14:creationId xmlns:p14="http://schemas.microsoft.com/office/powerpoint/2010/main" val="3773006781"/>
-      </p:ext>
-    </p:extLst>
-  </p:cSld>
-  <p:clrMapOvr>
-    <a:masterClrMapping/>
-  </p:clrMapOvr>
-</p:sld>
-</file>
-
 <file path=ppt/slides/slide2.xml><?xml version="1.0" encoding="utf-8"?>
 <p:sld xmlns:a="http://schemas.openxmlformats.org/drawingml/2006/main" xmlns:r="http://schemas.openxmlformats.org/officeDocument/2006/relationships" xmlns:p="http://schemas.openxmlformats.org/presentationml/2006/main">
   <p:cSld>
@@ -4979,9 +4740,6 @@
           <a:lstStyle/>
           <a:p>
             <a:pPr marL="12700" algn="ctr">
-              <a:lnSpc>
-                <a:spcPct val="100000"/>
-              </a:lnSpc>
               <a:spcBef>
                 <a:spcPts val="114"/>
               </a:spcBef>
@@ -4996,7 +4754,7 @@
               </a:rPr>
               <a:t>Arquitetura</a:t>
             </a:r>
-            <a:endParaRPr sz="1650" dirty="0">
+            <a:endParaRPr lang="pt-PT" sz="1650" dirty="0">
               <a:latin typeface="Arial"/>
               <a:cs typeface="Arial"/>
             </a:endParaRPr>
@@ -5819,96 +5577,6 @@
       </p:grpSpPr>
       <p:pic>
         <p:nvPicPr>
-          <p:cNvPr id="5" name="Picture 4" descr="Resultado de imagem para alexa logo">
-            <a:extLst>
-              <a:ext uri="{FF2B5EF4-FFF2-40B4-BE49-F238E27FC236}">
-                <a16:creationId xmlns:a16="http://schemas.microsoft.com/office/drawing/2014/main" id="{0A4F798F-183F-4543-A049-D2021CE23896}"/>
-              </a:ext>
-            </a:extLst>
-          </p:cNvPr>
-          <p:cNvPicPr>
-            <a:picLocks noChangeAspect="1" noChangeArrowheads="1"/>
-          </p:cNvPicPr>
-          <p:nvPr/>
-        </p:nvPicPr>
-        <p:blipFill rotWithShape="1">
-          <a:blip r:embed="rId2">
-            <a:extLst>
-              <a:ext uri="{28A0092B-C50C-407E-A947-70E740481C1C}">
-                <a14:useLocalDpi xmlns:a14="http://schemas.microsoft.com/office/drawing/2010/main" val="0"/>
-              </a:ext>
-            </a:extLst>
-          </a:blip>
-          <a:srcRect l="18113" t="29590" r="18490" b="30702"/>
-          <a:stretch/>
-        </p:blipFill>
-        <p:spPr bwMode="auto">
-          <a:xfrm>
-            <a:off x="2551229" y="4718415"/>
-            <a:ext cx="2063986" cy="1292754"/>
-          </a:xfrm>
-          <a:prstGeom prst="rect">
-            <a:avLst/>
-          </a:prstGeom>
-          <a:noFill/>
-          <a:extLst>
-            <a:ext uri="{909E8E84-426E-40DD-AFC4-6F175D3DCCD1}">
-              <a14:hiddenFill xmlns:a14="http://schemas.microsoft.com/office/drawing/2010/main">
-                <a:solidFill>
-                  <a:srgbClr val="FFFFFF"/>
-                </a:solidFill>
-              </a14:hiddenFill>
-            </a:ext>
-          </a:extLst>
-        </p:spPr>
-      </p:pic>
-      <p:pic>
-        <p:nvPicPr>
-          <p:cNvPr id="6" name="Picture 6" descr="Resultado de imagem para google assistant logo">
-            <a:extLst>
-              <a:ext uri="{FF2B5EF4-FFF2-40B4-BE49-F238E27FC236}">
-                <a16:creationId xmlns:a16="http://schemas.microsoft.com/office/drawing/2014/main" id="{A0838082-B5C2-4926-A010-8E8DB8313E29}"/>
-              </a:ext>
-            </a:extLst>
-          </p:cNvPr>
-          <p:cNvPicPr>
-            <a:picLocks noChangeAspect="1" noChangeArrowheads="1"/>
-          </p:cNvPicPr>
-          <p:nvPr/>
-        </p:nvPicPr>
-        <p:blipFill rotWithShape="1">
-          <a:blip r:embed="rId3">
-            <a:extLst>
-              <a:ext uri="{28A0092B-C50C-407E-A947-70E740481C1C}">
-                <a14:useLocalDpi xmlns:a14="http://schemas.microsoft.com/office/drawing/2010/main" val="0"/>
-              </a:ext>
-            </a:extLst>
-          </a:blip>
-          <a:srcRect t="27039" b="32040"/>
-          <a:stretch/>
-        </p:blipFill>
-        <p:spPr bwMode="auto">
-          <a:xfrm>
-            <a:off x="2320421" y="3429000"/>
-            <a:ext cx="3946218" cy="854758"/>
-          </a:xfrm>
-          <a:prstGeom prst="rect">
-            <a:avLst/>
-          </a:prstGeom>
-          <a:noFill/>
-          <a:extLst>
-            <a:ext uri="{909E8E84-426E-40DD-AFC4-6F175D3DCCD1}">
-              <a14:hiddenFill xmlns:a14="http://schemas.microsoft.com/office/drawing/2010/main">
-                <a:solidFill>
-                  <a:srgbClr val="FFFFFF"/>
-                </a:solidFill>
-              </a14:hiddenFill>
-            </a:ext>
-          </a:extLst>
-        </p:spPr>
-      </p:pic>
-      <p:pic>
-        <p:nvPicPr>
           <p:cNvPr id="11" name="Picture 10" descr="Resultado de imagem para Mitsuku bot logo">
             <a:extLst>
               <a:ext uri="{FF2B5EF4-FFF2-40B4-BE49-F238E27FC236}">
@@ -5922,7 +5590,7 @@
           <p:nvPr/>
         </p:nvPicPr>
         <p:blipFill>
-          <a:blip r:embed="rId4">
+          <a:blip r:embed="rId3">
             <a:extLst>
               <a:ext uri="{28A0092B-C50C-407E-A947-70E740481C1C}">
                 <a14:useLocalDpi xmlns:a14="http://schemas.microsoft.com/office/drawing/2010/main" val="0"/>
@@ -5936,7 +5604,7 @@
         </p:blipFill>
         <p:spPr bwMode="auto">
           <a:xfrm>
-            <a:off x="6709241" y="3571314"/>
+            <a:off x="7043470" y="4698723"/>
             <a:ext cx="1841744" cy="1841744"/>
           </a:xfrm>
           <a:prstGeom prst="rect">
@@ -5954,52 +5622,6 @@
           </a:extLst>
         </p:spPr>
       </p:pic>
-      <p:sp>
-        <p:nvSpPr>
-          <p:cNvPr id="12" name="Retângulo 11">
-            <a:extLst>
-              <a:ext uri="{FF2B5EF4-FFF2-40B4-BE49-F238E27FC236}">
-                <a16:creationId xmlns:a16="http://schemas.microsoft.com/office/drawing/2014/main" id="{39AAABC9-442B-40FB-8B57-69E8472FB0C3}"/>
-              </a:ext>
-            </a:extLst>
-          </p:cNvPr>
-          <p:cNvSpPr/>
-          <p:nvPr/>
-        </p:nvSpPr>
-        <p:spPr>
-          <a:xfrm>
-            <a:off x="7145653" y="5413058"/>
-            <a:ext cx="968920" cy="369332"/>
-          </a:xfrm>
-          <a:prstGeom prst="rect">
-            <a:avLst/>
-          </a:prstGeom>
-        </p:spPr>
-        <p:txBody>
-          <a:bodyPr wrap="none">
-            <a:spAutoFit/>
-          </a:bodyPr>
-          <a:lstStyle/>
-          <a:p>
-            <a:r>
-              <a:rPr lang="pt-PT" dirty="0" err="1">
-                <a:solidFill>
-                  <a:schemeClr val="bg1"/>
-                </a:solidFill>
-                <a:latin typeface="Catamaran"/>
-              </a:rPr>
-              <a:t>Mitsuku</a:t>
-            </a:r>
-            <a:endParaRPr lang="pt-PT" i="0" dirty="0">
-              <a:solidFill>
-                <a:schemeClr val="bg1"/>
-              </a:solidFill>
-              <a:effectLst/>
-              <a:latin typeface="Catamaran"/>
-            </a:endParaRPr>
-          </a:p>
-        </p:txBody>
-      </p:sp>
       <p:pic>
         <p:nvPicPr>
           <p:cNvPr id="13" name="Picture 12" descr="Resultado de imagem para facebook m bot logo">
@@ -6015,11 +5637,11 @@
           <p:nvPr/>
         </p:nvPicPr>
         <p:blipFill>
-          <a:blip r:embed="rId5" cstate="print">
+          <a:blip r:embed="rId4" cstate="print">
             <a:extLst>
               <a:ext uri="{BEBA8EAE-BF5A-486C-A8C5-ECC9F3942E4B}">
                 <a14:imgProps xmlns:a14="http://schemas.microsoft.com/office/drawing/2010/main">
-                  <a14:imgLayer r:embed="rId6">
+                  <a14:imgLayer r:embed="rId5">
                     <a14:imgEffect>
                       <a14:backgroundRemoval t="10000" b="90000" l="10000" r="90000">
                         <a14:foregroundMark x1="33597" y1="23460" x2="33597" y2="23460"/>
@@ -6055,7 +5677,7 @@
         </p:blipFill>
         <p:spPr bwMode="auto">
           <a:xfrm>
-            <a:off x="5176324" y="4917392"/>
+            <a:off x="5282854" y="5761636"/>
             <a:ext cx="1351185" cy="751252"/>
           </a:xfrm>
           <a:prstGeom prst="rect">
@@ -6088,7 +5710,7 @@
           <p:nvPr/>
         </p:nvPicPr>
         <p:blipFill>
-          <a:blip r:embed="rId7" cstate="print">
+          <a:blip r:embed="rId6" cstate="print">
             <a:extLst>
               <a:ext uri="{28A0092B-C50C-407E-A947-70E740481C1C}">
                 <a14:useLocalDpi xmlns:a14="http://schemas.microsoft.com/office/drawing/2010/main" val="0"/>
@@ -6102,7 +5724,7 @@
         </p:blipFill>
         <p:spPr bwMode="auto">
           <a:xfrm>
-            <a:off x="765756" y="4061872"/>
+            <a:off x="5410981" y="4233214"/>
             <a:ext cx="1351186" cy="1351186"/>
           </a:xfrm>
           <a:prstGeom prst="rect">
@@ -7011,6 +6633,126 @@
           </a:p>
         </p:txBody>
       </p:sp>
+      <p:pic>
+        <p:nvPicPr>
+          <p:cNvPr id="19" name="Picture 2" descr="Resultado de imagem para poncho logo">
+            <a:extLst>
+              <a:ext uri="{FF2B5EF4-FFF2-40B4-BE49-F238E27FC236}">
+                <a16:creationId xmlns:a16="http://schemas.microsoft.com/office/drawing/2014/main" id="{524B4618-20B4-43CF-B73F-AD8CB6FECD5D}"/>
+              </a:ext>
+            </a:extLst>
+          </p:cNvPr>
+          <p:cNvPicPr>
+            <a:picLocks noChangeAspect="1" noChangeArrowheads="1"/>
+          </p:cNvPicPr>
+          <p:nvPr/>
+        </p:nvPicPr>
+        <p:blipFill rotWithShape="1">
+          <a:blip r:embed="rId7">
+            <a:extLst>
+              <a:ext uri="{BEBA8EAE-BF5A-486C-A8C5-ECC9F3942E4B}">
+                <a14:imgProps xmlns:a14="http://schemas.microsoft.com/office/drawing/2010/main">
+                  <a14:imgLayer r:embed="rId8">
+                    <a14:imgEffect>
+                      <a14:backgroundRemoval t="10000" b="90000" l="10000" r="90000">
+                        <a14:foregroundMark x1="14750" y1="65333" x2="14750" y2="65333"/>
+                        <a14:foregroundMark x1="25500" y1="67333" x2="25500" y2="67333"/>
+                        <a14:foregroundMark x1="41000" y1="67500" x2="41000" y2="67500"/>
+                        <a14:foregroundMark x1="50500" y1="44167" x2="50500" y2="44167"/>
+                        <a14:foregroundMark x1="52375" y1="43000" x2="52375" y2="43000"/>
+                        <a14:foregroundMark x1="52625" y1="66833" x2="52625" y2="66833"/>
+                        <a14:foregroundMark x1="64500" y1="66167" x2="64500" y2="66167"/>
+                        <a14:foregroundMark x1="77375" y1="67333" x2="77375" y2="67333"/>
+                        <a14:foregroundMark x1="49875" y1="43500" x2="51875" y2="42500"/>
+                        <a14:foregroundMark x1="48000" y1="38500" x2="47625" y2="28167"/>
+                        <a14:foregroundMark x1="47625" y1="28167" x2="45250" y2="38000"/>
+                        <a14:foregroundMark x1="45250" y1="38000" x2="43375" y2="26833"/>
+                        <a14:foregroundMark x1="43375" y1="26833" x2="41875" y2="38667"/>
+                        <a14:foregroundMark x1="41875" y1="38667" x2="47875" y2="34667"/>
+                        <a14:foregroundMark x1="47875" y1="34667" x2="45125" y2="50333"/>
+                        <a14:foregroundMark x1="45125" y1="50333" x2="50625" y2="33667"/>
+                        <a14:foregroundMark x1="50625" y1="33667" x2="55000" y2="38500"/>
+                        <a14:foregroundMark x1="54125" y1="38833" x2="52875" y2="40167"/>
+                      </a14:backgroundRemoval>
+                    </a14:imgEffect>
+                  </a14:imgLayer>
+                </a14:imgProps>
+              </a:ext>
+              <a:ext uri="{28A0092B-C50C-407E-A947-70E740481C1C}">
+                <a14:useLocalDpi xmlns:a14="http://schemas.microsoft.com/office/drawing/2010/main" val="0"/>
+              </a:ext>
+            </a:extLst>
+          </a:blip>
+          <a:srcRect l="9999" t="16000" r="10000" b="43174"/>
+          <a:stretch/>
+        </p:blipFill>
+        <p:spPr bwMode="auto">
+          <a:xfrm>
+            <a:off x="1867094" y="5271807"/>
+            <a:ext cx="4811889" cy="1841744"/>
+          </a:xfrm>
+          <a:prstGeom prst="rect">
+            <a:avLst/>
+          </a:prstGeom>
+          <a:noFill/>
+          <a:extLst>
+            <a:ext uri="{909E8E84-426E-40DD-AFC4-6F175D3DCCD1}">
+              <a14:hiddenFill xmlns:a14="http://schemas.microsoft.com/office/drawing/2010/main">
+                <a:solidFill>
+                  <a:srgbClr val="FFFFFF"/>
+                </a:solidFill>
+              </a14:hiddenFill>
+            </a:ext>
+          </a:extLst>
+        </p:spPr>
+      </p:pic>
+      <p:pic>
+        <p:nvPicPr>
+          <p:cNvPr id="2050" name="Picture 2" descr="Resultado de imagem para siri logo">
+            <a:extLst>
+              <a:ext uri="{FF2B5EF4-FFF2-40B4-BE49-F238E27FC236}">
+                <a16:creationId xmlns:a16="http://schemas.microsoft.com/office/drawing/2014/main" id="{42B27B10-851E-4181-9D69-D33547F8E9CD}"/>
+              </a:ext>
+            </a:extLst>
+          </p:cNvPr>
+          <p:cNvPicPr>
+            <a:picLocks noChangeAspect="1" noChangeArrowheads="1"/>
+          </p:cNvPicPr>
+          <p:nvPr/>
+        </p:nvPicPr>
+        <p:blipFill>
+          <a:blip r:embed="rId9" cstate="print">
+            <a:extLst>
+              <a:ext uri="{28A0092B-C50C-407E-A947-70E740481C1C}">
+                <a14:useLocalDpi xmlns:a14="http://schemas.microsoft.com/office/drawing/2010/main" val="0"/>
+              </a:ext>
+            </a:extLst>
+          </a:blip>
+          <a:srcRect/>
+          <a:stretch>
+            <a:fillRect/>
+          </a:stretch>
+        </p:blipFill>
+        <p:spPr bwMode="auto">
+          <a:xfrm>
+            <a:off x="270441" y="3518690"/>
+            <a:ext cx="1841744" cy="1841744"/>
+          </a:xfrm>
+          <a:prstGeom prst="rect">
+            <a:avLst/>
+          </a:prstGeom>
+          <a:noFill/>
+          <a:extLst>
+            <a:ext uri="{909E8E84-426E-40DD-AFC4-6F175D3DCCD1}">
+              <a14:hiddenFill xmlns:a14="http://schemas.microsoft.com/office/drawing/2010/main">
+                <a:solidFill>
+                  <a:srgbClr val="FFFFFF"/>
+                </a:solidFill>
+              </a14:hiddenFill>
+            </a:ext>
+          </a:extLst>
+        </p:spPr>
+      </p:pic>
     </p:spTree>
     <p:extLst>
       <p:ext uri="{BB962C8B-B14F-4D97-AF65-F5344CB8AC3E}">
@@ -7025,316 +6767,6 @@
 </file>
 
 <file path=ppt/slides/slide5.xml><?xml version="1.0" encoding="utf-8"?>
-<p:sld xmlns:a="http://schemas.openxmlformats.org/drawingml/2006/main" xmlns:r="http://schemas.openxmlformats.org/officeDocument/2006/relationships" xmlns:p="http://schemas.openxmlformats.org/presentationml/2006/main" showMasterSp="0">
-  <p:cSld>
-    <p:spTree>
-      <p:nvGrpSpPr>
-        <p:cNvPr id="1" name=""/>
-        <p:cNvGrpSpPr/>
-        <p:nvPr/>
-      </p:nvGrpSpPr>
-      <p:grpSpPr>
-        <a:xfrm>
-          <a:off x="0" y="0"/>
-          <a:ext cx="0" cy="0"/>
-          <a:chOff x="0" y="0"/>
-          <a:chExt cx="0" cy="0"/>
-        </a:xfrm>
-      </p:grpSpPr>
-      <p:sp>
-        <p:nvSpPr>
-          <p:cNvPr id="2" name="object 2"/>
-          <p:cNvSpPr/>
-          <p:nvPr/>
-        </p:nvSpPr>
-        <p:spPr>
-          <a:xfrm>
-            <a:off x="-533400" y="0"/>
-            <a:ext cx="10058400" cy="6858000"/>
-          </a:xfrm>
-          <a:custGeom>
-            <a:avLst/>
-            <a:gdLst/>
-            <a:ahLst/>
-            <a:cxnLst/>
-            <a:rect l="l" t="t" r="r" b="b"/>
-            <a:pathLst>
-              <a:path w="9144000" h="6858000">
-                <a:moveTo>
-                  <a:pt x="0" y="6857995"/>
-                </a:moveTo>
-                <a:lnTo>
-                  <a:pt x="9144000" y="6857995"/>
-                </a:lnTo>
-                <a:lnTo>
-                  <a:pt x="9144000" y="0"/>
-                </a:lnTo>
-                <a:lnTo>
-                  <a:pt x="0" y="0"/>
-                </a:lnTo>
-                <a:lnTo>
-                  <a:pt x="0" y="6857995"/>
-                </a:lnTo>
-                <a:close/>
-              </a:path>
-            </a:pathLst>
-          </a:custGeom>
-          <a:solidFill>
-            <a:srgbClr val="38505F"/>
-          </a:solidFill>
-        </p:spPr>
-        <p:txBody>
-          <a:bodyPr wrap="square" lIns="0" tIns="0" rIns="0" bIns="0" rtlCol="0"/>
-          <a:lstStyle/>
-          <a:p>
-            <a:endParaRPr dirty="0"/>
-          </a:p>
-        </p:txBody>
-      </p:sp>
-      <p:sp>
-        <p:nvSpPr>
-          <p:cNvPr id="9" name="object 2">
-            <a:extLst>
-              <a:ext uri="{FF2B5EF4-FFF2-40B4-BE49-F238E27FC236}">
-                <a16:creationId xmlns:a16="http://schemas.microsoft.com/office/drawing/2014/main" id="{AE81FA02-C10F-482F-9ED4-F0FBBAFB14BD}"/>
-              </a:ext>
-            </a:extLst>
-          </p:cNvPr>
-          <p:cNvSpPr txBox="1">
-            <a:spLocks noGrp="1"/>
-          </p:cNvSpPr>
-          <p:nvPr>
-            <p:ph type="title"/>
-          </p:nvPr>
-        </p:nvSpPr>
-        <p:spPr>
-          <a:xfrm>
-            <a:off x="3562350" y="133398"/>
-            <a:ext cx="1866900" cy="461023"/>
-          </a:xfrm>
-          <a:prstGeom prst="rect">
-            <a:avLst/>
-          </a:prstGeom>
-        </p:spPr>
-        <p:txBody>
-          <a:bodyPr vert="horz" wrap="square" lIns="0" tIns="14604" rIns="0" bIns="0" rtlCol="0">
-            <a:spAutoFit/>
-          </a:bodyPr>
-          <a:lstStyle/>
-          <a:p>
-            <a:pPr marL="12700" algn="l">
-              <a:lnSpc>
-                <a:spcPct val="100000"/>
-              </a:lnSpc>
-              <a:spcBef>
-                <a:spcPts val="114"/>
-              </a:spcBef>
-            </a:pPr>
-            <a:r>
-              <a:rPr lang="pt-PT" spc="-185" dirty="0">
-                <a:solidFill>
-                  <a:schemeClr val="bg1"/>
-                </a:solidFill>
-              </a:rPr>
-              <a:t>Arquitetura</a:t>
-            </a:r>
-            <a:endParaRPr spc="-185" dirty="0">
-              <a:solidFill>
-                <a:schemeClr val="bg1"/>
-              </a:solidFill>
-            </a:endParaRPr>
-          </a:p>
-        </p:txBody>
-      </p:sp>
-      <p:sp>
-        <p:nvSpPr>
-          <p:cNvPr id="5" name="Retângulo: Cantos Arredondados 4">
-            <a:extLst>
-              <a:ext uri="{FF2B5EF4-FFF2-40B4-BE49-F238E27FC236}">
-                <a16:creationId xmlns:a16="http://schemas.microsoft.com/office/drawing/2014/main" id="{73C2C68C-AC4A-446B-9BF1-4723C6AFB9D6}"/>
-              </a:ext>
-            </a:extLst>
-          </p:cNvPr>
-          <p:cNvSpPr/>
-          <p:nvPr/>
-        </p:nvSpPr>
-        <p:spPr>
-          <a:xfrm>
-            <a:off x="647700" y="804019"/>
-            <a:ext cx="7848600" cy="5749181"/>
-          </a:xfrm>
-          <a:prstGeom prst="roundRect">
-            <a:avLst/>
-          </a:prstGeom>
-          <a:solidFill>
-            <a:schemeClr val="bg1"/>
-          </a:solidFill>
-          <a:ln>
-            <a:noFill/>
-          </a:ln>
-        </p:spPr>
-        <p:style>
-          <a:lnRef idx="2">
-            <a:schemeClr val="accent1">
-              <a:shade val="50000"/>
-            </a:schemeClr>
-          </a:lnRef>
-          <a:fillRef idx="1">
-            <a:schemeClr val="accent1"/>
-          </a:fillRef>
-          <a:effectRef idx="0">
-            <a:schemeClr val="accent1"/>
-          </a:effectRef>
-          <a:fontRef idx="minor">
-            <a:schemeClr val="lt1"/>
-          </a:fontRef>
-        </p:style>
-        <p:txBody>
-          <a:bodyPr rtlCol="0" anchor="ctr"/>
-          <a:lstStyle/>
-          <a:p>
-            <a:pPr algn="ctr"/>
-            <a:endParaRPr lang="pt-PT"/>
-          </a:p>
-        </p:txBody>
-      </p:sp>
-      <p:grpSp>
-        <p:nvGrpSpPr>
-          <p:cNvPr id="8" name="Agrupar 7">
-            <a:extLst>
-              <a:ext uri="{FF2B5EF4-FFF2-40B4-BE49-F238E27FC236}">
-                <a16:creationId xmlns:a16="http://schemas.microsoft.com/office/drawing/2014/main" id="{277B8A7B-E1D4-4992-91A1-7FF1C003A505}"/>
-              </a:ext>
-            </a:extLst>
-          </p:cNvPr>
-          <p:cNvGrpSpPr>
-            <a:grpSpLocks noChangeAspect="1"/>
-          </p:cNvGrpSpPr>
-          <p:nvPr/>
-        </p:nvGrpSpPr>
-        <p:grpSpPr>
-          <a:xfrm>
-            <a:off x="1304009" y="1045150"/>
-            <a:ext cx="6696991" cy="4441251"/>
-            <a:chOff x="1752600" y="1071270"/>
-            <a:chExt cx="5638800" cy="3739489"/>
-          </a:xfrm>
-        </p:grpSpPr>
-        <p:pic>
-          <p:nvPicPr>
-            <p:cNvPr id="4" name="Imagem 3">
-              <a:extLst>
-                <a:ext uri="{FF2B5EF4-FFF2-40B4-BE49-F238E27FC236}">
-                  <a16:creationId xmlns:a16="http://schemas.microsoft.com/office/drawing/2014/main" id="{BC5BAB6C-1901-4B8B-8FE8-57D182A28C1C}"/>
-                </a:ext>
-              </a:extLst>
-            </p:cNvPr>
-            <p:cNvPicPr>
-              <a:picLocks noChangeAspect="1"/>
-            </p:cNvPicPr>
-            <p:nvPr/>
-          </p:nvPicPr>
-          <p:blipFill rotWithShape="1">
-            <a:blip r:embed="rId2">
-              <a:extLst>
-                <a:ext uri="{28A0092B-C50C-407E-A947-70E740481C1C}">
-                  <a14:useLocalDpi xmlns:a14="http://schemas.microsoft.com/office/drawing/2010/main" val="0"/>
-                </a:ext>
-              </a:extLst>
-            </a:blip>
-            <a:srcRect b="28280"/>
-            <a:stretch/>
-          </p:blipFill>
-          <p:spPr>
-            <a:xfrm>
-              <a:off x="1752600" y="1071270"/>
-              <a:ext cx="5638800" cy="3653130"/>
-            </a:xfrm>
-            <a:prstGeom prst="rect">
-              <a:avLst/>
-            </a:prstGeom>
-          </p:spPr>
-        </p:pic>
-        <p:pic>
-          <p:nvPicPr>
-            <p:cNvPr id="7" name="Imagem 6">
-              <a:extLst>
-                <a:ext uri="{FF2B5EF4-FFF2-40B4-BE49-F238E27FC236}">
-                  <a16:creationId xmlns:a16="http://schemas.microsoft.com/office/drawing/2014/main" id="{190715A6-FAAF-4524-BF11-7873C089F979}"/>
-                </a:ext>
-              </a:extLst>
-            </p:cNvPr>
-            <p:cNvPicPr>
-              <a:picLocks noChangeAspect="1"/>
-            </p:cNvPicPr>
-            <p:nvPr/>
-          </p:nvPicPr>
-          <p:blipFill>
-            <a:blip r:embed="rId3"/>
-            <a:stretch>
-              <a:fillRect/>
-            </a:stretch>
-          </p:blipFill>
-          <p:spPr>
-            <a:xfrm>
-              <a:off x="4953000" y="4439284"/>
-              <a:ext cx="2438400" cy="371475"/>
-            </a:xfrm>
-            <a:prstGeom prst="rect">
-              <a:avLst/>
-            </a:prstGeom>
-          </p:spPr>
-        </p:pic>
-      </p:grpSp>
-      <p:pic>
-        <p:nvPicPr>
-          <p:cNvPr id="12" name="Imagem 11">
-            <a:extLst>
-              <a:ext uri="{FF2B5EF4-FFF2-40B4-BE49-F238E27FC236}">
-                <a16:creationId xmlns:a16="http://schemas.microsoft.com/office/drawing/2014/main" id="{0DEEE499-511B-4DDE-890E-98696A8495B4}"/>
-              </a:ext>
-            </a:extLst>
-          </p:cNvPr>
-          <p:cNvPicPr>
-            <a:picLocks noChangeAspect="1"/>
-          </p:cNvPicPr>
-          <p:nvPr/>
-        </p:nvPicPr>
-        <p:blipFill rotWithShape="1">
-          <a:blip r:embed="rId2">
-            <a:extLst>
-              <a:ext uri="{28A0092B-C50C-407E-A947-70E740481C1C}">
-                <a14:useLocalDpi xmlns:a14="http://schemas.microsoft.com/office/drawing/2010/main" val="0"/>
-              </a:ext>
-            </a:extLst>
-          </a:blip>
-          <a:srcRect l="59459" t="67232"/>
-          <a:stretch/>
-        </p:blipFill>
-        <p:spPr>
-          <a:xfrm>
-            <a:off x="5486400" y="4603949"/>
-            <a:ext cx="2286000" cy="1669082"/>
-          </a:xfrm>
-          <a:prstGeom prst="rect">
-            <a:avLst/>
-          </a:prstGeom>
-        </p:spPr>
-      </p:pic>
-    </p:spTree>
-    <p:extLst>
-      <p:ext uri="{BB962C8B-B14F-4D97-AF65-F5344CB8AC3E}">
-        <p14:creationId xmlns:p14="http://schemas.microsoft.com/office/powerpoint/2010/main" val="2610590006"/>
-      </p:ext>
-    </p:extLst>
-  </p:cSld>
-  <p:clrMapOvr>
-    <a:masterClrMapping/>
-  </p:clrMapOvr>
-</p:sld>
-</file>
-
-<file path=ppt/slides/slide6.xml><?xml version="1.0" encoding="utf-8"?>
 <p:sld xmlns:a="http://schemas.openxmlformats.org/drawingml/2006/main" xmlns:r="http://schemas.openxmlformats.org/officeDocument/2006/relationships" xmlns:p="http://schemas.openxmlformats.org/presentationml/2006/main">
   <p:cSld>
     <p:spTree>
@@ -8082,7 +7514,7 @@
                 <a:latin typeface="Consolas" panose="020B0609020204030204" pitchFamily="49" charset="0"/>
                 <a:cs typeface="Arial" panose="020B0604020202020204" pitchFamily="34" charset="0"/>
               </a:rPr>
-              <a:t>3  + b2 </a:t>
+              <a:t>3 + b2 </a:t>
             </a:r>
             <a:r>
               <a:rPr lang="pt-PT" sz="1600" dirty="0">
@@ -8217,7 +7649,7 @@
 </p:sld>
 </file>
 
-<file path=ppt/slides/slide7.xml><?xml version="1.0" encoding="utf-8"?>
+<file path=ppt/slides/slide6.xml><?xml version="1.0" encoding="utf-8"?>
 <p:sld xmlns:a="http://schemas.openxmlformats.org/drawingml/2006/main" xmlns:r="http://schemas.openxmlformats.org/officeDocument/2006/relationships" xmlns:p="http://schemas.openxmlformats.org/presentationml/2006/main">
   <p:cSld>
     <p:spTree>
@@ -8408,7 +7840,7 @@
         <p:spPr>
           <a:xfrm>
             <a:off x="990600" y="1219200"/>
-            <a:ext cx="7467600" cy="1661993"/>
+            <a:ext cx="7467600" cy="1923604"/>
           </a:xfrm>
           <a:prstGeom prst="rect">
             <a:avLst/>
@@ -8426,8 +7858,19 @@
                 <a:latin typeface="Consolas" panose="020B0609020204030204" pitchFamily="49" charset="0"/>
                 <a:cs typeface="Arial" panose="020B0604020202020204" pitchFamily="34" charset="0"/>
               </a:rPr>
-              <a:t>regras = [</a:t>
-            </a:r>
+              <a:t>regras </a:t>
+            </a:r>
+            <a:r>
+              <a:rPr lang="pt-PT" sz="1700">
+                <a:latin typeface="Consolas" panose="020B0609020204030204" pitchFamily="49" charset="0"/>
+                <a:cs typeface="Arial" panose="020B0604020202020204" pitchFamily="34" charset="0"/>
+              </a:rPr>
+              <a:t>= [</a:t>
+            </a:r>
+            <a:endParaRPr lang="pt-PT" sz="1700" dirty="0">
+              <a:latin typeface="Consolas" panose="020B0609020204030204" pitchFamily="49" charset="0"/>
+              <a:cs typeface="Arial" panose="020B0604020202020204" pitchFamily="34" charset="0"/>
+            </a:endParaRPr>
           </a:p>
           <a:p>
             <a:r>
@@ -8435,40 +7878,250 @@
                 <a:latin typeface="Consolas" panose="020B0609020204030204" pitchFamily="49" charset="0"/>
                 <a:cs typeface="Arial" panose="020B0604020202020204" pitchFamily="34" charset="0"/>
               </a:rPr>
-              <a:t>( </a:t>
+              <a:t>  (</a:t>
+            </a:r>
+            <a:r>
+              <a:rPr lang="pt-PT" sz="1700" dirty="0">
+                <a:solidFill>
+                  <a:srgbClr val="C85C57"/>
+                </a:solidFill>
+                <a:latin typeface="Consolas" panose="020B0609020204030204" pitchFamily="49" charset="0"/>
+                <a:cs typeface="Arial" panose="020B0604020202020204" pitchFamily="34" charset="0"/>
+              </a:rPr>
+              <a:t>'Bom dia’</a:t>
+            </a:r>
+            <a:r>
+              <a:rPr lang="pt-PT" sz="1700" dirty="0">
+                <a:latin typeface="Consolas" panose="020B0609020204030204" pitchFamily="49" charset="0"/>
+                <a:cs typeface="Arial" panose="020B0604020202020204" pitchFamily="34" charset="0"/>
+              </a:rPr>
+              <a:t>, </a:t>
             </a:r>
             <a:r>
               <a:rPr lang="pt-PT" sz="1700" dirty="0" err="1">
-                <a:solidFill>
-                  <a:srgbClr val="488ED4"/>
-                </a:solidFill>
-                <a:latin typeface="Consolas" panose="020B0609020204030204" pitchFamily="49" charset="0"/>
-                <a:cs typeface="Arial" panose="020B0604020202020204" pitchFamily="34" charset="0"/>
-              </a:rPr>
-              <a:t>r</a:t>
+                <a:latin typeface="Consolas" panose="020B0609020204030204" pitchFamily="49" charset="0"/>
+                <a:cs typeface="Arial" panose="020B0604020202020204" pitchFamily="34" charset="0"/>
+              </a:rPr>
+              <a:t>pickOne</a:t>
+            </a:r>
+            <a:r>
+              <a:rPr lang="pt-PT" sz="1700" dirty="0">
+                <a:latin typeface="Consolas" panose="020B0609020204030204" pitchFamily="49" charset="0"/>
+                <a:cs typeface="Arial" panose="020B0604020202020204" pitchFamily="34" charset="0"/>
+              </a:rPr>
+              <a:t>(</a:t>
             </a:r>
             <a:r>
               <a:rPr lang="pt-PT" sz="1700" dirty="0" err="1">
+                <a:latin typeface="Consolas" panose="020B0609020204030204" pitchFamily="49" charset="0"/>
+                <a:cs typeface="Arial" panose="020B0604020202020204" pitchFamily="34" charset="0"/>
+              </a:rPr>
+              <a:t>saudacoes</a:t>
+            </a:r>
+            <a:r>
+              <a:rPr lang="pt-PT" sz="1700" dirty="0">
+                <a:latin typeface="Consolas" panose="020B0609020204030204" pitchFamily="49" charset="0"/>
+                <a:cs typeface="Arial" panose="020B0604020202020204" pitchFamily="34" charset="0"/>
+              </a:rPr>
+              <a:t>)),</a:t>
+            </a:r>
+          </a:p>
+          <a:p>
+            <a:r>
+              <a:rPr lang="pt-PT" sz="1700" dirty="0">
+                <a:latin typeface="Consolas" panose="020B0609020204030204" pitchFamily="49" charset="0"/>
+                <a:cs typeface="Arial" panose="020B0604020202020204" pitchFamily="34" charset="0"/>
+              </a:rPr>
+              <a:t>  (</a:t>
+            </a:r>
+            <a:r>
+              <a:rPr lang="pt-PT" sz="1700" dirty="0">
                 <a:solidFill>
                   <a:srgbClr val="C85C57"/>
                 </a:solidFill>
                 <a:latin typeface="Consolas" panose="020B0609020204030204" pitchFamily="49" charset="0"/>
                 <a:cs typeface="Arial" panose="020B0604020202020204" pitchFamily="34" charset="0"/>
               </a:rPr>
-              <a:t>'Bom</a:t>
+              <a:t>'Como se diz </a:t>
             </a:r>
             <a:r>
               <a:rPr lang="pt-PT" sz="1700" dirty="0">
                 <a:solidFill>
+                  <a:srgbClr val="FF6600"/>
+                </a:solidFill>
+                <a:latin typeface="Consolas" panose="020B0609020204030204" pitchFamily="49" charset="0"/>
+                <a:cs typeface="Arial" panose="020B0604020202020204" pitchFamily="34" charset="0"/>
+              </a:rPr>
+              <a:t>(</a:t>
+            </a:r>
+            <a:r>
+              <a:rPr lang="pt-PT" sz="1700" dirty="0">
+                <a:solidFill>
                   <a:srgbClr val="C85C57"/>
                 </a:solidFill>
                 <a:latin typeface="Consolas" panose="020B0609020204030204" pitchFamily="49" charset="0"/>
                 <a:cs typeface="Arial" panose="020B0604020202020204" pitchFamily="34" charset="0"/>
               </a:rPr>
-              <a:t> dia’</a:t>
+              <a:t>.</a:t>
             </a:r>
             <a:r>
               <a:rPr lang="pt-PT" sz="1700" dirty="0">
+                <a:solidFill>
+                  <a:srgbClr val="FFC000"/>
+                </a:solidFill>
+                <a:latin typeface="Consolas" panose="020B0609020204030204" pitchFamily="49" charset="0"/>
+                <a:cs typeface="Arial" panose="020B0604020202020204" pitchFamily="34" charset="0"/>
+              </a:rPr>
+              <a:t>*</a:t>
+            </a:r>
+            <a:r>
+              <a:rPr lang="pt-PT" sz="1700" dirty="0">
+                <a:solidFill>
+                  <a:srgbClr val="FF6600"/>
+                </a:solidFill>
+                <a:latin typeface="Consolas" panose="020B0609020204030204" pitchFamily="49" charset="0"/>
+                <a:cs typeface="Arial" panose="020B0604020202020204" pitchFamily="34" charset="0"/>
+              </a:rPr>
+              <a:t>) </a:t>
+            </a:r>
+            <a:r>
+              <a:rPr lang="pt-PT" sz="1700" dirty="0">
+                <a:solidFill>
+                  <a:srgbClr val="C85C57"/>
+                </a:solidFill>
+                <a:latin typeface="Consolas" panose="020B0609020204030204" pitchFamily="49" charset="0"/>
+                <a:cs typeface="Arial" panose="020B0604020202020204" pitchFamily="34" charset="0"/>
+              </a:rPr>
+              <a:t>em </a:t>
+            </a:r>
+            <a:r>
+              <a:rPr lang="pt-PT" sz="1700" dirty="0">
+                <a:solidFill>
+                  <a:srgbClr val="FF6600"/>
+                </a:solidFill>
+                <a:latin typeface="Consolas" panose="020B0609020204030204" pitchFamily="49" charset="0"/>
+                <a:cs typeface="Arial" panose="020B0604020202020204" pitchFamily="34" charset="0"/>
+              </a:rPr>
+              <a:t>(</a:t>
+            </a:r>
+            <a:r>
+              <a:rPr lang="pt-PT" sz="1700" dirty="0">
+                <a:solidFill>
+                  <a:srgbClr val="C85C57"/>
+                </a:solidFill>
+                <a:latin typeface="Consolas" panose="020B0609020204030204" pitchFamily="49" charset="0"/>
+                <a:cs typeface="Arial" panose="020B0604020202020204" pitchFamily="34" charset="0"/>
+              </a:rPr>
+              <a:t>.</a:t>
+            </a:r>
+            <a:r>
+              <a:rPr lang="pt-PT" sz="1700" dirty="0">
+                <a:solidFill>
+                  <a:srgbClr val="FFC000"/>
+                </a:solidFill>
+                <a:latin typeface="Consolas" panose="020B0609020204030204" pitchFamily="49" charset="0"/>
+                <a:cs typeface="Arial" panose="020B0604020202020204" pitchFamily="34" charset="0"/>
+              </a:rPr>
+              <a:t>*</a:t>
+            </a:r>
+            <a:r>
+              <a:rPr lang="pt-PT" sz="1700" dirty="0">
+                <a:solidFill>
+                  <a:srgbClr val="FF6600"/>
+                </a:solidFill>
+                <a:latin typeface="Consolas" panose="020B0609020204030204" pitchFamily="49" charset="0"/>
+                <a:cs typeface="Arial" panose="020B0604020202020204" pitchFamily="34" charset="0"/>
+              </a:rPr>
+              <a:t>)</a:t>
+            </a:r>
+            <a:r>
+              <a:rPr lang="pt-PT" sz="1700" dirty="0">
+                <a:solidFill>
+                  <a:srgbClr val="C85C57"/>
+                </a:solidFill>
+                <a:latin typeface="Consolas" panose="020B0609020204030204" pitchFamily="49" charset="0"/>
+                <a:cs typeface="Arial" panose="020B0604020202020204" pitchFamily="34" charset="0"/>
+              </a:rPr>
+              <a:t>'</a:t>
+            </a:r>
+            <a:r>
+              <a:rPr lang="pt-PT" sz="1700" dirty="0">
+                <a:latin typeface="Consolas" panose="020B0609020204030204" pitchFamily="49" charset="0"/>
+                <a:cs typeface="Arial" panose="020B0604020202020204" pitchFamily="34" charset="0"/>
+              </a:rPr>
+              <a:t>,traduz()),</a:t>
+            </a:r>
+          </a:p>
+          <a:p>
+            <a:r>
+              <a:rPr lang="pt-PT" sz="1700" dirty="0">
+                <a:latin typeface="Consolas" panose="020B0609020204030204" pitchFamily="49" charset="0"/>
+                <a:cs typeface="Arial" panose="020B0604020202020204" pitchFamily="34" charset="0"/>
+              </a:rPr>
+              <a:t>  (</a:t>
+            </a:r>
+            <a:r>
+              <a:rPr lang="pt-PT" sz="1700" dirty="0">
+                <a:solidFill>
+                  <a:srgbClr val="C85C57"/>
+                </a:solidFill>
+                <a:latin typeface="Consolas" panose="020B0609020204030204" pitchFamily="49" charset="0"/>
+                <a:cs typeface="Arial" panose="020B0604020202020204" pitchFamily="34" charset="0"/>
+              </a:rPr>
+              <a:t>'</a:t>
+            </a:r>
+            <a:r>
+              <a:rPr lang="pt-PT" sz="1700" dirty="0">
+                <a:solidFill>
+                  <a:srgbClr val="FF6600"/>
+                </a:solidFill>
+                <a:latin typeface="Consolas" panose="020B0609020204030204" pitchFamily="49" charset="0"/>
+                <a:cs typeface="Arial" panose="020B0604020202020204" pitchFamily="34" charset="0"/>
+              </a:rPr>
+              <a:t>(</a:t>
+            </a:r>
+            <a:r>
+              <a:rPr lang="pt-PT" sz="1700" dirty="0">
+                <a:solidFill>
+                  <a:srgbClr val="C85C57"/>
+                </a:solidFill>
+                <a:latin typeface="Consolas" panose="020B0609020204030204" pitchFamily="49" charset="0"/>
+                <a:cs typeface="Arial" panose="020B0604020202020204" pitchFamily="34" charset="0"/>
+              </a:rPr>
+              <a:t>.</a:t>
+            </a:r>
+            <a:r>
+              <a:rPr lang="pt-PT" sz="1700" dirty="0">
+                <a:solidFill>
+                  <a:srgbClr val="FFC000"/>
+                </a:solidFill>
+                <a:latin typeface="Consolas" panose="020B0609020204030204" pitchFamily="49" charset="0"/>
+                <a:cs typeface="Arial" panose="020B0604020202020204" pitchFamily="34" charset="0"/>
+              </a:rPr>
+              <a:t>*</a:t>
+            </a:r>
+            <a:r>
+              <a:rPr lang="pt-PT" sz="1700" dirty="0">
+                <a:solidFill>
+                  <a:srgbClr val="FF6600"/>
+                </a:solidFill>
+                <a:latin typeface="Consolas" panose="020B0609020204030204" pitchFamily="49" charset="0"/>
+                <a:cs typeface="Arial" panose="020B0604020202020204" pitchFamily="34" charset="0"/>
+              </a:rPr>
+              <a:t>) </a:t>
+            </a:r>
+            <a:r>
+              <a:rPr lang="pt-PT" sz="1700" dirty="0">
+                <a:solidFill>
+                  <a:srgbClr val="C85C57"/>
+                </a:solidFill>
+                <a:latin typeface="Consolas" panose="020B0609020204030204" pitchFamily="49" charset="0"/>
+                <a:cs typeface="Arial" panose="020B0604020202020204" pitchFamily="34" charset="0"/>
+              </a:rPr>
+              <a:t>Conheces?’</a:t>
+            </a:r>
+            <a:r>
+              <a:rPr lang="pt-PT" sz="1700" dirty="0">
                 <a:latin typeface="Consolas" panose="020B0609020204030204" pitchFamily="49" charset="0"/>
                 <a:cs typeface="Arial" panose="020B0604020202020204" pitchFamily="34" charset="0"/>
               </a:rPr>
@@ -8479,7 +8132,7 @@
                 <a:latin typeface="Consolas" panose="020B0609020204030204" pitchFamily="49" charset="0"/>
                 <a:cs typeface="Arial" panose="020B0604020202020204" pitchFamily="34" charset="0"/>
               </a:rPr>
-              <a:t>choice</a:t>
+              <a:t>gimmeKnowledge</a:t>
             </a:r>
             <a:r>
               <a:rPr lang="pt-PT" sz="1700" dirty="0">
@@ -8493,7 +8146,7 @@
                 <a:latin typeface="Consolas" panose="020B0609020204030204" pitchFamily="49" charset="0"/>
                 <a:cs typeface="Arial" panose="020B0604020202020204" pitchFamily="34" charset="0"/>
               </a:rPr>
-              <a:t>saudacoes</a:t>
+              <a:t>encyclopedias</a:t>
             </a:r>
             <a:r>
               <a:rPr lang="pt-PT" sz="1700" dirty="0">
@@ -8509,364 +8162,111 @@
                 <a:latin typeface="Consolas" panose="020B0609020204030204" pitchFamily="49" charset="0"/>
                 <a:cs typeface="Arial" panose="020B0604020202020204" pitchFamily="34" charset="0"/>
               </a:rPr>
-              <a:t>( </a:t>
+              <a:t>  (</a:t>
+            </a:r>
+            <a:r>
+              <a:rPr lang="pt-PT" sz="1700" dirty="0">
+                <a:solidFill>
+                  <a:srgbClr val="C85C57"/>
+                </a:solidFill>
+                <a:latin typeface="Consolas" panose="020B0609020204030204" pitchFamily="49" charset="0"/>
+                <a:cs typeface="Arial" panose="020B0604020202020204" pitchFamily="34" charset="0"/>
+              </a:rPr>
+              <a:t>'</a:t>
+            </a:r>
+            <a:r>
+              <a:rPr lang="pt-PT" sz="1700" dirty="0">
+                <a:solidFill>
+                  <a:srgbClr val="FF6600"/>
+                </a:solidFill>
+                <a:latin typeface="Consolas" panose="020B0609020204030204" pitchFamily="49" charset="0"/>
+                <a:cs typeface="Arial" panose="020B0604020202020204" pitchFamily="34" charset="0"/>
+              </a:rPr>
+              <a:t>(</a:t>
+            </a:r>
+            <a:r>
+              <a:rPr lang="pt-PT" sz="1700" dirty="0">
+                <a:solidFill>
+                  <a:srgbClr val="C85C57"/>
+                </a:solidFill>
+                <a:latin typeface="Consolas" panose="020B0609020204030204" pitchFamily="49" charset="0"/>
+                <a:cs typeface="Arial" panose="020B0604020202020204" pitchFamily="34" charset="0"/>
+              </a:rPr>
+              <a:t>.</a:t>
+            </a:r>
+            <a:r>
+              <a:rPr lang="pt-PT" sz="1700" dirty="0">
+                <a:solidFill>
+                  <a:srgbClr val="FFC000"/>
+                </a:solidFill>
+                <a:latin typeface="Consolas" panose="020B0609020204030204" pitchFamily="49" charset="0"/>
+                <a:cs typeface="Arial" panose="020B0604020202020204" pitchFamily="34" charset="0"/>
+              </a:rPr>
+              <a:t>*</a:t>
+            </a:r>
+            <a:r>
+              <a:rPr lang="pt-PT" sz="1700" dirty="0">
+                <a:solidFill>
+                  <a:srgbClr val="FF6600"/>
+                </a:solidFill>
+                <a:latin typeface="Consolas" panose="020B0609020204030204" pitchFamily="49" charset="0"/>
+                <a:cs typeface="Arial" panose="020B0604020202020204" pitchFamily="34" charset="0"/>
+              </a:rPr>
+              <a:t>)</a:t>
+            </a:r>
+            <a:r>
+              <a:rPr lang="pt-PT" sz="1700" dirty="0">
+                <a:solidFill>
+                  <a:srgbClr val="C85C57"/>
+                </a:solidFill>
+                <a:latin typeface="Consolas" panose="020B0609020204030204" pitchFamily="49" charset="0"/>
+                <a:cs typeface="Arial" panose="020B0604020202020204" pitchFamily="34" charset="0"/>
+              </a:rPr>
+              <a:t>’</a:t>
+            </a:r>
+            <a:r>
+              <a:rPr lang="pt-PT" sz="1700" dirty="0">
+                <a:latin typeface="Consolas" panose="020B0609020204030204" pitchFamily="49" charset="0"/>
+                <a:cs typeface="Arial" panose="020B0604020202020204" pitchFamily="34" charset="0"/>
+              </a:rPr>
+              <a:t>, </a:t>
             </a:r>
             <a:r>
               <a:rPr lang="pt-PT" sz="1700" dirty="0" err="1">
-                <a:solidFill>
-                  <a:srgbClr val="488ED4"/>
-                </a:solidFill>
-                <a:latin typeface="Consolas" panose="020B0609020204030204" pitchFamily="49" charset="0"/>
-                <a:cs typeface="Arial" panose="020B0604020202020204" pitchFamily="34" charset="0"/>
-              </a:rPr>
-              <a:t>r</a:t>
+                <a:latin typeface="Consolas" panose="020B0609020204030204" pitchFamily="49" charset="0"/>
+                <a:cs typeface="Arial" panose="020B0604020202020204" pitchFamily="34" charset="0"/>
+              </a:rPr>
+              <a:t>getQuote</a:t>
+            </a:r>
+            <a:r>
+              <a:rPr lang="pt-PT" sz="1700" dirty="0">
+                <a:latin typeface="Consolas" panose="020B0609020204030204" pitchFamily="49" charset="0"/>
+                <a:cs typeface="Arial" panose="020B0604020202020204" pitchFamily="34" charset="0"/>
+              </a:rPr>
+              <a:t>(</a:t>
             </a:r>
             <a:r>
               <a:rPr lang="pt-PT" sz="1700" dirty="0" err="1">
-                <a:solidFill>
-                  <a:srgbClr val="C85C57"/>
-                </a:solidFill>
-                <a:latin typeface="Consolas" panose="020B0609020204030204" pitchFamily="49" charset="0"/>
-                <a:cs typeface="Arial" panose="020B0604020202020204" pitchFamily="34" charset="0"/>
-              </a:rPr>
-              <a:t>'Como</a:t>
+                <a:latin typeface="Consolas" panose="020B0609020204030204" pitchFamily="49" charset="0"/>
+                <a:cs typeface="Arial" panose="020B0604020202020204" pitchFamily="34" charset="0"/>
+              </a:rPr>
+              <a:t>lists</a:t>
             </a:r>
             <a:r>
               <a:rPr lang="pt-PT" sz="1700" dirty="0">
-                <a:solidFill>
-                  <a:srgbClr val="C85C57"/>
-                </a:solidFill>
-                <a:latin typeface="Consolas" panose="020B0609020204030204" pitchFamily="49" charset="0"/>
-                <a:cs typeface="Arial" panose="020B0604020202020204" pitchFamily="34" charset="0"/>
-              </a:rPr>
-              <a:t> se diz </a:t>
-            </a:r>
+                <a:latin typeface="Consolas" panose="020B0609020204030204" pitchFamily="49" charset="0"/>
+                <a:cs typeface="Arial" panose="020B0604020202020204" pitchFamily="34" charset="0"/>
+              </a:rPr>
+              <a:t>)),</a:t>
+            </a:r>
+          </a:p>
+          <a:p>
             <a:r>
               <a:rPr lang="pt-PT" sz="1700" dirty="0">
-                <a:solidFill>
-                  <a:srgbClr val="FF6600"/>
-                </a:solidFill>
-                <a:latin typeface="Consolas" panose="020B0609020204030204" pitchFamily="49" charset="0"/>
-                <a:cs typeface="Arial" panose="020B0604020202020204" pitchFamily="34" charset="0"/>
-              </a:rPr>
-              <a:t>([</a:t>
-            </a:r>
-            <a:r>
-              <a:rPr lang="pt-PT" sz="1700" dirty="0">
-                <a:solidFill>
-                  <a:srgbClr val="C85C57"/>
-                </a:solidFill>
-                <a:latin typeface="Consolas" panose="020B0609020204030204" pitchFamily="49" charset="0"/>
-                <a:cs typeface="Arial" panose="020B0604020202020204" pitchFamily="34" charset="0"/>
-              </a:rPr>
-              <a:t>\w </a:t>
-            </a:r>
-            <a:r>
-              <a:rPr lang="pt-PT" sz="1700" dirty="0">
-                <a:solidFill>
-                  <a:srgbClr val="FF6600"/>
-                </a:solidFill>
-                <a:latin typeface="Consolas" panose="020B0609020204030204" pitchFamily="49" charset="0"/>
-                <a:cs typeface="Arial" panose="020B0604020202020204" pitchFamily="34" charset="0"/>
-              </a:rPr>
-              <a:t>]</a:t>
-            </a:r>
-            <a:r>
-              <a:rPr lang="pt-PT" sz="1700" dirty="0">
-                <a:solidFill>
-                  <a:srgbClr val="FFC000"/>
-                </a:solidFill>
-                <a:latin typeface="Consolas" panose="020B0609020204030204" pitchFamily="49" charset="0"/>
-                <a:cs typeface="Arial" panose="020B0604020202020204" pitchFamily="34" charset="0"/>
-              </a:rPr>
-              <a:t>+</a:t>
-            </a:r>
-            <a:r>
-              <a:rPr lang="pt-PT" sz="1700" dirty="0">
-                <a:solidFill>
-                  <a:srgbClr val="FF6600"/>
-                </a:solidFill>
-                <a:latin typeface="Consolas" panose="020B0609020204030204" pitchFamily="49" charset="0"/>
-                <a:cs typeface="Arial" panose="020B0604020202020204" pitchFamily="34" charset="0"/>
-              </a:rPr>
-              <a:t>) </a:t>
-            </a:r>
-            <a:r>
-              <a:rPr lang="pt-PT" sz="1700" dirty="0">
-                <a:solidFill>
-                  <a:srgbClr val="C85C57"/>
-                </a:solidFill>
-                <a:latin typeface="Consolas" panose="020B0609020204030204" pitchFamily="49" charset="0"/>
-                <a:cs typeface="Arial" panose="020B0604020202020204" pitchFamily="34" charset="0"/>
-              </a:rPr>
-              <a:t>em </a:t>
-            </a:r>
-            <a:r>
-              <a:rPr lang="pt-PT" sz="1700" dirty="0">
-                <a:solidFill>
-                  <a:srgbClr val="FF6600"/>
-                </a:solidFill>
-                <a:latin typeface="Consolas" panose="020B0609020204030204" pitchFamily="49" charset="0"/>
-                <a:cs typeface="Arial" panose="020B0604020202020204" pitchFamily="34" charset="0"/>
-              </a:rPr>
-              <a:t>(</a:t>
-            </a:r>
-            <a:r>
-              <a:rPr lang="pt-PT" sz="1700" dirty="0">
-                <a:solidFill>
-                  <a:srgbClr val="C85C57"/>
-                </a:solidFill>
-                <a:latin typeface="Consolas" panose="020B0609020204030204" pitchFamily="49" charset="0"/>
-                <a:cs typeface="Arial" panose="020B0604020202020204" pitchFamily="34" charset="0"/>
-              </a:rPr>
-              <a:t>\w</a:t>
-            </a:r>
-            <a:r>
-              <a:rPr lang="pt-PT" sz="1700" dirty="0">
-                <a:solidFill>
-                  <a:srgbClr val="FFC000"/>
-                </a:solidFill>
-                <a:latin typeface="Consolas" panose="020B0609020204030204" pitchFamily="49" charset="0"/>
-                <a:cs typeface="Arial" panose="020B0604020202020204" pitchFamily="34" charset="0"/>
-              </a:rPr>
-              <a:t>+</a:t>
-            </a:r>
-            <a:r>
-              <a:rPr lang="pt-PT" sz="1700" dirty="0">
-                <a:solidFill>
-                  <a:srgbClr val="FF6600"/>
-                </a:solidFill>
-                <a:latin typeface="Consolas" panose="020B0609020204030204" pitchFamily="49" charset="0"/>
-                <a:cs typeface="Arial" panose="020B0604020202020204" pitchFamily="34" charset="0"/>
-              </a:rPr>
-              <a:t>)</a:t>
-            </a:r>
-            <a:r>
-              <a:rPr lang="pt-PT" sz="1700" dirty="0">
-                <a:solidFill>
-                  <a:srgbClr val="C85C57"/>
-                </a:solidFill>
-                <a:latin typeface="Consolas" panose="020B0609020204030204" pitchFamily="49" charset="0"/>
-                <a:cs typeface="Arial" panose="020B0604020202020204" pitchFamily="34" charset="0"/>
-              </a:rPr>
-              <a:t>'</a:t>
-            </a:r>
-            <a:r>
-              <a:rPr lang="pt-PT" sz="1700" dirty="0">
-                <a:latin typeface="Consolas" panose="020B0609020204030204" pitchFamily="49" charset="0"/>
-                <a:cs typeface="Arial" panose="020B0604020202020204" pitchFamily="34" charset="0"/>
-              </a:rPr>
-              <a:t>,traduz(),</a:t>
-            </a:r>
-          </a:p>
-          <a:p>
-            <a:r>
-              <a:rPr lang="pt-PT" sz="1700" dirty="0">
-                <a:latin typeface="Consolas" panose="020B0609020204030204" pitchFamily="49" charset="0"/>
-                <a:cs typeface="Arial" panose="020B0604020202020204" pitchFamily="34" charset="0"/>
-              </a:rPr>
-              <a:t>( </a:t>
-            </a:r>
-            <a:r>
-              <a:rPr lang="pt-PT" sz="1700" dirty="0" err="1">
-                <a:solidFill>
-                  <a:srgbClr val="488ED4"/>
-                </a:solidFill>
-                <a:latin typeface="Consolas" panose="020B0609020204030204" pitchFamily="49" charset="0"/>
-                <a:cs typeface="Arial" panose="020B0604020202020204" pitchFamily="34" charset="0"/>
-              </a:rPr>
-              <a:t>r</a:t>
-            </a:r>
-            <a:r>
-              <a:rPr lang="pt-PT" sz="1700" dirty="0" err="1">
-                <a:solidFill>
-                  <a:srgbClr val="C85C57"/>
-                </a:solidFill>
-                <a:latin typeface="Consolas" panose="020B0609020204030204" pitchFamily="49" charset="0"/>
-                <a:cs typeface="Arial" panose="020B0604020202020204" pitchFamily="34" charset="0"/>
-              </a:rPr>
-              <a:t>'Fala</a:t>
-            </a:r>
-            <a:r>
-              <a:rPr lang="pt-PT" sz="1700" dirty="0">
-                <a:solidFill>
-                  <a:srgbClr val="C85C57"/>
-                </a:solidFill>
-                <a:latin typeface="Consolas" panose="020B0609020204030204" pitchFamily="49" charset="0"/>
-                <a:cs typeface="Arial" panose="020B0604020202020204" pitchFamily="34" charset="0"/>
-              </a:rPr>
-              <a:t> me sobre </a:t>
-            </a:r>
-            <a:r>
-              <a:rPr lang="pt-PT" sz="1700" dirty="0">
-                <a:solidFill>
-                  <a:srgbClr val="FF6600"/>
-                </a:solidFill>
-                <a:latin typeface="Consolas" panose="020B0609020204030204" pitchFamily="49" charset="0"/>
-                <a:cs typeface="Arial" panose="020B0604020202020204" pitchFamily="34" charset="0"/>
-              </a:rPr>
-              <a:t>(</a:t>
-            </a:r>
-            <a:r>
-              <a:rPr lang="pt-PT" sz="1700" dirty="0">
-                <a:solidFill>
-                  <a:srgbClr val="C85C57"/>
-                </a:solidFill>
-                <a:latin typeface="Consolas" panose="020B0609020204030204" pitchFamily="49" charset="0"/>
-                <a:cs typeface="Arial" panose="020B0604020202020204" pitchFamily="34" charset="0"/>
-              </a:rPr>
-              <a:t>.</a:t>
-            </a:r>
-            <a:r>
-              <a:rPr lang="pt-PT" sz="1700" dirty="0">
-                <a:solidFill>
-                  <a:srgbClr val="FFC000"/>
-                </a:solidFill>
-                <a:latin typeface="Consolas" panose="020B0609020204030204" pitchFamily="49" charset="0"/>
-                <a:cs typeface="Arial" panose="020B0604020202020204" pitchFamily="34" charset="0"/>
-              </a:rPr>
-              <a:t>*</a:t>
-            </a:r>
-            <a:r>
-              <a:rPr lang="pt-PT" sz="1700" dirty="0">
-                <a:solidFill>
-                  <a:srgbClr val="FF6600"/>
-                </a:solidFill>
-                <a:latin typeface="Consolas" panose="020B0609020204030204" pitchFamily="49" charset="0"/>
-                <a:cs typeface="Arial" panose="020B0604020202020204" pitchFamily="34" charset="0"/>
-              </a:rPr>
-              <a:t>)</a:t>
-            </a:r>
-            <a:r>
-              <a:rPr lang="pt-PT" sz="1700" dirty="0">
-                <a:solidFill>
-                  <a:srgbClr val="C85C57"/>
-                </a:solidFill>
-                <a:latin typeface="Consolas" panose="020B0609020204030204" pitchFamily="49" charset="0"/>
-                <a:cs typeface="Arial" panose="020B0604020202020204" pitchFamily="34" charset="0"/>
-              </a:rPr>
-              <a:t>’</a:t>
-            </a:r>
-            <a:r>
-              <a:rPr lang="pt-PT" sz="1700" dirty="0">
-                <a:latin typeface="Consolas" panose="020B0609020204030204" pitchFamily="49" charset="0"/>
-                <a:cs typeface="Arial" panose="020B0604020202020204" pitchFamily="34" charset="0"/>
-              </a:rPr>
-              <a:t>, </a:t>
-            </a:r>
-            <a:r>
-              <a:rPr lang="pt-PT" sz="1700" dirty="0" err="1">
-                <a:latin typeface="Consolas" panose="020B0609020204030204" pitchFamily="49" charset="0"/>
-                <a:cs typeface="Arial" panose="020B0604020202020204" pitchFamily="34" charset="0"/>
-              </a:rPr>
-              <a:t>gera_resposta</a:t>
-            </a:r>
-            <a:r>
-              <a:rPr lang="pt-PT" sz="1700" dirty="0">
-                <a:latin typeface="Consolas" panose="020B0609020204030204" pitchFamily="49" charset="0"/>
-                <a:cs typeface="Arial" panose="020B0604020202020204" pitchFamily="34" charset="0"/>
-              </a:rPr>
-              <a:t>()),</a:t>
-            </a:r>
-          </a:p>
-          <a:p>
-            <a:r>
-              <a:rPr lang="pt-PT" sz="1700" dirty="0">
-                <a:latin typeface="Consolas" panose="020B0609020204030204" pitchFamily="49" charset="0"/>
-                <a:cs typeface="Arial" panose="020B0604020202020204" pitchFamily="34" charset="0"/>
-              </a:rPr>
-              <a:t>( </a:t>
-            </a:r>
-            <a:r>
-              <a:rPr lang="pt-PT" sz="1700" dirty="0">
-                <a:solidFill>
-                  <a:srgbClr val="488ED4"/>
-                </a:solidFill>
-                <a:latin typeface="Consolas" panose="020B0609020204030204" pitchFamily="49" charset="0"/>
-                <a:cs typeface="Arial" panose="020B0604020202020204" pitchFamily="34" charset="0"/>
-              </a:rPr>
-              <a:t>r</a:t>
-            </a:r>
-            <a:r>
-              <a:rPr lang="pt-PT" sz="1700" dirty="0">
-                <a:solidFill>
-                  <a:srgbClr val="C85C57"/>
-                </a:solidFill>
-                <a:latin typeface="Consolas" panose="020B0609020204030204" pitchFamily="49" charset="0"/>
-                <a:cs typeface="Arial" panose="020B0604020202020204" pitchFamily="34" charset="0"/>
-              </a:rPr>
-              <a:t>'</a:t>
-            </a:r>
-            <a:r>
-              <a:rPr lang="pt-PT" sz="1700" dirty="0">
-                <a:solidFill>
-                  <a:srgbClr val="F67338"/>
-                </a:solidFill>
-                <a:latin typeface="Consolas" panose="020B0609020204030204" pitchFamily="49" charset="0"/>
-                <a:cs typeface="Arial" panose="020B0604020202020204" pitchFamily="34" charset="0"/>
-              </a:rPr>
-              <a:t>(</a:t>
-            </a:r>
-            <a:r>
-              <a:rPr lang="pt-PT" sz="1700" dirty="0">
-                <a:solidFill>
-                  <a:srgbClr val="C85C57"/>
-                </a:solidFill>
-                <a:latin typeface="Consolas" panose="020B0609020204030204" pitchFamily="49" charset="0"/>
-                <a:cs typeface="Arial" panose="020B0604020202020204" pitchFamily="34" charset="0"/>
-              </a:rPr>
-              <a:t>.</a:t>
-            </a:r>
-            <a:r>
-              <a:rPr lang="pt-PT" sz="1700" dirty="0">
-                <a:solidFill>
-                  <a:srgbClr val="FFC000"/>
-                </a:solidFill>
-                <a:latin typeface="Consolas" panose="020B0609020204030204" pitchFamily="49" charset="0"/>
-                <a:cs typeface="Arial" panose="020B0604020202020204" pitchFamily="34" charset="0"/>
-              </a:rPr>
-              <a:t>+</a:t>
-            </a:r>
-            <a:r>
-              <a:rPr lang="pt-PT" sz="1700" dirty="0">
-                <a:solidFill>
-                  <a:srgbClr val="F67338"/>
-                </a:solidFill>
-                <a:latin typeface="Consolas" panose="020B0609020204030204" pitchFamily="49" charset="0"/>
-                <a:cs typeface="Arial" panose="020B0604020202020204" pitchFamily="34" charset="0"/>
-              </a:rPr>
-              <a:t>)</a:t>
-            </a:r>
-            <a:r>
-              <a:rPr lang="pt-PT" sz="1700" dirty="0">
-                <a:solidFill>
-                  <a:srgbClr val="C85C57"/>
-                </a:solidFill>
-                <a:latin typeface="Consolas" panose="020B0609020204030204" pitchFamily="49" charset="0"/>
-                <a:cs typeface="Arial" panose="020B0604020202020204" pitchFamily="34" charset="0"/>
-              </a:rPr>
-              <a:t>’</a:t>
-            </a:r>
-            <a:r>
-              <a:rPr lang="pt-PT" sz="1700" dirty="0">
-                <a:latin typeface="Consolas" panose="020B0609020204030204" pitchFamily="49" charset="0"/>
-                <a:cs typeface="Arial" panose="020B0604020202020204" pitchFamily="34" charset="0"/>
-              </a:rPr>
-              <a:t>, </a:t>
-            </a:r>
-            <a:r>
-              <a:rPr lang="pt-PT" sz="1700" dirty="0" err="1">
-                <a:latin typeface="Consolas" panose="020B0609020204030204" pitchFamily="49" charset="0"/>
-                <a:cs typeface="Arial" panose="020B0604020202020204" pitchFamily="34" charset="0"/>
-              </a:rPr>
-              <a:t>gera_resposta</a:t>
-            </a:r>
-            <a:r>
-              <a:rPr lang="pt-PT" sz="1700" dirty="0">
-                <a:latin typeface="Consolas" panose="020B0609020204030204" pitchFamily="49" charset="0"/>
-                <a:cs typeface="Arial" panose="020B0604020202020204" pitchFamily="34" charset="0"/>
-              </a:rPr>
-              <a:t>()),</a:t>
+                <a:latin typeface="Consolas" panose="020B0609020204030204" pitchFamily="49" charset="0"/>
+                <a:cs typeface="Arial" panose="020B0604020202020204" pitchFamily="34" charset="0"/>
+              </a:rPr>
+              <a:t>   ...</a:t>
             </a:r>
           </a:p>
           <a:p>
@@ -8894,8 +8294,8 @@
         </p:nvSpPr>
         <p:spPr>
           <a:xfrm>
-            <a:off x="990600" y="3233678"/>
-            <a:ext cx="7391400" cy="2708434"/>
+            <a:off x="990600" y="3641095"/>
+            <a:ext cx="7391400" cy="2185214"/>
           </a:xfrm>
           <a:prstGeom prst="rect">
             <a:avLst/>
@@ -8929,6 +8329,16 @@
               <a:t> </a:t>
             </a:r>
             <a:r>
+              <a:rPr lang="pt-PT" sz="1700" dirty="0" err="1">
+                <a:solidFill>
+                  <a:srgbClr val="00B050"/>
+                </a:solidFill>
+                <a:latin typeface="Consolas" panose="020B0609020204030204" pitchFamily="49" charset="0"/>
+                <a:cs typeface="Arial" panose="020B0604020202020204" pitchFamily="34" charset="0"/>
+              </a:rPr>
+              <a:t>botSystem</a:t>
+            </a:r>
+            <a:r>
               <a:rPr lang="pt-PT" sz="1700" dirty="0">
                 <a:solidFill>
                   <a:srgbClr val="00B050"/>
@@ -8936,7 +8346,7 @@
                 <a:latin typeface="Consolas" panose="020B0609020204030204" pitchFamily="49" charset="0"/>
                 <a:cs typeface="Arial" panose="020B0604020202020204" pitchFamily="34" charset="0"/>
               </a:rPr>
-              <a:t>responde</a:t>
+              <a:t> </a:t>
             </a:r>
             <a:r>
               <a:rPr lang="pt-PT" sz="1700" dirty="0">
@@ -8946,6 +8356,16 @@
               <a:t>(</a:t>
             </a:r>
             <a:r>
+              <a:rPr lang="pt-PT" sz="1700" dirty="0" err="1">
+                <a:solidFill>
+                  <a:srgbClr val="488ED4"/>
+                </a:solidFill>
+                <a:latin typeface="Consolas" panose="020B0609020204030204" pitchFamily="49" charset="0"/>
+                <a:cs typeface="Arial" panose="020B0604020202020204" pitchFamily="34" charset="0"/>
+              </a:rPr>
+              <a:t>userInput</a:t>
+            </a:r>
+            <a:r>
               <a:rPr lang="pt-PT" sz="1700" dirty="0">
                 <a:solidFill>
                   <a:srgbClr val="488ED4"/>
@@ -8953,7 +8373,7 @@
                 <a:latin typeface="Consolas" panose="020B0609020204030204" pitchFamily="49" charset="0"/>
                 <a:cs typeface="Arial" panose="020B0604020202020204" pitchFamily="34" charset="0"/>
               </a:rPr>
-              <a:t>Input</a:t>
+              <a:t> , regras</a:t>
             </a:r>
             <a:r>
               <a:rPr lang="pt-PT" sz="1700" dirty="0">
@@ -8976,314 +8396,240 @@
           <a:p>
             <a:r>
               <a:rPr lang="pt-PT" sz="1700" dirty="0">
+                <a:solidFill>
+                  <a:srgbClr val="BC7BA0"/>
+                </a:solidFill>
+                <a:latin typeface="Consolas" panose="020B0609020204030204" pitchFamily="49" charset="0"/>
+                <a:cs typeface="Arial" panose="020B0604020202020204" pitchFamily="34" charset="0"/>
+              </a:rPr>
+              <a:t>    for</a:t>
+            </a:r>
+            <a:r>
+              <a:rPr lang="pt-PT" sz="1700" dirty="0">
+                <a:latin typeface="Consolas" panose="020B0609020204030204" pitchFamily="49" charset="0"/>
+                <a:cs typeface="Arial" panose="020B0604020202020204" pitchFamily="34" charset="0"/>
+              </a:rPr>
+              <a:t> r </a:t>
+            </a:r>
+            <a:r>
+              <a:rPr lang="pt-PT" sz="1700" dirty="0">
+                <a:solidFill>
+                  <a:srgbClr val="488ED4"/>
+                </a:solidFill>
+                <a:latin typeface="Consolas" panose="020B0609020204030204" pitchFamily="49" charset="0"/>
+                <a:cs typeface="Arial" panose="020B0604020202020204" pitchFamily="34" charset="0"/>
+              </a:rPr>
+              <a:t>in</a:t>
+            </a:r>
+            <a:r>
+              <a:rPr lang="pt-PT" sz="1700" dirty="0">
+                <a:latin typeface="Consolas" panose="020B0609020204030204" pitchFamily="49" charset="0"/>
+                <a:cs typeface="Arial" panose="020B0604020202020204" pitchFamily="34" charset="0"/>
+              </a:rPr>
+              <a:t> regras:</a:t>
+            </a:r>
+          </a:p>
+          <a:p>
+            <a:r>
+              <a:rPr lang="pt-PT" sz="1700" dirty="0">
+                <a:latin typeface="Consolas" panose="020B0609020204030204" pitchFamily="49" charset="0"/>
+                <a:cs typeface="Arial" panose="020B0604020202020204" pitchFamily="34" charset="0"/>
+              </a:rPr>
+              <a:t>        match = </a:t>
+            </a:r>
+            <a:r>
+              <a:rPr lang="pt-PT" sz="1700" dirty="0" err="1">
+                <a:latin typeface="Consolas" panose="020B0609020204030204" pitchFamily="49" charset="0"/>
+                <a:cs typeface="Arial" panose="020B0604020202020204" pitchFamily="34" charset="0"/>
+              </a:rPr>
+              <a:t>re.match</a:t>
+            </a:r>
+            <a:r>
+              <a:rPr lang="pt-PT" sz="1700" dirty="0">
+                <a:latin typeface="Consolas" panose="020B0609020204030204" pitchFamily="49" charset="0"/>
+                <a:cs typeface="Arial" panose="020B0604020202020204" pitchFamily="34" charset="0"/>
+              </a:rPr>
+              <a:t>(</a:t>
+            </a:r>
+            <a:r>
+              <a:rPr lang="pt-PT" sz="1700" dirty="0" err="1">
+                <a:latin typeface="Consolas" panose="020B0609020204030204" pitchFamily="49" charset="0"/>
+                <a:cs typeface="Arial" panose="020B0604020202020204" pitchFamily="34" charset="0"/>
+              </a:rPr>
+              <a:t>r,userInput</a:t>
+            </a:r>
+            <a:r>
+              <a:rPr lang="pt-PT" sz="1700" dirty="0">
+                <a:latin typeface="Consolas" panose="020B0609020204030204" pitchFamily="49" charset="0"/>
+                <a:cs typeface="Arial" panose="020B0604020202020204" pitchFamily="34" charset="0"/>
+              </a:rPr>
+              <a:t>)</a:t>
+            </a:r>
+          </a:p>
+          <a:p>
+            <a:r>
+              <a:rPr lang="pt-PT" sz="1700" dirty="0">
+                <a:latin typeface="Consolas" panose="020B0609020204030204" pitchFamily="49" charset="0"/>
+                <a:cs typeface="Arial" panose="020B0604020202020204" pitchFamily="34" charset="0"/>
+              </a:rPr>
+              <a:t>        </a:t>
+            </a:r>
+            <a:r>
+              <a:rPr lang="pt-PT" sz="1700" dirty="0" err="1">
+                <a:solidFill>
+                  <a:srgbClr val="BC7BA0"/>
+                </a:solidFill>
+                <a:latin typeface="Consolas" panose="020B0609020204030204" pitchFamily="49" charset="0"/>
+                <a:cs typeface="Arial" panose="020B0604020202020204" pitchFamily="34" charset="0"/>
+              </a:rPr>
+              <a:t>if</a:t>
+            </a:r>
+            <a:r>
+              <a:rPr lang="pt-PT" sz="1700" dirty="0">
+                <a:latin typeface="Consolas" panose="020B0609020204030204" pitchFamily="49" charset="0"/>
+                <a:cs typeface="Arial" panose="020B0604020202020204" pitchFamily="34" charset="0"/>
+              </a:rPr>
+              <a:t> match:</a:t>
+            </a:r>
+          </a:p>
+          <a:p>
+            <a:r>
+              <a:rPr lang="pt-PT" sz="1700" dirty="0">
+                <a:latin typeface="Consolas" panose="020B0609020204030204" pitchFamily="49" charset="0"/>
+                <a:cs typeface="Arial" panose="020B0604020202020204" pitchFamily="34" charset="0"/>
+              </a:rPr>
+              <a:t>	    output = </a:t>
+            </a:r>
+            <a:r>
+              <a:rPr lang="pt-PT" sz="1700" dirty="0" err="1">
+                <a:solidFill>
+                  <a:srgbClr val="00B050"/>
+                </a:solidFill>
+                <a:latin typeface="Consolas" panose="020B0609020204030204" pitchFamily="49" charset="0"/>
+                <a:cs typeface="Arial" panose="020B0604020202020204" pitchFamily="34" charset="0"/>
+              </a:rPr>
+              <a:t>reply</a:t>
+            </a:r>
+            <a:r>
+              <a:rPr lang="pt-PT" sz="1700" dirty="0">
+                <a:latin typeface="Consolas" panose="020B0609020204030204" pitchFamily="49" charset="0"/>
+                <a:cs typeface="Arial" panose="020B0604020202020204" pitchFamily="34" charset="0"/>
+              </a:rPr>
+              <a:t>(</a:t>
+            </a:r>
+            <a:r>
+              <a:rPr lang="pt-PT" sz="1700" dirty="0" err="1">
+                <a:latin typeface="Consolas" panose="020B0609020204030204" pitchFamily="49" charset="0"/>
+                <a:cs typeface="Arial" panose="020B0604020202020204" pitchFamily="34" charset="0"/>
+              </a:rPr>
+              <a:t>r,userInput</a:t>
+            </a:r>
+            <a:r>
+              <a:rPr lang="pt-PT" sz="1700" dirty="0">
+                <a:latin typeface="Consolas" panose="020B0609020204030204" pitchFamily="49" charset="0"/>
+                <a:cs typeface="Arial" panose="020B0604020202020204" pitchFamily="34" charset="0"/>
+              </a:rPr>
+              <a:t>)</a:t>
+            </a:r>
+          </a:p>
+          <a:p>
+            <a:r>
+              <a:rPr lang="pt-PT" sz="1700" dirty="0">
+                <a:latin typeface="Consolas" panose="020B0609020204030204" pitchFamily="49" charset="0"/>
+                <a:cs typeface="Arial" panose="020B0604020202020204" pitchFamily="34" charset="0"/>
+              </a:rPr>
+              <a:t>    output = </a:t>
+            </a:r>
+            <a:r>
+              <a:rPr lang="pt-PT" sz="1700" dirty="0" err="1">
+                <a:latin typeface="Consolas" panose="020B0609020204030204" pitchFamily="49" charset="0"/>
+                <a:cs typeface="Arial" panose="020B0604020202020204" pitchFamily="34" charset="0"/>
+              </a:rPr>
+              <a:t>planB</a:t>
+            </a:r>
+            <a:r>
+              <a:rPr lang="pt-PT" sz="1700" dirty="0">
+                <a:latin typeface="Consolas" panose="020B0609020204030204" pitchFamily="49" charset="0"/>
+                <a:cs typeface="Arial" panose="020B0604020202020204" pitchFamily="34" charset="0"/>
+              </a:rPr>
+              <a:t>()</a:t>
+            </a:r>
+          </a:p>
+          <a:p>
+            <a:r>
+              <a:rPr lang="pt-PT" sz="1700" dirty="0">
                 <a:latin typeface="Consolas" panose="020B0609020204030204" pitchFamily="49" charset="0"/>
                 <a:cs typeface="Arial" panose="020B0604020202020204" pitchFamily="34" charset="0"/>
               </a:rPr>
               <a:t>    </a:t>
             </a:r>
             <a:r>
+              <a:rPr lang="pt-PT" sz="1700" dirty="0" err="1">
+                <a:solidFill>
+                  <a:srgbClr val="00B050"/>
+                </a:solidFill>
+                <a:latin typeface="Consolas" panose="020B0609020204030204" pitchFamily="49" charset="0"/>
+                <a:cs typeface="Arial" panose="020B0604020202020204" pitchFamily="34" charset="0"/>
+              </a:rPr>
+              <a:t>learn</a:t>
+            </a:r>
+            <a:r>
               <a:rPr lang="pt-PT" sz="1700" dirty="0">
-                <a:solidFill>
-                  <a:srgbClr val="BC7BA0"/>
-                </a:solidFill>
-                <a:latin typeface="Consolas" panose="020B0609020204030204" pitchFamily="49" charset="0"/>
-                <a:cs typeface="Arial" panose="020B0604020202020204" pitchFamily="34" charset="0"/>
-              </a:rPr>
-              <a:t>for</a:t>
+                <a:latin typeface="Consolas" panose="020B0609020204030204" pitchFamily="49" charset="0"/>
+                <a:cs typeface="Arial" panose="020B0604020202020204" pitchFamily="34" charset="0"/>
+              </a:rPr>
+              <a:t>(</a:t>
+            </a:r>
+            <a:r>
+              <a:rPr lang="pt-PT" sz="1700" dirty="0" err="1">
+                <a:latin typeface="Consolas" panose="020B0609020204030204" pitchFamily="49" charset="0"/>
+                <a:cs typeface="Arial" panose="020B0604020202020204" pitchFamily="34" charset="0"/>
+              </a:rPr>
+              <a:t>userInput</a:t>
             </a:r>
             <a:r>
               <a:rPr lang="pt-PT" sz="1700" dirty="0">
                 <a:latin typeface="Consolas" panose="020B0609020204030204" pitchFamily="49" charset="0"/>
                 <a:cs typeface="Arial" panose="020B0604020202020204" pitchFamily="34" charset="0"/>
               </a:rPr>
-              <a:t> </a:t>
+              <a:t>)</a:t>
+            </a:r>
+          </a:p>
+          <a:p>
+            <a:r>
+              <a:rPr lang="pt-PT" sz="1700" dirty="0">
+                <a:latin typeface="Consolas" panose="020B0609020204030204" pitchFamily="49" charset="0"/>
+                <a:cs typeface="Arial" panose="020B0604020202020204" pitchFamily="34" charset="0"/>
+              </a:rPr>
+              <a:t>    </a:t>
             </a:r>
             <a:r>
               <a:rPr lang="pt-PT" sz="1700" dirty="0" err="1">
                 <a:latin typeface="Consolas" panose="020B0609020204030204" pitchFamily="49" charset="0"/>
                 <a:cs typeface="Arial" panose="020B0604020202020204" pitchFamily="34" charset="0"/>
               </a:rPr>
-              <a:t>regex,out</a:t>
+              <a:t>log.add</a:t>
             </a:r>
             <a:r>
               <a:rPr lang="pt-PT" sz="1700" dirty="0">
                 <a:latin typeface="Consolas" panose="020B0609020204030204" pitchFamily="49" charset="0"/>
                 <a:cs typeface="Arial" panose="020B0604020202020204" pitchFamily="34" charset="0"/>
               </a:rPr>
-              <a:t> </a:t>
+              <a:t>(</a:t>
+            </a:r>
+            <a:r>
+              <a:rPr lang="pt-PT" sz="1700" dirty="0" err="1">
+                <a:latin typeface="Consolas" panose="020B0609020204030204" pitchFamily="49" charset="0"/>
+                <a:cs typeface="Arial" panose="020B0604020202020204" pitchFamily="34" charset="0"/>
+              </a:rPr>
+              <a:t>input,output</a:t>
             </a:r>
             <a:r>
               <a:rPr lang="pt-PT" sz="1700" dirty="0">
-                <a:solidFill>
-                  <a:srgbClr val="488ED4"/>
-                </a:solidFill>
-                <a:latin typeface="Consolas" panose="020B0609020204030204" pitchFamily="49" charset="0"/>
-                <a:cs typeface="Arial" panose="020B0604020202020204" pitchFamily="34" charset="0"/>
-              </a:rPr>
-              <a:t>in</a:t>
-            </a:r>
-            <a:r>
-              <a:rPr lang="pt-PT" sz="1700" dirty="0">
-                <a:latin typeface="Consolas" panose="020B0609020204030204" pitchFamily="49" charset="0"/>
-                <a:cs typeface="Arial" panose="020B0604020202020204" pitchFamily="34" charset="0"/>
-              </a:rPr>
-              <a:t> regras:</a:t>
-            </a:r>
-          </a:p>
-          <a:p>
-            <a:r>
-              <a:rPr lang="pt-PT" sz="1700" dirty="0">
-                <a:latin typeface="Consolas" panose="020B0609020204030204" pitchFamily="49" charset="0"/>
-                <a:cs typeface="Arial" panose="020B0604020202020204" pitchFamily="34" charset="0"/>
-              </a:rPr>
-              <a:t>        match = </a:t>
-            </a:r>
-            <a:r>
-              <a:rPr lang="pt-PT" sz="1700" dirty="0" err="1">
-                <a:latin typeface="Consolas" panose="020B0609020204030204" pitchFamily="49" charset="0"/>
-                <a:cs typeface="Arial" panose="020B0604020202020204" pitchFamily="34" charset="0"/>
-              </a:rPr>
-              <a:t>re.match</a:t>
-            </a:r>
-            <a:r>
-              <a:rPr lang="pt-PT" sz="1700" dirty="0">
-                <a:latin typeface="Consolas" panose="020B0609020204030204" pitchFamily="49" charset="0"/>
-                <a:cs typeface="Arial" panose="020B0604020202020204" pitchFamily="34" charset="0"/>
-              </a:rPr>
-              <a:t>(</a:t>
-            </a:r>
-            <a:r>
-              <a:rPr lang="pt-PT" sz="1700" dirty="0" err="1">
-                <a:latin typeface="Consolas" panose="020B0609020204030204" pitchFamily="49" charset="0"/>
-                <a:cs typeface="Arial" panose="020B0604020202020204" pitchFamily="34" charset="0"/>
-              </a:rPr>
-              <a:t>regex,Input</a:t>
-            </a:r>
-            <a:r>
-              <a:rPr lang="pt-PT" sz="1700" dirty="0">
                 <a:latin typeface="Consolas" panose="020B0609020204030204" pitchFamily="49" charset="0"/>
                 <a:cs typeface="Arial" panose="020B0604020202020204" pitchFamily="34" charset="0"/>
               </a:rPr>
               <a:t>)</a:t>
-            </a:r>
-          </a:p>
-          <a:p>
-            <a:r>
-              <a:rPr lang="pt-PT" sz="1700" dirty="0">
-                <a:latin typeface="Consolas" panose="020B0609020204030204" pitchFamily="49" charset="0"/>
-                <a:cs typeface="Arial" panose="020B0604020202020204" pitchFamily="34" charset="0"/>
-              </a:rPr>
-              <a:t>        </a:t>
-            </a:r>
-            <a:r>
-              <a:rPr lang="pt-PT" sz="1700" dirty="0" err="1">
-                <a:solidFill>
-                  <a:srgbClr val="BC7BA0"/>
-                </a:solidFill>
-                <a:latin typeface="Consolas" panose="020B0609020204030204" pitchFamily="49" charset="0"/>
-                <a:cs typeface="Arial" panose="020B0604020202020204" pitchFamily="34" charset="0"/>
-              </a:rPr>
-              <a:t>if</a:t>
-            </a:r>
-            <a:r>
-              <a:rPr lang="pt-PT" sz="1700" dirty="0">
-                <a:latin typeface="Consolas" panose="020B0609020204030204" pitchFamily="49" charset="0"/>
-                <a:cs typeface="Arial" panose="020B0604020202020204" pitchFamily="34" charset="0"/>
-              </a:rPr>
-              <a:t> match==</a:t>
-            </a:r>
-            <a:r>
-              <a:rPr lang="pt-PT" sz="1700" dirty="0" err="1">
-                <a:solidFill>
-                  <a:srgbClr val="488ED4"/>
-                </a:solidFill>
-                <a:latin typeface="Consolas" panose="020B0609020204030204" pitchFamily="49" charset="0"/>
-                <a:cs typeface="Arial" panose="020B0604020202020204" pitchFamily="34" charset="0"/>
-              </a:rPr>
-              <a:t>None</a:t>
-            </a:r>
-            <a:r>
-              <a:rPr lang="pt-PT" sz="1700" dirty="0">
-                <a:latin typeface="Consolas" panose="020B0609020204030204" pitchFamily="49" charset="0"/>
-                <a:cs typeface="Arial" panose="020B0604020202020204" pitchFamily="34" charset="0"/>
-              </a:rPr>
-              <a:t>:</a:t>
-            </a:r>
-          </a:p>
-          <a:p>
-            <a:r>
-              <a:rPr lang="pt-PT" sz="1700" dirty="0">
-                <a:latin typeface="Consolas" panose="020B0609020204030204" pitchFamily="49" charset="0"/>
-                <a:cs typeface="Arial" panose="020B0604020202020204" pitchFamily="34" charset="0"/>
-              </a:rPr>
-              <a:t>          </a:t>
-            </a:r>
-            <a:r>
-              <a:rPr lang="pt-PT" sz="1700" dirty="0" err="1">
-                <a:solidFill>
-                  <a:srgbClr val="BC7BA0"/>
-                </a:solidFill>
-                <a:latin typeface="Consolas" panose="020B0609020204030204" pitchFamily="49" charset="0"/>
-                <a:cs typeface="Arial" panose="020B0604020202020204" pitchFamily="34" charset="0"/>
-              </a:rPr>
-              <a:t>pass</a:t>
-            </a:r>
-            <a:endParaRPr lang="pt-PT" sz="1700" dirty="0">
-              <a:solidFill>
-                <a:srgbClr val="BC7BA0"/>
-              </a:solidFill>
-              <a:latin typeface="Consolas" panose="020B0609020204030204" pitchFamily="49" charset="0"/>
-              <a:cs typeface="Arial" panose="020B0604020202020204" pitchFamily="34" charset="0"/>
-            </a:endParaRPr>
-          </a:p>
-          <a:p>
-            <a:r>
-              <a:rPr lang="pt-PT" sz="1700" dirty="0">
-                <a:latin typeface="Consolas" panose="020B0609020204030204" pitchFamily="49" charset="0"/>
-                <a:cs typeface="Arial" panose="020B0604020202020204" pitchFamily="34" charset="0"/>
-              </a:rPr>
-              <a:t>        </a:t>
-            </a:r>
-            <a:r>
-              <a:rPr lang="pt-PT" sz="1700" dirty="0" err="1">
-                <a:solidFill>
-                  <a:srgbClr val="BC7BA0"/>
-                </a:solidFill>
-                <a:latin typeface="Consolas" panose="020B0609020204030204" pitchFamily="49" charset="0"/>
-                <a:cs typeface="Arial" panose="020B0604020202020204" pitchFamily="34" charset="0"/>
-              </a:rPr>
-              <a:t>else</a:t>
-            </a:r>
-            <a:r>
-              <a:rPr lang="pt-PT" sz="1700" dirty="0">
-                <a:latin typeface="Consolas" panose="020B0609020204030204" pitchFamily="49" charset="0"/>
-                <a:cs typeface="Arial" panose="020B0604020202020204" pitchFamily="34" charset="0"/>
-              </a:rPr>
-              <a:t>:</a:t>
-            </a:r>
-          </a:p>
-          <a:p>
-            <a:r>
-              <a:rPr lang="pt-PT" sz="1700" dirty="0">
-                <a:latin typeface="Consolas" panose="020B0609020204030204" pitchFamily="49" charset="0"/>
-                <a:cs typeface="Arial" panose="020B0604020202020204" pitchFamily="34" charset="0"/>
-              </a:rPr>
-              <a:t>            </a:t>
-            </a:r>
-            <a:r>
-              <a:rPr lang="pt-PT" sz="1700" dirty="0" err="1">
-                <a:solidFill>
-                  <a:srgbClr val="BC7BA0"/>
-                </a:solidFill>
-                <a:latin typeface="Consolas" panose="020B0609020204030204" pitchFamily="49" charset="0"/>
-                <a:cs typeface="Arial" panose="020B0604020202020204" pitchFamily="34" charset="0"/>
-              </a:rPr>
-              <a:t>if</a:t>
-            </a:r>
-            <a:r>
-              <a:rPr lang="pt-PT" sz="1700" dirty="0">
-                <a:latin typeface="Consolas" panose="020B0609020204030204" pitchFamily="49" charset="0"/>
-                <a:cs typeface="Arial" panose="020B0604020202020204" pitchFamily="34" charset="0"/>
-              </a:rPr>
-              <a:t> </a:t>
-            </a:r>
-            <a:r>
-              <a:rPr lang="pt-PT" sz="1700" dirty="0" err="1">
-                <a:solidFill>
-                  <a:srgbClr val="00B050"/>
-                </a:solidFill>
-                <a:latin typeface="Consolas" panose="020B0609020204030204" pitchFamily="49" charset="0"/>
-                <a:cs typeface="Arial" panose="020B0604020202020204" pitchFamily="34" charset="0"/>
-              </a:rPr>
-              <a:t>callable</a:t>
-            </a:r>
-            <a:r>
-              <a:rPr lang="pt-PT" sz="1700" dirty="0">
-                <a:latin typeface="Consolas" panose="020B0609020204030204" pitchFamily="49" charset="0"/>
-                <a:cs typeface="Arial" panose="020B0604020202020204" pitchFamily="34" charset="0"/>
-              </a:rPr>
-              <a:t>(out):</a:t>
-            </a:r>
-          </a:p>
-          <a:p>
-            <a:r>
-              <a:rPr lang="pt-PT" sz="1700" dirty="0">
-                <a:latin typeface="Consolas" panose="020B0609020204030204" pitchFamily="49" charset="0"/>
-                <a:cs typeface="Arial" panose="020B0604020202020204" pitchFamily="34" charset="0"/>
-              </a:rPr>
-              <a:t>                output = out(match)</a:t>
-            </a:r>
-          </a:p>
-          <a:p>
-            <a:r>
-              <a:rPr lang="pt-PT" sz="1700" dirty="0">
-                <a:solidFill>
-                  <a:srgbClr val="BC7BA0"/>
-                </a:solidFill>
-                <a:latin typeface="Consolas" panose="020B0609020204030204" pitchFamily="49" charset="0"/>
-                <a:cs typeface="Arial" panose="020B0604020202020204" pitchFamily="34" charset="0"/>
-              </a:rPr>
-              <a:t>                </a:t>
-            </a:r>
-            <a:r>
-              <a:rPr lang="pt-PT" sz="1700" dirty="0" err="1">
-                <a:solidFill>
-                  <a:srgbClr val="BC7BA0"/>
-                </a:solidFill>
-                <a:latin typeface="Consolas" panose="020B0609020204030204" pitchFamily="49" charset="0"/>
-                <a:cs typeface="Arial" panose="020B0604020202020204" pitchFamily="34" charset="0"/>
-              </a:rPr>
-              <a:t>if</a:t>
-            </a:r>
-            <a:r>
-              <a:rPr lang="pt-PT" sz="1700" dirty="0">
-                <a:latin typeface="Consolas" panose="020B0609020204030204" pitchFamily="49" charset="0"/>
-                <a:cs typeface="Arial" panose="020B0604020202020204" pitchFamily="34" charset="0"/>
-              </a:rPr>
-              <a:t> output != </a:t>
-            </a:r>
-            <a:r>
-              <a:rPr lang="pt-PT" sz="1700" dirty="0" err="1">
-                <a:solidFill>
-                  <a:srgbClr val="488ED4"/>
-                </a:solidFill>
-                <a:latin typeface="Consolas" panose="020B0609020204030204" pitchFamily="49" charset="0"/>
-                <a:cs typeface="Arial" panose="020B0604020202020204" pitchFamily="34" charset="0"/>
-              </a:rPr>
-              <a:t>None</a:t>
-            </a:r>
-            <a:r>
-              <a:rPr lang="pt-PT" sz="1700" dirty="0">
-                <a:latin typeface="Consolas" panose="020B0609020204030204" pitchFamily="49" charset="0"/>
-                <a:cs typeface="Arial" panose="020B0604020202020204" pitchFamily="34" charset="0"/>
-              </a:rPr>
-              <a:t>:</a:t>
-            </a:r>
-          </a:p>
-          <a:p>
-            <a:r>
-              <a:rPr lang="pt-PT" sz="1700" dirty="0">
-                <a:latin typeface="Consolas" panose="020B0609020204030204" pitchFamily="49" charset="0"/>
-                <a:cs typeface="Arial" panose="020B0604020202020204" pitchFamily="34" charset="0"/>
-              </a:rPr>
-              <a:t>                    </a:t>
-            </a:r>
-            <a:r>
-              <a:rPr lang="pt-PT" sz="1700" dirty="0" err="1">
-                <a:solidFill>
-                  <a:srgbClr val="BC7BA0"/>
-                </a:solidFill>
-                <a:latin typeface="Consolas" panose="020B0609020204030204" pitchFamily="49" charset="0"/>
-                <a:cs typeface="Arial" panose="020B0604020202020204" pitchFamily="34" charset="0"/>
-              </a:rPr>
-              <a:t>return</a:t>
-            </a:r>
-            <a:r>
-              <a:rPr lang="pt-PT" sz="1700" dirty="0">
-                <a:latin typeface="Consolas" panose="020B0609020204030204" pitchFamily="49" charset="0"/>
-                <a:cs typeface="Arial" panose="020B0604020202020204" pitchFamily="34" charset="0"/>
-              </a:rPr>
-              <a:t> output</a:t>
             </a:r>
           </a:p>
         </p:txBody>
@@ -9291,7 +8637,7 @@
     </p:spTree>
     <p:extLst>
       <p:ext uri="{BB962C8B-B14F-4D97-AF65-F5344CB8AC3E}">
-        <p14:creationId xmlns:p14="http://schemas.microsoft.com/office/powerpoint/2010/main" val="3819176040"/>
+        <p14:creationId xmlns:p14="http://schemas.microsoft.com/office/powerpoint/2010/main" val="2868693965"/>
       </p:ext>
     </p:extLst>
   </p:cSld>
@@ -9301,7 +8647,7 @@
 </p:sld>
 </file>
 
-<file path=ppt/slides/slide8.xml><?xml version="1.0" encoding="utf-8"?>
+<file path=ppt/slides/slide7.xml><?xml version="1.0" encoding="utf-8"?>
 <p:sld xmlns:a="http://schemas.openxmlformats.org/drawingml/2006/main" xmlns:r="http://schemas.openxmlformats.org/officeDocument/2006/relationships" xmlns:p="http://schemas.openxmlformats.org/presentationml/2006/main" showMasterSp="0">
   <p:cSld>
     <p:spTree>
@@ -9386,8 +8732,8 @@
         </p:nvSpPr>
         <p:spPr>
           <a:xfrm>
-            <a:off x="3543299" y="177804"/>
-            <a:ext cx="2057400" cy="469900"/>
+            <a:off x="0" y="224777"/>
+            <a:ext cx="9144000" cy="461023"/>
           </a:xfrm>
           <a:prstGeom prst="rect">
             <a:avLst/>
@@ -9409,7 +8755,7 @@
             </a:pPr>
             <a:r>
               <a:rPr lang="pt-PT" spc="-135" dirty="0"/>
-              <a:t>Resultados</a:t>
+              <a:t>Demo</a:t>
             </a:r>
             <a:endParaRPr spc="-135" dirty="0"/>
           </a:p>
@@ -9764,7 +9110,7 @@
           <a:p>
             <a:pPr marL="182563"/>
             <a:r>
-              <a:rPr lang="pt-PT" sz="1700" dirty="0" err="1">
+              <a:rPr lang="pt-PT" sz="1700" dirty="0">
                 <a:solidFill>
                   <a:srgbClr val="488ED4"/>
                 </a:solidFill>
@@ -9781,7 +9127,7 @@
                 <a:latin typeface="Consolas" panose="020B0609020204030204" pitchFamily="49" charset="0"/>
                 <a:cs typeface="Segoe UI" panose="020B0502040204020203" pitchFamily="34" charset="0"/>
               </a:rPr>
-              <a:t>: Que inteligente, o meu livro preferido é A Arte de Insultar.</a:t>
+              <a:t>: O meu livro preferido é A Arte de Insultar. Conheces?</a:t>
             </a:r>
           </a:p>
           <a:p>
@@ -9955,7 +9301,7 @@
 </p:sld>
 </file>
 
-<file path=ppt/slides/slide9.xml><?xml version="1.0" encoding="utf-8"?>
+<file path=ppt/slides/slide8.xml><?xml version="1.0" encoding="utf-8"?>
 <p:sld xmlns:a="http://schemas.openxmlformats.org/drawingml/2006/main" xmlns:r="http://schemas.openxmlformats.org/officeDocument/2006/relationships" xmlns:p="http://schemas.openxmlformats.org/presentationml/2006/main">
   <p:cSld>
     <p:spTree>
@@ -10084,7 +9430,7 @@
           <p:nvPr/>
         </p:nvPicPr>
         <p:blipFill>
-          <a:blip r:embed="rId2" cstate="print">
+          <a:blip r:embed="rId3" cstate="print">
             <a:extLst>
               <a:ext uri="{28A0092B-C50C-407E-A947-70E740481C1C}">
                 <a14:useLocalDpi xmlns:a14="http://schemas.microsoft.com/office/drawing/2010/main" val="0"/>
@@ -10131,11 +9477,11 @@
           <p:nvPr/>
         </p:nvPicPr>
         <p:blipFill>
-          <a:blip r:embed="rId3" cstate="print">
+          <a:blip r:embed="rId4" cstate="print">
             <a:extLst>
               <a:ext uri="{BEBA8EAE-BF5A-486C-A8C5-ECC9F3942E4B}">
                 <a14:imgProps xmlns:a14="http://schemas.microsoft.com/office/drawing/2010/main">
-                  <a14:imgLayer r:embed="rId4">
+                  <a14:imgLayer r:embed="rId5">
                     <a14:imgEffect>
                       <a14:backgroundRemoval t="10000" b="99474" l="10000" r="90000">
                         <a14:foregroundMark x1="29035" y1="83947" x2="29035" y2="83947"/>
@@ -10204,8 +9550,8 @@
         </p:nvSpPr>
         <p:spPr>
           <a:xfrm>
-            <a:off x="1295400" y="2057400"/>
-            <a:ext cx="6743699" cy="2667000"/>
+            <a:off x="1295400" y="2057399"/>
+            <a:ext cx="6743699" cy="3261479"/>
           </a:xfrm>
           <a:prstGeom prst="roundRect">
             <a:avLst/>
@@ -10256,8 +9602,8 @@
         </p:nvSpPr>
         <p:spPr>
           <a:xfrm>
-            <a:off x="1447800" y="2194679"/>
-            <a:ext cx="6391713" cy="3139321"/>
+            <a:off x="1447800" y="2250281"/>
+            <a:ext cx="6391713" cy="3693319"/>
           </a:xfrm>
           <a:prstGeom prst="rect">
             <a:avLst/>
@@ -10271,15 +9617,15 @@
           <a:lstStyle/>
           <a:p>
             <a:pPr marL="285750" indent="-285750">
-              <a:buFont typeface="Arial" panose="020B0604020202020204" pitchFamily="34" charset="0"/>
-              <a:buChar char="•"/>
+              <a:buFont typeface="Wingdings" panose="05000000000000000000" pitchFamily="2" charset="2"/>
+              <a:buChar char="§"/>
             </a:pPr>
             <a:r>
               <a:rPr lang="pt-PT" dirty="0">
                 <a:latin typeface="Arial" panose="020B0604020202020204" pitchFamily="34" charset="0"/>
                 <a:cs typeface="Arial" panose="020B0604020202020204" pitchFamily="34" charset="0"/>
               </a:rPr>
-              <a:t>Atribuir prioridade e outros atributos aos </a:t>
+              <a:t>Permitir geração dos </a:t>
             </a:r>
             <a:r>
               <a:rPr lang="pt-PT" i="1" dirty="0" err="1">
@@ -10293,7 +9639,7 @@
                 <a:latin typeface="Arial" panose="020B0604020202020204" pitchFamily="34" charset="0"/>
                 <a:cs typeface="Arial" panose="020B0604020202020204" pitchFamily="34" charset="0"/>
               </a:rPr>
-              <a:t>;</a:t>
+              <a:t> através da DSL possibilitando a especificação da categoria dos mesmos, prioridade,  agregação, …</a:t>
             </a:r>
           </a:p>
           <a:p>
@@ -10308,6 +9654,19 @@
           </a:p>
           <a:p>
             <a:pPr marL="285750" indent="-285750">
+              <a:buFont typeface="Wingdings" panose="05000000000000000000" pitchFamily="2" charset="2"/>
+              <a:buChar char="§"/>
+            </a:pPr>
+            <a:r>
+              <a:rPr lang="pt-PT" dirty="0">
+                <a:latin typeface="Arial" panose="020B0604020202020204" pitchFamily="34" charset="0"/>
+                <a:cs typeface="Arial" panose="020B0604020202020204" pitchFamily="34" charset="0"/>
+              </a:rPr>
+              <a:t>Aprendizagem</a:t>
+            </a:r>
+          </a:p>
+          <a:p>
+            <a:pPr marL="742950" lvl="1" indent="-285750">
               <a:buFont typeface="Arial" panose="020B0604020202020204" pitchFamily="34" charset="0"/>
               <a:buChar char="•"/>
             </a:pPr>
@@ -10316,7 +9675,20 @@
                 <a:latin typeface="Arial" panose="020B0604020202020204" pitchFamily="34" charset="0"/>
                 <a:cs typeface="Arial" panose="020B0604020202020204" pitchFamily="34" charset="0"/>
               </a:rPr>
-              <a:t>Guardar estados para melhorar capacidade de conversar;</a:t>
+              <a:t>Criação de perfis de utilizador</a:t>
+            </a:r>
+          </a:p>
+          <a:p>
+            <a:pPr marL="742950" lvl="1" indent="-285750">
+              <a:buFont typeface="Arial" panose="020B0604020202020204" pitchFamily="34" charset="0"/>
+              <a:buChar char="•"/>
+            </a:pPr>
+            <a:r>
+              <a:rPr lang="pt-PT" dirty="0">
+                <a:latin typeface="Arial" panose="020B0604020202020204" pitchFamily="34" charset="0"/>
+                <a:cs typeface="Arial" panose="020B0604020202020204" pitchFamily="34" charset="0"/>
+              </a:rPr>
+              <a:t>Aprender através dos diálogos (utilizador, filmes, …)</a:t>
             </a:r>
           </a:p>
           <a:p>
@@ -10331,19 +9703,39 @@
           </a:p>
           <a:p>
             <a:pPr marL="285750" indent="-285750">
-              <a:buFont typeface="Arial" panose="020B0604020202020204" pitchFamily="34" charset="0"/>
-              <a:buChar char="•"/>
+              <a:buFont typeface="Wingdings" panose="05000000000000000000" pitchFamily="2" charset="2"/>
+              <a:buChar char="§"/>
             </a:pPr>
             <a:r>
               <a:rPr lang="pt-PT" dirty="0">
                 <a:latin typeface="Arial" panose="020B0604020202020204" pitchFamily="34" charset="0"/>
                 <a:cs typeface="Arial" panose="020B0604020202020204" pitchFamily="34" charset="0"/>
               </a:rPr>
-              <a:t>Desenvolver capacidade de aprendizagem;</a:t>
+              <a:t>Guardar estados para dar melhor seguimento à conversa</a:t>
             </a:r>
           </a:p>
           <a:p>
             <a:pPr marL="285750" indent="-285750">
+              <a:buFont typeface="Wingdings" panose="05000000000000000000" pitchFamily="2" charset="2"/>
+              <a:buChar char="§"/>
+            </a:pPr>
+            <a:endParaRPr lang="pt-PT" dirty="0">
+              <a:latin typeface="Arial" panose="020B0604020202020204" pitchFamily="34" charset="0"/>
+              <a:cs typeface="Arial" panose="020B0604020202020204" pitchFamily="34" charset="0"/>
+            </a:endParaRPr>
+          </a:p>
+          <a:p>
+            <a:pPr marL="285750" indent="-285750">
+              <a:buFont typeface="Wingdings" panose="05000000000000000000" pitchFamily="2" charset="2"/>
+              <a:buChar char="§"/>
+            </a:pPr>
+            <a:endParaRPr lang="pt-PT" dirty="0">
+              <a:latin typeface="Arial" panose="020B0604020202020204" pitchFamily="34" charset="0"/>
+              <a:cs typeface="Arial" panose="020B0604020202020204" pitchFamily="34" charset="0"/>
+            </a:endParaRPr>
+          </a:p>
+          <a:p>
+            <a:pPr marL="742950" lvl="1" indent="-285750">
               <a:buFont typeface="Arial" panose="020B0604020202020204" pitchFamily="34" charset="0"/>
               <a:buChar char="•"/>
             </a:pPr>
@@ -10353,54 +9745,7 @@
             </a:endParaRPr>
           </a:p>
           <a:p>
-            <a:pPr marL="285750" indent="-285750">
-              <a:buFont typeface="Arial" panose="020B0604020202020204" pitchFamily="34" charset="0"/>
-              <a:buChar char="•"/>
-            </a:pPr>
-            <a:r>
-              <a:rPr lang="pt-PT" dirty="0">
-                <a:latin typeface="Arial" panose="020B0604020202020204" pitchFamily="34" charset="0"/>
-                <a:cs typeface="Arial" panose="020B0604020202020204" pitchFamily="34" charset="0"/>
-              </a:rPr>
-              <a:t>Permitir geração dos </a:t>
-            </a:r>
-            <a:r>
-              <a:rPr lang="pt-PT" i="1" dirty="0" err="1">
-                <a:latin typeface="Arial" panose="020B0604020202020204" pitchFamily="34" charset="0"/>
-                <a:cs typeface="Arial" panose="020B0604020202020204" pitchFamily="34" charset="0"/>
-              </a:rPr>
-              <a:t>bots</a:t>
-            </a:r>
-            <a:r>
-              <a:rPr lang="pt-PT" dirty="0">
-                <a:latin typeface="Arial" panose="020B0604020202020204" pitchFamily="34" charset="0"/>
-                <a:cs typeface="Arial" panose="020B0604020202020204" pitchFamily="34" charset="0"/>
-              </a:rPr>
-              <a:t> através da DSL possibilitando a especificação da categoria dos mesmos e agregação.</a:t>
-            </a:r>
-          </a:p>
-          <a:p>
-            <a:pPr marL="285750" indent="-285750">
-              <a:buFont typeface="Arial" panose="020B0604020202020204" pitchFamily="34" charset="0"/>
-              <a:buChar char="•"/>
-            </a:pPr>
-            <a:endParaRPr lang="pt-PT" dirty="0">
-              <a:latin typeface="Arial" panose="020B0604020202020204" pitchFamily="34" charset="0"/>
-              <a:cs typeface="Arial" panose="020B0604020202020204" pitchFamily="34" charset="0"/>
-            </a:endParaRPr>
-          </a:p>
-          <a:p>
-            <a:pPr marL="285750" indent="-285750">
-              <a:buFont typeface="Arial" panose="020B0604020202020204" pitchFamily="34" charset="0"/>
-              <a:buChar char="•"/>
-            </a:pPr>
-            <a:endParaRPr lang="pt-PT" dirty="0">
-              <a:latin typeface="Arial" panose="020B0604020202020204" pitchFamily="34" charset="0"/>
-              <a:cs typeface="Arial" panose="020B0604020202020204" pitchFamily="34" charset="0"/>
-            </a:endParaRPr>
-          </a:p>
-          <a:p>
-            <a:pPr marL="285750" indent="-285750">
+            <a:pPr marL="742950" lvl="1" indent="-285750">
               <a:buFont typeface="Arial" panose="020B0604020202020204" pitchFamily="34" charset="0"/>
               <a:buChar char="•"/>
             </a:pPr>
@@ -10426,7 +9771,7 @@
           <p:nvPr/>
         </p:nvPicPr>
         <p:blipFill>
-          <a:blip r:embed="rId5" cstate="print">
+          <a:blip r:embed="rId6" cstate="print">
             <a:extLst>
               <a:ext uri="{28A0092B-C50C-407E-A947-70E740481C1C}">
                 <a14:useLocalDpi xmlns:a14="http://schemas.microsoft.com/office/drawing/2010/main" val="0"/>
@@ -10440,7 +9785,7 @@
         </p:blipFill>
         <p:spPr bwMode="auto">
           <a:xfrm>
-            <a:off x="7004698" y="3937506"/>
+            <a:off x="7051885" y="4379416"/>
             <a:ext cx="1974428" cy="1974428"/>
           </a:xfrm>
           <a:prstGeom prst="rect">
@@ -10461,7 +9806,758 @@
     </p:spTree>
     <p:extLst>
       <p:ext uri="{BB962C8B-B14F-4D97-AF65-F5344CB8AC3E}">
-        <p14:creationId xmlns:p14="http://schemas.microsoft.com/office/powerpoint/2010/main" val="1851352587"/>
+        <p14:creationId xmlns:p14="http://schemas.microsoft.com/office/powerpoint/2010/main" val="724390932"/>
+      </p:ext>
+    </p:extLst>
+  </p:cSld>
+  <p:clrMapOvr>
+    <a:masterClrMapping/>
+  </p:clrMapOvr>
+</p:sld>
+</file>
+
+<file path=ppt/slides/slide9.xml><?xml version="1.0" encoding="utf-8"?>
+<p:sld xmlns:a="http://schemas.openxmlformats.org/drawingml/2006/main" xmlns:r="http://schemas.openxmlformats.org/officeDocument/2006/relationships" xmlns:p="http://schemas.openxmlformats.org/presentationml/2006/main">
+  <p:cSld>
+    <p:spTree>
+      <p:nvGrpSpPr>
+        <p:cNvPr id="1" name=""/>
+        <p:cNvGrpSpPr/>
+        <p:nvPr/>
+      </p:nvGrpSpPr>
+      <p:grpSpPr>
+        <a:xfrm>
+          <a:off x="0" y="0"/>
+          <a:ext cx="0" cy="0"/>
+          <a:chOff x="0" y="0"/>
+          <a:chExt cx="0" cy="0"/>
+        </a:xfrm>
+      </p:grpSpPr>
+      <p:sp>
+        <p:nvSpPr>
+          <p:cNvPr id="2" name="object 2"/>
+          <p:cNvSpPr/>
+          <p:nvPr/>
+        </p:nvSpPr>
+        <p:spPr>
+          <a:xfrm>
+            <a:off x="0" y="0"/>
+            <a:ext cx="3790950" cy="6858000"/>
+          </a:xfrm>
+          <a:custGeom>
+            <a:avLst/>
+            <a:gdLst/>
+            <a:ahLst/>
+            <a:cxnLst/>
+            <a:rect l="l" t="t" r="r" b="b"/>
+            <a:pathLst>
+              <a:path w="3790950" h="6858000">
+                <a:moveTo>
+                  <a:pt x="0" y="6858000"/>
+                </a:moveTo>
+                <a:lnTo>
+                  <a:pt x="3790416" y="6858000"/>
+                </a:lnTo>
+                <a:lnTo>
+                  <a:pt x="3790416" y="0"/>
+                </a:lnTo>
+                <a:lnTo>
+                  <a:pt x="0" y="0"/>
+                </a:lnTo>
+                <a:lnTo>
+                  <a:pt x="0" y="6858000"/>
+                </a:lnTo>
+                <a:close/>
+              </a:path>
+            </a:pathLst>
+          </a:custGeom>
+          <a:solidFill>
+            <a:srgbClr val="00ADE2"/>
+          </a:solidFill>
+        </p:spPr>
+        <p:txBody>
+          <a:bodyPr wrap="square" lIns="0" tIns="0" rIns="0" bIns="0" rtlCol="0"/>
+          <a:lstStyle/>
+          <a:p>
+            <a:endParaRPr dirty="0">
+              <a:solidFill>
+                <a:srgbClr val="FF0000"/>
+              </a:solidFill>
+            </a:endParaRPr>
+          </a:p>
+        </p:txBody>
+      </p:sp>
+      <p:sp>
+        <p:nvSpPr>
+          <p:cNvPr id="3" name="object 3"/>
+          <p:cNvSpPr/>
+          <p:nvPr/>
+        </p:nvSpPr>
+        <p:spPr>
+          <a:xfrm>
+            <a:off x="3806432" y="0"/>
+            <a:ext cx="5337924" cy="6858000"/>
+          </a:xfrm>
+          <a:custGeom>
+            <a:avLst/>
+            <a:gdLst/>
+            <a:ahLst/>
+            <a:cxnLst/>
+            <a:rect l="l" t="t" r="r" b="b"/>
+            <a:pathLst>
+              <a:path w="5254625" h="6858000">
+                <a:moveTo>
+                  <a:pt x="0" y="6858000"/>
+                </a:moveTo>
+                <a:lnTo>
+                  <a:pt x="5254269" y="6858000"/>
+                </a:lnTo>
+                <a:lnTo>
+                  <a:pt x="5254269" y="0"/>
+                </a:lnTo>
+                <a:lnTo>
+                  <a:pt x="0" y="0"/>
+                </a:lnTo>
+                <a:lnTo>
+                  <a:pt x="0" y="6858000"/>
+                </a:lnTo>
+                <a:close/>
+              </a:path>
+            </a:pathLst>
+          </a:custGeom>
+          <a:solidFill>
+            <a:srgbClr val="38505F"/>
+          </a:solidFill>
+        </p:spPr>
+        <p:txBody>
+          <a:bodyPr wrap="square" lIns="0" tIns="0" rIns="0" bIns="0" rtlCol="0"/>
+          <a:lstStyle/>
+          <a:p>
+            <a:endParaRPr dirty="0"/>
+          </a:p>
+        </p:txBody>
+      </p:sp>
+      <p:sp>
+        <p:nvSpPr>
+          <p:cNvPr id="4" name="object 4"/>
+          <p:cNvSpPr txBox="1"/>
+          <p:nvPr/>
+        </p:nvSpPr>
+        <p:spPr>
+          <a:xfrm>
+            <a:off x="4393769" y="2907495"/>
+            <a:ext cx="4481552" cy="446276"/>
+          </a:xfrm>
+          <a:prstGeom prst="rect">
+            <a:avLst/>
+          </a:prstGeom>
+        </p:spPr>
+        <p:txBody>
+          <a:bodyPr vert="horz" wrap="square" lIns="0" tIns="76200" rIns="0" bIns="0" rtlCol="0">
+            <a:spAutoFit/>
+          </a:bodyPr>
+          <a:lstStyle/>
+          <a:p>
+            <a:pPr algn="ctr">
+              <a:lnSpc>
+                <a:spcPct val="100000"/>
+              </a:lnSpc>
+              <a:spcBef>
+                <a:spcPts val="600"/>
+              </a:spcBef>
+            </a:pPr>
+            <a:r>
+              <a:rPr lang="pt-PT" sz="2400" b="1" spc="-90" dirty="0">
+                <a:solidFill>
+                  <a:srgbClr val="FFFFFF"/>
+                </a:solidFill>
+                <a:latin typeface="Arial"/>
+                <a:cs typeface="Arial"/>
+              </a:rPr>
+              <a:t>DSL para a geração de </a:t>
+            </a:r>
+            <a:r>
+              <a:rPr lang="pt-PT" sz="2400" b="1" spc="-90" dirty="0" err="1">
+                <a:solidFill>
+                  <a:srgbClr val="FFFFFF"/>
+                </a:solidFill>
+                <a:latin typeface="Arial"/>
+                <a:cs typeface="Arial"/>
+              </a:rPr>
+              <a:t>Chatbots</a:t>
+            </a:r>
+            <a:endParaRPr sz="2400" dirty="0">
+              <a:latin typeface="Arial"/>
+              <a:cs typeface="Arial"/>
+            </a:endParaRPr>
+          </a:p>
+        </p:txBody>
+      </p:sp>
+      <p:sp>
+        <p:nvSpPr>
+          <p:cNvPr id="5" name="object 5"/>
+          <p:cNvSpPr/>
+          <p:nvPr/>
+        </p:nvSpPr>
+        <p:spPr>
+          <a:xfrm>
+            <a:off x="7689417" y="406961"/>
+            <a:ext cx="1485900" cy="762000"/>
+          </a:xfrm>
+          <a:prstGeom prst="rect">
+            <a:avLst/>
+          </a:prstGeom>
+          <a:blipFill>
+            <a:blip r:embed="rId3" cstate="print"/>
+            <a:stretch>
+              <a:fillRect/>
+            </a:stretch>
+          </a:blipFill>
+        </p:spPr>
+        <p:txBody>
+          <a:bodyPr wrap="square" lIns="0" tIns="0" rIns="0" bIns="0" rtlCol="0"/>
+          <a:lstStyle/>
+          <a:p>
+            <a:endParaRPr dirty="0"/>
+          </a:p>
+        </p:txBody>
+      </p:sp>
+      <p:sp>
+        <p:nvSpPr>
+          <p:cNvPr id="6" name="object 6"/>
+          <p:cNvSpPr txBox="1"/>
+          <p:nvPr/>
+        </p:nvSpPr>
+        <p:spPr>
+          <a:xfrm>
+            <a:off x="5410200" y="5638800"/>
+            <a:ext cx="2743200" cy="1043491"/>
+          </a:xfrm>
+          <a:prstGeom prst="rect">
+            <a:avLst/>
+          </a:prstGeom>
+        </p:spPr>
+        <p:txBody>
+          <a:bodyPr vert="horz" wrap="square" lIns="0" tIns="12700" rIns="0" bIns="0" rtlCol="0">
+            <a:spAutoFit/>
+          </a:bodyPr>
+          <a:lstStyle/>
+          <a:p>
+            <a:pPr marL="19685" marR="11430" algn="ctr">
+              <a:lnSpc>
+                <a:spcPct val="166700"/>
+              </a:lnSpc>
+            </a:pPr>
+            <a:r>
+              <a:rPr lang="pt-PT" sz="1400" spc="35" dirty="0">
+                <a:solidFill>
+                  <a:srgbClr val="FFFFFF"/>
+                </a:solidFill>
+                <a:latin typeface="Arial" panose="020B0604020202020204" pitchFamily="34" charset="0"/>
+                <a:cs typeface="Arial" panose="020B0604020202020204" pitchFamily="34" charset="0"/>
+              </a:rPr>
+              <a:t>Diana Ribeiro Barbosa</a:t>
+            </a:r>
+          </a:p>
+          <a:p>
+            <a:pPr marL="19685" marR="11430" algn="ctr">
+              <a:lnSpc>
+                <a:spcPct val="166700"/>
+              </a:lnSpc>
+            </a:pPr>
+            <a:r>
+              <a:rPr sz="1400" spc="35" dirty="0">
+                <a:solidFill>
+                  <a:srgbClr val="FFFFFF"/>
+                </a:solidFill>
+                <a:latin typeface="Arial" panose="020B0604020202020204" pitchFamily="34" charset="0"/>
+                <a:cs typeface="Arial" panose="020B0604020202020204" pitchFamily="34" charset="0"/>
+              </a:rPr>
+              <a:t>Francisco </a:t>
+            </a:r>
+            <a:r>
+              <a:rPr sz="1400" spc="60" dirty="0">
+                <a:solidFill>
+                  <a:srgbClr val="FFFFFF"/>
+                </a:solidFill>
+                <a:latin typeface="Arial" panose="020B0604020202020204" pitchFamily="34" charset="0"/>
+                <a:cs typeface="Arial" panose="020B0604020202020204" pitchFamily="34" charset="0"/>
+              </a:rPr>
+              <a:t>José </a:t>
+            </a:r>
+            <a:r>
+              <a:rPr sz="1400" spc="20" dirty="0">
+                <a:solidFill>
+                  <a:srgbClr val="FFFFFF"/>
+                </a:solidFill>
+                <a:latin typeface="Arial" panose="020B0604020202020204" pitchFamily="34" charset="0"/>
+                <a:cs typeface="Arial" panose="020B0604020202020204" pitchFamily="34" charset="0"/>
+              </a:rPr>
+              <a:t>Moreira</a:t>
+            </a:r>
+            <a:r>
+              <a:rPr sz="1400" spc="-195" dirty="0">
+                <a:solidFill>
+                  <a:srgbClr val="FFFFFF"/>
+                </a:solidFill>
+                <a:latin typeface="Arial" panose="020B0604020202020204" pitchFamily="34" charset="0"/>
+                <a:cs typeface="Arial" panose="020B0604020202020204" pitchFamily="34" charset="0"/>
+              </a:rPr>
+              <a:t> </a:t>
+            </a:r>
+            <a:r>
+              <a:rPr sz="1400" spc="-5" dirty="0">
+                <a:solidFill>
+                  <a:srgbClr val="FFFFFF"/>
+                </a:solidFill>
+                <a:latin typeface="Arial" panose="020B0604020202020204" pitchFamily="34" charset="0"/>
+                <a:cs typeface="Arial" panose="020B0604020202020204" pitchFamily="34" charset="0"/>
+              </a:rPr>
+              <a:t>Oliveira  </a:t>
+            </a:r>
+            <a:r>
+              <a:rPr sz="1400" spc="20" dirty="0">
+                <a:solidFill>
+                  <a:srgbClr val="FFFFFF"/>
+                </a:solidFill>
+                <a:latin typeface="Arial" panose="020B0604020202020204" pitchFamily="34" charset="0"/>
+                <a:cs typeface="Arial" panose="020B0604020202020204" pitchFamily="34" charset="0"/>
+              </a:rPr>
+              <a:t>Raul Vilas</a:t>
+            </a:r>
+            <a:r>
+              <a:rPr sz="1400" spc="-114" dirty="0">
+                <a:solidFill>
+                  <a:srgbClr val="FFFFFF"/>
+                </a:solidFill>
+                <a:latin typeface="Arial" panose="020B0604020202020204" pitchFamily="34" charset="0"/>
+                <a:cs typeface="Arial" panose="020B0604020202020204" pitchFamily="34" charset="0"/>
+              </a:rPr>
+              <a:t> </a:t>
+            </a:r>
+            <a:r>
+              <a:rPr sz="1400" spc="75" dirty="0">
+                <a:solidFill>
+                  <a:srgbClr val="FFFFFF"/>
+                </a:solidFill>
+                <a:latin typeface="Arial" panose="020B0604020202020204" pitchFamily="34" charset="0"/>
+                <a:cs typeface="Arial" panose="020B0604020202020204" pitchFamily="34" charset="0"/>
+              </a:rPr>
+              <a:t>Boas</a:t>
+            </a:r>
+            <a:endParaRPr sz="1400" dirty="0">
+              <a:latin typeface="Arial" panose="020B0604020202020204" pitchFamily="34" charset="0"/>
+              <a:cs typeface="Arial" panose="020B0604020202020204" pitchFamily="34" charset="0"/>
+            </a:endParaRPr>
+          </a:p>
+        </p:txBody>
+      </p:sp>
+      <p:sp>
+        <p:nvSpPr>
+          <p:cNvPr id="8" name="object 8"/>
+          <p:cNvSpPr txBox="1">
+            <a:spLocks noGrp="1"/>
+          </p:cNvSpPr>
+          <p:nvPr>
+            <p:ph type="title"/>
+          </p:nvPr>
+        </p:nvSpPr>
+        <p:spPr>
+          <a:xfrm>
+            <a:off x="3851945" y="440382"/>
+            <a:ext cx="3577870" cy="704680"/>
+          </a:xfrm>
+          <a:prstGeom prst="rect">
+            <a:avLst/>
+          </a:prstGeom>
+        </p:spPr>
+        <p:txBody>
+          <a:bodyPr vert="horz" wrap="square" lIns="0" tIns="83185" rIns="0" bIns="0" rtlCol="0">
+            <a:spAutoFit/>
+          </a:bodyPr>
+          <a:lstStyle/>
+          <a:p>
+            <a:pPr marL="12700" algn="ctr">
+              <a:lnSpc>
+                <a:spcPct val="100000"/>
+              </a:lnSpc>
+              <a:spcBef>
+                <a:spcPts val="655"/>
+              </a:spcBef>
+            </a:pPr>
+            <a:r>
+              <a:rPr sz="2050" spc="-95" dirty="0" err="1">
+                <a:solidFill>
+                  <a:srgbClr val="FFFFFF"/>
+                </a:solidFill>
+                <a:latin typeface="Arial" panose="020B0604020202020204" pitchFamily="34" charset="0"/>
+                <a:cs typeface="Arial" panose="020B0604020202020204" pitchFamily="34" charset="0"/>
+              </a:rPr>
+              <a:t>Universidade</a:t>
+            </a:r>
+            <a:r>
+              <a:rPr sz="2050" spc="-95" dirty="0">
+                <a:solidFill>
+                  <a:srgbClr val="FFFFFF"/>
+                </a:solidFill>
+                <a:latin typeface="Arial" panose="020B0604020202020204" pitchFamily="34" charset="0"/>
+                <a:cs typeface="Arial" panose="020B0604020202020204" pitchFamily="34" charset="0"/>
+              </a:rPr>
+              <a:t> </a:t>
+            </a:r>
+            <a:r>
+              <a:rPr sz="2050" spc="-80" dirty="0">
+                <a:solidFill>
+                  <a:srgbClr val="FFFFFF"/>
+                </a:solidFill>
+                <a:latin typeface="Arial" panose="020B0604020202020204" pitchFamily="34" charset="0"/>
+                <a:cs typeface="Arial" panose="020B0604020202020204" pitchFamily="34" charset="0"/>
+              </a:rPr>
+              <a:t>do</a:t>
+            </a:r>
+            <a:r>
+              <a:rPr lang="pt-PT" sz="2050" spc="-80" dirty="0">
+                <a:solidFill>
+                  <a:srgbClr val="FFFFFF"/>
+                </a:solidFill>
+                <a:latin typeface="Arial" panose="020B0604020202020204" pitchFamily="34" charset="0"/>
+                <a:cs typeface="Arial" panose="020B0604020202020204" pitchFamily="34" charset="0"/>
+              </a:rPr>
+              <a:t> </a:t>
+            </a:r>
+            <a:r>
+              <a:rPr sz="2050" spc="-470" dirty="0">
+                <a:solidFill>
+                  <a:srgbClr val="FFFFFF"/>
+                </a:solidFill>
+                <a:latin typeface="Arial" panose="020B0604020202020204" pitchFamily="34" charset="0"/>
+                <a:cs typeface="Arial" panose="020B0604020202020204" pitchFamily="34" charset="0"/>
+              </a:rPr>
+              <a:t> </a:t>
+            </a:r>
+            <a:r>
+              <a:rPr sz="2050" spc="-90" dirty="0">
+                <a:solidFill>
+                  <a:srgbClr val="FFFFFF"/>
+                </a:solidFill>
+                <a:latin typeface="Arial" panose="020B0604020202020204" pitchFamily="34" charset="0"/>
+                <a:cs typeface="Arial" panose="020B0604020202020204" pitchFamily="34" charset="0"/>
+              </a:rPr>
+              <a:t>Minho</a:t>
+            </a:r>
+            <a:endParaRPr sz="2050" dirty="0">
+              <a:latin typeface="Arial" panose="020B0604020202020204" pitchFamily="34" charset="0"/>
+              <a:cs typeface="Arial" panose="020B0604020202020204" pitchFamily="34" charset="0"/>
+            </a:endParaRPr>
+          </a:p>
+          <a:p>
+            <a:pPr marL="24765" algn="ctr">
+              <a:lnSpc>
+                <a:spcPct val="100000"/>
+              </a:lnSpc>
+              <a:spcBef>
+                <a:spcPts val="439"/>
+              </a:spcBef>
+            </a:pPr>
+            <a:r>
+              <a:rPr lang="pt-PT" sz="1650" b="0" spc="-70" dirty="0">
+                <a:solidFill>
+                  <a:srgbClr val="FFFFFF"/>
+                </a:solidFill>
+                <a:latin typeface="Arial" panose="020B0604020202020204" pitchFamily="34" charset="0"/>
+                <a:cs typeface="Arial" panose="020B0604020202020204" pitchFamily="34" charset="0"/>
+              </a:rPr>
+              <a:t>Laboratório em Engenharia Informática</a:t>
+            </a:r>
+            <a:endParaRPr sz="1650" dirty="0">
+              <a:latin typeface="Arial" panose="020B0604020202020204" pitchFamily="34" charset="0"/>
+              <a:cs typeface="Arial" panose="020B0604020202020204" pitchFamily="34" charset="0"/>
+            </a:endParaRPr>
+          </a:p>
+        </p:txBody>
+      </p:sp>
+      <p:sp>
+        <p:nvSpPr>
+          <p:cNvPr id="9" name="object 9"/>
+          <p:cNvSpPr/>
+          <p:nvPr/>
+        </p:nvSpPr>
+        <p:spPr>
+          <a:xfrm>
+            <a:off x="4356914" y="2635658"/>
+            <a:ext cx="4404995" cy="0"/>
+          </a:xfrm>
+          <a:custGeom>
+            <a:avLst/>
+            <a:gdLst/>
+            <a:ahLst/>
+            <a:cxnLst/>
+            <a:rect l="l" t="t" r="r" b="b"/>
+            <a:pathLst>
+              <a:path w="4404995">
+                <a:moveTo>
+                  <a:pt x="0" y="0"/>
+                </a:moveTo>
+                <a:lnTo>
+                  <a:pt x="4404462" y="1"/>
+                </a:lnTo>
+              </a:path>
+            </a:pathLst>
+          </a:custGeom>
+          <a:ln w="52916">
+            <a:solidFill>
+              <a:srgbClr val="00ADE2"/>
+            </a:solidFill>
+          </a:ln>
+        </p:spPr>
+        <p:txBody>
+          <a:bodyPr wrap="square" lIns="0" tIns="0" rIns="0" bIns="0" rtlCol="0"/>
+          <a:lstStyle/>
+          <a:p>
+            <a:endParaRPr/>
+          </a:p>
+        </p:txBody>
+      </p:sp>
+      <p:sp>
+        <p:nvSpPr>
+          <p:cNvPr id="10" name="object 10"/>
+          <p:cNvSpPr/>
+          <p:nvPr/>
+        </p:nvSpPr>
+        <p:spPr>
+          <a:xfrm>
+            <a:off x="4639756" y="2468881"/>
+            <a:ext cx="3839210" cy="0"/>
+          </a:xfrm>
+          <a:custGeom>
+            <a:avLst/>
+            <a:gdLst/>
+            <a:ahLst/>
+            <a:cxnLst/>
+            <a:rect l="l" t="t" r="r" b="b"/>
+            <a:pathLst>
+              <a:path w="3839209">
+                <a:moveTo>
+                  <a:pt x="0" y="0"/>
+                </a:moveTo>
+                <a:lnTo>
+                  <a:pt x="3838782" y="1"/>
+                </a:lnTo>
+              </a:path>
+            </a:pathLst>
+          </a:custGeom>
+          <a:ln w="52916">
+            <a:solidFill>
+              <a:srgbClr val="00ADE2"/>
+            </a:solidFill>
+          </a:ln>
+        </p:spPr>
+        <p:txBody>
+          <a:bodyPr wrap="square" lIns="0" tIns="0" rIns="0" bIns="0" rtlCol="0"/>
+          <a:lstStyle/>
+          <a:p>
+            <a:endParaRPr/>
+          </a:p>
+        </p:txBody>
+      </p:sp>
+      <p:sp>
+        <p:nvSpPr>
+          <p:cNvPr id="11" name="object 11"/>
+          <p:cNvSpPr/>
+          <p:nvPr/>
+        </p:nvSpPr>
+        <p:spPr>
+          <a:xfrm>
+            <a:off x="4356914" y="3693822"/>
+            <a:ext cx="4404995" cy="0"/>
+          </a:xfrm>
+          <a:custGeom>
+            <a:avLst/>
+            <a:gdLst/>
+            <a:ahLst/>
+            <a:cxnLst/>
+            <a:rect l="l" t="t" r="r" b="b"/>
+            <a:pathLst>
+              <a:path w="4404995">
+                <a:moveTo>
+                  <a:pt x="0" y="0"/>
+                </a:moveTo>
+                <a:lnTo>
+                  <a:pt x="4404462" y="1"/>
+                </a:lnTo>
+              </a:path>
+            </a:pathLst>
+          </a:custGeom>
+          <a:ln w="52916">
+            <a:solidFill>
+              <a:srgbClr val="00ADE2"/>
+            </a:solidFill>
+          </a:ln>
+        </p:spPr>
+        <p:txBody>
+          <a:bodyPr wrap="square" lIns="0" tIns="0" rIns="0" bIns="0" rtlCol="0"/>
+          <a:lstStyle/>
+          <a:p>
+            <a:endParaRPr/>
+          </a:p>
+        </p:txBody>
+      </p:sp>
+      <p:sp>
+        <p:nvSpPr>
+          <p:cNvPr id="12" name="object 12"/>
+          <p:cNvSpPr/>
+          <p:nvPr/>
+        </p:nvSpPr>
+        <p:spPr>
+          <a:xfrm>
+            <a:off x="4639756" y="3863481"/>
+            <a:ext cx="3839210" cy="0"/>
+          </a:xfrm>
+          <a:custGeom>
+            <a:avLst/>
+            <a:gdLst/>
+            <a:ahLst/>
+            <a:cxnLst/>
+            <a:rect l="l" t="t" r="r" b="b"/>
+            <a:pathLst>
+              <a:path w="3839209">
+                <a:moveTo>
+                  <a:pt x="0" y="0"/>
+                </a:moveTo>
+                <a:lnTo>
+                  <a:pt x="3838782" y="1"/>
+                </a:lnTo>
+              </a:path>
+            </a:pathLst>
+          </a:custGeom>
+          <a:ln w="52916">
+            <a:solidFill>
+              <a:srgbClr val="00ADE2"/>
+            </a:solidFill>
+          </a:ln>
+        </p:spPr>
+        <p:txBody>
+          <a:bodyPr wrap="square" lIns="0" tIns="0" rIns="0" bIns="0" rtlCol="0"/>
+          <a:lstStyle/>
+          <a:p>
+            <a:endParaRPr/>
+          </a:p>
+        </p:txBody>
+      </p:sp>
+      <p:sp>
+        <p:nvSpPr>
+          <p:cNvPr id="13" name="object 13"/>
+          <p:cNvSpPr/>
+          <p:nvPr/>
+        </p:nvSpPr>
+        <p:spPr>
+          <a:xfrm>
+            <a:off x="3697846" y="0"/>
+            <a:ext cx="108585" cy="6858000"/>
+          </a:xfrm>
+          <a:custGeom>
+            <a:avLst/>
+            <a:gdLst/>
+            <a:ahLst/>
+            <a:cxnLst/>
+            <a:rect l="l" t="t" r="r" b="b"/>
+            <a:pathLst>
+              <a:path w="108585" h="6858000">
+                <a:moveTo>
+                  <a:pt x="0" y="6858000"/>
+                </a:moveTo>
+                <a:lnTo>
+                  <a:pt x="108220" y="6858000"/>
+                </a:lnTo>
+                <a:lnTo>
+                  <a:pt x="108220" y="0"/>
+                </a:lnTo>
+                <a:lnTo>
+                  <a:pt x="0" y="0"/>
+                </a:lnTo>
+                <a:lnTo>
+                  <a:pt x="0" y="6858000"/>
+                </a:lnTo>
+                <a:close/>
+              </a:path>
+            </a:pathLst>
+          </a:custGeom>
+          <a:solidFill>
+            <a:srgbClr val="FAB200"/>
+          </a:solidFill>
+        </p:spPr>
+        <p:txBody>
+          <a:bodyPr wrap="square" lIns="0" tIns="0" rIns="0" bIns="0" rtlCol="0"/>
+          <a:lstStyle/>
+          <a:p>
+            <a:endParaRPr/>
+          </a:p>
+        </p:txBody>
+      </p:sp>
+      <p:pic>
+        <p:nvPicPr>
+          <p:cNvPr id="14" name="Imagem 13">
+            <a:extLst>
+              <a:ext uri="{FF2B5EF4-FFF2-40B4-BE49-F238E27FC236}">
+                <a16:creationId xmlns:a16="http://schemas.microsoft.com/office/drawing/2014/main" id="{C738E9B3-4162-4211-8E04-17E91A6E4892}"/>
+              </a:ext>
+            </a:extLst>
+          </p:cNvPr>
+          <p:cNvPicPr>
+            <a:picLocks noChangeAspect="1"/>
+          </p:cNvPicPr>
+          <p:nvPr/>
+        </p:nvPicPr>
+        <p:blipFill>
+          <a:blip r:embed="rId4"/>
+          <a:stretch>
+            <a:fillRect/>
+          </a:stretch>
+        </p:blipFill>
+        <p:spPr>
+          <a:xfrm>
+            <a:off x="7535422" y="386937"/>
+            <a:ext cx="1608578" cy="801678"/>
+          </a:xfrm>
+          <a:prstGeom prst="rect">
+            <a:avLst/>
+          </a:prstGeom>
+        </p:spPr>
+      </p:pic>
+      <p:pic>
+        <p:nvPicPr>
+          <p:cNvPr id="20" name="Imagem 19">
+            <a:extLst>
+              <a:ext uri="{FF2B5EF4-FFF2-40B4-BE49-F238E27FC236}">
+                <a16:creationId xmlns:a16="http://schemas.microsoft.com/office/drawing/2014/main" id="{344E8D08-D3B1-4847-AFDC-BC0E4DA08605}"/>
+              </a:ext>
+            </a:extLst>
+          </p:cNvPr>
+          <p:cNvPicPr>
+            <a:picLocks noChangeAspect="1"/>
+          </p:cNvPicPr>
+          <p:nvPr/>
+        </p:nvPicPr>
+        <p:blipFill>
+          <a:blip r:embed="rId5"/>
+          <a:stretch>
+            <a:fillRect/>
+          </a:stretch>
+        </p:blipFill>
+        <p:spPr>
+          <a:xfrm>
+            <a:off x="4567238" y="3424238"/>
+            <a:ext cx="9524" cy="9524"/>
+          </a:xfrm>
+          <a:prstGeom prst="rect">
+            <a:avLst/>
+          </a:prstGeom>
+        </p:spPr>
+      </p:pic>
+    </p:spTree>
+    <p:extLst>
+      <p:ext uri="{BB962C8B-B14F-4D97-AF65-F5344CB8AC3E}">
+        <p14:creationId xmlns:p14="http://schemas.microsoft.com/office/powerpoint/2010/main" val="3773006781"/>
       </p:ext>
     </p:extLst>
   </p:cSld>

--- a/LEI/apresentações/apresLEI.pptx
+++ b/LEI/apresentações/apresLEI.pptx
@@ -16,7 +16,7 @@
     <p:sldId id="294" r:id="rId7"/>
     <p:sldId id="266" r:id="rId8"/>
     <p:sldId id="295" r:id="rId9"/>
-    <p:sldId id="291" r:id="rId10"/>
+    <p:sldId id="296" r:id="rId10"/>
   </p:sldIdLst>
   <p:sldSz cx="9144000" cy="6858000" type="screen4x3"/>
   <p:notesSz cx="9144000" cy="6858000"/>
@@ -1154,7 +1154,7 @@
     </p:spTree>
     <p:extLst>
       <p:ext uri="{BB962C8B-B14F-4D97-AF65-F5344CB8AC3E}">
-        <p14:creationId xmlns:p14="http://schemas.microsoft.com/office/powerpoint/2010/main" val="2420472543"/>
+        <p14:creationId xmlns:p14="http://schemas.microsoft.com/office/powerpoint/2010/main" val="932164001"/>
       </p:ext>
     </p:extLst>
   </p:cSld>
@@ -3398,6 +3398,41 @@
           </a:prstGeom>
         </p:spPr>
       </p:pic>
+      <p:pic>
+        <p:nvPicPr>
+          <p:cNvPr id="15" name="Imagem 14">
+            <a:extLst>
+              <a:ext uri="{FF2B5EF4-FFF2-40B4-BE49-F238E27FC236}">
+                <a16:creationId xmlns:a16="http://schemas.microsoft.com/office/drawing/2014/main" id="{66B588C0-2E66-481F-9319-3A719D275693}"/>
+              </a:ext>
+            </a:extLst>
+          </p:cNvPr>
+          <p:cNvPicPr>
+            <a:picLocks noChangeAspect="1"/>
+          </p:cNvPicPr>
+          <p:nvPr/>
+        </p:nvPicPr>
+        <p:blipFill rotWithShape="1">
+          <a:blip r:embed="rId6" cstate="print">
+            <a:extLst>
+              <a:ext uri="{28A0092B-C50C-407E-A947-70E740481C1C}">
+                <a14:useLocalDpi xmlns:a14="http://schemas.microsoft.com/office/drawing/2010/main" val="0"/>
+              </a:ext>
+            </a:extLst>
+          </a:blip>
+          <a:srcRect l="27818" t="5400" b="12017"/>
+          <a:stretch/>
+        </p:blipFill>
+        <p:spPr>
+          <a:xfrm>
+            <a:off x="935940" y="1911433"/>
+            <a:ext cx="1856212" cy="2438400"/>
+          </a:xfrm>
+          <a:prstGeom prst="rect">
+            <a:avLst/>
+          </a:prstGeom>
+        </p:spPr>
+      </p:pic>
     </p:spTree>
   </p:cSld>
   <p:clrMapOvr>
@@ -3437,8 +3472,8 @@
         </p:nvSpPr>
         <p:spPr>
           <a:xfrm>
-            <a:off x="4526797" y="1876834"/>
-            <a:ext cx="3097967" cy="1150649"/>
+            <a:off x="4963815" y="2401120"/>
+            <a:ext cx="3478013" cy="1866079"/>
           </a:xfrm>
           <a:custGeom>
             <a:avLst/>
@@ -3588,7 +3623,7 @@
         <p:spPr>
           <a:xfrm>
             <a:off x="3810000" y="222656"/>
-            <a:ext cx="1524000" cy="469900"/>
+            <a:ext cx="1524000" cy="461023"/>
           </a:xfrm>
           <a:prstGeom prst="rect">
             <a:avLst/>
@@ -3925,8 +3960,8 @@
           <p:nvPr/>
         </p:nvGrpSpPr>
         <p:grpSpPr>
-          <a:xfrm>
-            <a:off x="1390003" y="2749739"/>
+          <a:xfrm rot="20583521">
+            <a:off x="3893999" y="1946984"/>
             <a:ext cx="810905" cy="1098552"/>
             <a:chOff x="1390003" y="2749739"/>
             <a:chExt cx="810905" cy="1098552"/>
@@ -4070,208 +4105,14 @@
       </p:grpSp>
       <p:sp>
         <p:nvSpPr>
-          <p:cNvPr id="8" name="object 8"/>
-          <p:cNvSpPr/>
-          <p:nvPr/>
-        </p:nvSpPr>
-        <p:spPr>
-          <a:xfrm>
-            <a:off x="788233" y="4049129"/>
-            <a:ext cx="3097967" cy="1098550"/>
-          </a:xfrm>
-          <a:custGeom>
-            <a:avLst/>
-            <a:gdLst/>
-            <a:ahLst/>
-            <a:cxnLst/>
-            <a:rect l="l" t="t" r="r" b="b"/>
-            <a:pathLst>
-              <a:path w="4325620" h="1428750">
-                <a:moveTo>
-                  <a:pt x="4086953" y="0"/>
-                </a:moveTo>
-                <a:lnTo>
-                  <a:pt x="238109" y="0"/>
-                </a:lnTo>
-                <a:lnTo>
-                  <a:pt x="190122" y="4837"/>
-                </a:lnTo>
-                <a:lnTo>
-                  <a:pt x="145426" y="18711"/>
-                </a:lnTo>
-                <a:lnTo>
-                  <a:pt x="104980" y="40665"/>
-                </a:lnTo>
-                <a:lnTo>
-                  <a:pt x="69740" y="69740"/>
-                </a:lnTo>
-                <a:lnTo>
-                  <a:pt x="40665" y="104980"/>
-                </a:lnTo>
-                <a:lnTo>
-                  <a:pt x="18711" y="145427"/>
-                </a:lnTo>
-                <a:lnTo>
-                  <a:pt x="4837" y="190123"/>
-                </a:lnTo>
-                <a:lnTo>
-                  <a:pt x="0" y="238112"/>
-                </a:lnTo>
-                <a:lnTo>
-                  <a:pt x="0" y="1190524"/>
-                </a:lnTo>
-                <a:lnTo>
-                  <a:pt x="4837" y="1238512"/>
-                </a:lnTo>
-                <a:lnTo>
-                  <a:pt x="18711" y="1283207"/>
-                </a:lnTo>
-                <a:lnTo>
-                  <a:pt x="40665" y="1323654"/>
-                </a:lnTo>
-                <a:lnTo>
-                  <a:pt x="69740" y="1358893"/>
-                </a:lnTo>
-                <a:lnTo>
-                  <a:pt x="104980" y="1387969"/>
-                </a:lnTo>
-                <a:lnTo>
-                  <a:pt x="145426" y="1409922"/>
-                </a:lnTo>
-                <a:lnTo>
-                  <a:pt x="190122" y="1423796"/>
-                </a:lnTo>
-                <a:lnTo>
-                  <a:pt x="238109" y="1428634"/>
-                </a:lnTo>
-                <a:lnTo>
-                  <a:pt x="4086953" y="1428634"/>
-                </a:lnTo>
-                <a:lnTo>
-                  <a:pt x="4134942" y="1423796"/>
-                </a:lnTo>
-                <a:lnTo>
-                  <a:pt x="4179639" y="1409922"/>
-                </a:lnTo>
-                <a:lnTo>
-                  <a:pt x="4220086" y="1387969"/>
-                </a:lnTo>
-                <a:lnTo>
-                  <a:pt x="4255325" y="1358893"/>
-                </a:lnTo>
-                <a:lnTo>
-                  <a:pt x="4284401" y="1323654"/>
-                </a:lnTo>
-                <a:lnTo>
-                  <a:pt x="4306354" y="1283207"/>
-                </a:lnTo>
-                <a:lnTo>
-                  <a:pt x="4320228" y="1238512"/>
-                </a:lnTo>
-                <a:lnTo>
-                  <a:pt x="4325066" y="1190524"/>
-                </a:lnTo>
-                <a:lnTo>
-                  <a:pt x="4325066" y="238112"/>
-                </a:lnTo>
-                <a:lnTo>
-                  <a:pt x="4320228" y="190123"/>
-                </a:lnTo>
-                <a:lnTo>
-                  <a:pt x="4306354" y="145427"/>
-                </a:lnTo>
-                <a:lnTo>
-                  <a:pt x="4284401" y="104980"/>
-                </a:lnTo>
-                <a:lnTo>
-                  <a:pt x="4255325" y="69740"/>
-                </a:lnTo>
-                <a:lnTo>
-                  <a:pt x="4220086" y="40665"/>
-                </a:lnTo>
-                <a:lnTo>
-                  <a:pt x="4179639" y="18711"/>
-                </a:lnTo>
-                <a:lnTo>
-                  <a:pt x="4134942" y="4837"/>
-                </a:lnTo>
-                <a:lnTo>
-                  <a:pt x="4086953" y="0"/>
-                </a:lnTo>
-                <a:close/>
-              </a:path>
-            </a:pathLst>
-          </a:custGeom>
-          <a:solidFill>
-            <a:srgbClr val="38505F"/>
-          </a:solidFill>
-        </p:spPr>
-        <p:txBody>
-          <a:bodyPr wrap="square" lIns="0" tIns="0" rIns="0" bIns="0" rtlCol="0"/>
-          <a:lstStyle/>
-          <a:p>
-            <a:endParaRPr/>
-          </a:p>
-        </p:txBody>
-      </p:sp>
-      <p:sp>
-        <p:nvSpPr>
-          <p:cNvPr id="9" name="object 9"/>
-          <p:cNvSpPr txBox="1"/>
-          <p:nvPr/>
-        </p:nvSpPr>
-        <p:spPr>
-          <a:xfrm>
-            <a:off x="970908" y="4601262"/>
-            <a:ext cx="2246065" cy="268662"/>
-          </a:xfrm>
-          <a:prstGeom prst="rect">
-            <a:avLst/>
-          </a:prstGeom>
-        </p:spPr>
-        <p:txBody>
-          <a:bodyPr vert="horz" wrap="square" lIns="0" tIns="14604" rIns="0" bIns="0" rtlCol="0">
-            <a:spAutoFit/>
-          </a:bodyPr>
-          <a:lstStyle/>
-          <a:p>
-            <a:pPr marL="298450" indent="-285750">
-              <a:lnSpc>
-                <a:spcPct val="100000"/>
-              </a:lnSpc>
-              <a:spcBef>
-                <a:spcPts val="1320"/>
-              </a:spcBef>
-              <a:buFont typeface="Arial"/>
-              <a:buChar char="•"/>
-              <a:tabLst>
-                <a:tab pos="297815" algn="l"/>
-                <a:tab pos="298450" algn="l"/>
-              </a:tabLst>
-            </a:pPr>
-            <a:r>
-              <a:rPr lang="pt-PT" sz="1650" b="1" spc="45" dirty="0">
-                <a:solidFill>
-                  <a:srgbClr val="FFFFFF"/>
-                </a:solidFill>
-                <a:latin typeface="Arial"/>
-                <a:cs typeface="Arial"/>
-              </a:rPr>
-              <a:t>Diagramas</a:t>
-            </a:r>
-          </a:p>
-        </p:txBody>
-      </p:sp>
-      <p:sp>
-        <p:nvSpPr>
           <p:cNvPr id="11" name="object 11"/>
           <p:cNvSpPr txBox="1"/>
           <p:nvPr/>
         </p:nvSpPr>
         <p:spPr>
           <a:xfrm>
-            <a:off x="4254724" y="2011296"/>
-            <a:ext cx="3883279" cy="268662"/>
+            <a:off x="4963815" y="2601022"/>
+            <a:ext cx="3478013" cy="268662"/>
           </a:xfrm>
           <a:prstGeom prst="rect">
             <a:avLst/>
@@ -4316,7 +4157,7 @@
         </p:nvSpPr>
         <p:spPr>
           <a:xfrm>
-            <a:off x="5681096" y="4446711"/>
+            <a:off x="815340" y="4550124"/>
             <a:ext cx="2994660" cy="1428750"/>
           </a:xfrm>
           <a:custGeom>
@@ -4462,7 +4303,7 @@
         </p:nvSpPr>
         <p:spPr>
           <a:xfrm>
-            <a:off x="5959585" y="4578922"/>
+            <a:off x="1142817" y="4649523"/>
             <a:ext cx="2254885" cy="1135566"/>
           </a:xfrm>
           <a:prstGeom prst="rect">
@@ -4475,28 +4316,53 @@
           </a:bodyPr>
           <a:lstStyle/>
           <a:p>
-            <a:pPr marL="442595">
+            <a:pPr marL="298450" indent="-285750">
               <a:lnSpc>
                 <a:spcPct val="100000"/>
               </a:lnSpc>
               <a:spcBef>
-                <a:spcPts val="114"/>
+                <a:spcPts val="1420"/>
               </a:spcBef>
+              <a:buFont typeface="Arial" panose="020B0604020202020204" pitchFamily="34" charset="0"/>
+              <a:buChar char="•"/>
+              <a:tabLst>
+                <a:tab pos="297815" algn="l"/>
+                <a:tab pos="298450" algn="l"/>
+              </a:tabLst>
             </a:pPr>
-            <a:r>
-              <a:rPr lang="pt-PT" sz="1650" b="1" spc="50" dirty="0">
-                <a:solidFill>
-                  <a:srgbClr val="38505F"/>
-                </a:solidFill>
-                <a:latin typeface="Arial"/>
-                <a:cs typeface="Arial"/>
-              </a:rPr>
-              <a:t>Resultados</a:t>
-            </a:r>
-            <a:endParaRPr sz="1650" dirty="0">
+            <a:endParaRPr lang="pt-PT" sz="1650" b="1" spc="35" dirty="0">
+              <a:solidFill>
+                <a:srgbClr val="FFFFFF"/>
+              </a:solidFill>
               <a:latin typeface="Arial"/>
               <a:cs typeface="Arial"/>
             </a:endParaRPr>
+          </a:p>
+          <a:p>
+            <a:pPr marL="298450" indent="-285750">
+              <a:lnSpc>
+                <a:spcPct val="100000"/>
+              </a:lnSpc>
+              <a:spcBef>
+                <a:spcPts val="1420"/>
+              </a:spcBef>
+              <a:buFont typeface="Arial" panose="020B0604020202020204" pitchFamily="34" charset="0"/>
+              <a:buChar char="•"/>
+              <a:tabLst>
+                <a:tab pos="297815" algn="l"/>
+                <a:tab pos="298450" algn="l"/>
+              </a:tabLst>
+            </a:pPr>
+            <a:r>
+              <a:rPr lang="pt-PT" sz="1650" b="1" spc="35" dirty="0">
+                <a:solidFill>
+                  <a:srgbClr val="FFFFFF"/>
+                </a:solidFill>
+                <a:latin typeface="Arial"/>
+                <a:cs typeface="Arial"/>
+              </a:rPr>
+              <a:t>Demo</a:t>
+            </a:r>
           </a:p>
           <a:p>
             <a:pPr marL="298450" indent="-285750">
@@ -4521,240 +4387,9 @@
                 <a:latin typeface="Arial"/>
                 <a:cs typeface="Arial"/>
               </a:rPr>
-              <a:t>Outputs</a:t>
-            </a:r>
-          </a:p>
-          <a:p>
-            <a:pPr marL="298450" indent="-285750">
-              <a:lnSpc>
-                <a:spcPct val="100000"/>
-              </a:lnSpc>
-              <a:spcBef>
-                <a:spcPts val="1420"/>
-              </a:spcBef>
-              <a:buFont typeface="Arial"/>
-              <a:buChar char="•"/>
-              <a:tabLst>
-                <a:tab pos="297815" algn="l"/>
-                <a:tab pos="298450" algn="l"/>
-              </a:tabLst>
-            </a:pPr>
-            <a:r>
-              <a:rPr lang="pt-PT" sz="1650" b="1" spc="35" dirty="0">
-                <a:solidFill>
-                  <a:srgbClr val="FFFFFF"/>
-                </a:solidFill>
-                <a:latin typeface="Arial"/>
-                <a:cs typeface="Arial"/>
-              </a:rPr>
-              <a:t>Comentários</a:t>
+              <a:t>Trabalho Futuro</a:t>
             </a:r>
             <a:endParaRPr sz="1650" dirty="0">
-              <a:latin typeface="Arial"/>
-              <a:cs typeface="Arial"/>
-            </a:endParaRPr>
-          </a:p>
-        </p:txBody>
-      </p:sp>
-      <p:grpSp>
-        <p:nvGrpSpPr>
-          <p:cNvPr id="24" name="Agrupar 23">
-            <a:extLst>
-              <a:ext uri="{FF2B5EF4-FFF2-40B4-BE49-F238E27FC236}">
-                <a16:creationId xmlns:a16="http://schemas.microsoft.com/office/drawing/2014/main" id="{8D504178-6136-4782-9512-845785ABCCF0}"/>
-              </a:ext>
-            </a:extLst>
-          </p:cNvPr>
-          <p:cNvGrpSpPr/>
-          <p:nvPr/>
-        </p:nvGrpSpPr>
-        <p:grpSpPr>
-          <a:xfrm>
-            <a:off x="3553726" y="3103278"/>
-            <a:ext cx="883920" cy="838838"/>
-            <a:chOff x="3322836" y="3163979"/>
-            <a:chExt cx="883920" cy="838838"/>
-          </a:xfrm>
-        </p:grpSpPr>
-        <p:sp>
-          <p:nvSpPr>
-            <p:cNvPr id="16" name="object 16"/>
-            <p:cNvSpPr/>
-            <p:nvPr/>
-          </p:nvSpPr>
-          <p:spPr>
-            <a:xfrm>
-              <a:off x="3322836" y="3163979"/>
-              <a:ext cx="883919" cy="838835"/>
-            </a:xfrm>
-            <a:custGeom>
-              <a:avLst/>
-              <a:gdLst/>
-              <a:ahLst/>
-              <a:cxnLst/>
-              <a:rect l="l" t="t" r="r" b="b"/>
-              <a:pathLst>
-                <a:path w="883920" h="838835">
-                  <a:moveTo>
-                    <a:pt x="883500" y="0"/>
-                  </a:moveTo>
-                  <a:lnTo>
-                    <a:pt x="583755" y="68452"/>
-                  </a:lnTo>
-                  <a:lnTo>
-                    <a:pt x="637095" y="125107"/>
-                  </a:lnTo>
-                  <a:lnTo>
-                    <a:pt x="0" y="724928"/>
-                  </a:lnTo>
-                  <a:lnTo>
-                    <a:pt x="106680" y="838238"/>
-                  </a:lnTo>
-                  <a:lnTo>
-                    <a:pt x="743775" y="238417"/>
-                  </a:lnTo>
-                  <a:lnTo>
-                    <a:pt x="813712" y="238417"/>
-                  </a:lnTo>
-                  <a:lnTo>
-                    <a:pt x="883500" y="0"/>
-                  </a:lnTo>
-                  <a:close/>
-                </a:path>
-                <a:path w="883920" h="838835">
-                  <a:moveTo>
-                    <a:pt x="813712" y="238417"/>
-                  </a:moveTo>
-                  <a:lnTo>
-                    <a:pt x="743775" y="238417"/>
-                  </a:lnTo>
-                  <a:lnTo>
-                    <a:pt x="797128" y="295071"/>
-                  </a:lnTo>
-                  <a:lnTo>
-                    <a:pt x="813712" y="238417"/>
-                  </a:lnTo>
-                  <a:close/>
-                </a:path>
-              </a:pathLst>
-            </a:custGeom>
-            <a:solidFill>
-              <a:srgbClr val="FFFFFF"/>
-            </a:solidFill>
-          </p:spPr>
-          <p:txBody>
-            <a:bodyPr wrap="square" lIns="0" tIns="0" rIns="0" bIns="0" rtlCol="0"/>
-            <a:lstStyle/>
-            <a:p>
-              <a:endParaRPr/>
-            </a:p>
-          </p:txBody>
-        </p:sp>
-        <p:sp>
-          <p:nvSpPr>
-            <p:cNvPr id="17" name="object 17"/>
-            <p:cNvSpPr/>
-            <p:nvPr/>
-          </p:nvSpPr>
-          <p:spPr>
-            <a:xfrm>
-              <a:off x="3322837" y="3163982"/>
-              <a:ext cx="883919" cy="838835"/>
-            </a:xfrm>
-            <a:custGeom>
-              <a:avLst/>
-              <a:gdLst/>
-              <a:ahLst/>
-              <a:cxnLst/>
-              <a:rect l="l" t="t" r="r" b="b"/>
-              <a:pathLst>
-                <a:path w="883920" h="838835">
-                  <a:moveTo>
-                    <a:pt x="583764" y="68446"/>
-                  </a:moveTo>
-                  <a:lnTo>
-                    <a:pt x="883501" y="0"/>
-                  </a:lnTo>
-                  <a:lnTo>
-                    <a:pt x="797126" y="295070"/>
-                  </a:lnTo>
-                  <a:lnTo>
-                    <a:pt x="743785" y="238414"/>
-                  </a:lnTo>
-                  <a:lnTo>
-                    <a:pt x="106680" y="838235"/>
-                  </a:lnTo>
-                  <a:lnTo>
-                    <a:pt x="0" y="724924"/>
-                  </a:lnTo>
-                  <a:lnTo>
-                    <a:pt x="637104" y="125102"/>
-                  </a:lnTo>
-                  <a:lnTo>
-                    <a:pt x="583764" y="68446"/>
-                  </a:lnTo>
-                  <a:close/>
-                </a:path>
-              </a:pathLst>
-            </a:custGeom>
-            <a:ln w="52916">
-              <a:solidFill>
-                <a:srgbClr val="FFFFFF"/>
-              </a:solidFill>
-            </a:ln>
-          </p:spPr>
-          <p:txBody>
-            <a:bodyPr wrap="square" lIns="0" tIns="0" rIns="0" bIns="0" rtlCol="0"/>
-            <a:lstStyle/>
-            <a:p>
-              <a:endParaRPr/>
-            </a:p>
-          </p:txBody>
-        </p:sp>
-      </p:grpSp>
-      <p:sp>
-        <p:nvSpPr>
-          <p:cNvPr id="21" name="object 11">
-            <a:extLst>
-              <a:ext uri="{FF2B5EF4-FFF2-40B4-BE49-F238E27FC236}">
-                <a16:creationId xmlns:a16="http://schemas.microsoft.com/office/drawing/2014/main" id="{76510E92-8760-4535-A199-B435D4E20507}"/>
-              </a:ext>
-            </a:extLst>
-          </p:cNvPr>
-          <p:cNvSpPr txBox="1"/>
-          <p:nvPr/>
-        </p:nvSpPr>
-        <p:spPr>
-          <a:xfrm>
-            <a:off x="826961" y="4178049"/>
-            <a:ext cx="3301936" cy="268662"/>
-          </a:xfrm>
-          <a:prstGeom prst="rect">
-            <a:avLst/>
-          </a:prstGeom>
-        </p:spPr>
-        <p:txBody>
-          <a:bodyPr vert="horz" wrap="square" lIns="0" tIns="14604" rIns="0" bIns="0" rtlCol="0">
-            <a:spAutoFit/>
-          </a:bodyPr>
-          <a:lstStyle/>
-          <a:p>
-            <a:pPr marL="12700" algn="ctr">
-              <a:spcBef>
-                <a:spcPts val="114"/>
-              </a:spcBef>
-            </a:pPr>
-            <a:r>
-              <a:rPr lang="pt-PT" sz="1650" b="1" spc="-15" dirty="0">
-                <a:solidFill>
-                  <a:srgbClr val="FAB200"/>
-                </a:solidFill>
-                <a:latin typeface="Arial"/>
-                <a:cs typeface="Arial"/>
-              </a:rPr>
-              <a:t>Arquitetura</a:t>
-            </a:r>
-            <a:endParaRPr lang="pt-PT" sz="1650" dirty="0">
               <a:latin typeface="Arial"/>
               <a:cs typeface="Arial"/>
             </a:endParaRPr>
@@ -4774,8 +4409,8 @@
           <p:nvPr/>
         </p:nvGrpSpPr>
         <p:grpSpPr>
-          <a:xfrm>
-            <a:off x="5681096" y="3169186"/>
+          <a:xfrm rot="5174462">
+            <a:off x="3874624" y="3632937"/>
             <a:ext cx="952818" cy="1021796"/>
             <a:chOff x="6019946" y="3237325"/>
             <a:chExt cx="838836" cy="883922"/>
@@ -4937,8 +4572,8 @@
         </p:nvSpPr>
         <p:spPr>
           <a:xfrm>
-            <a:off x="3857652" y="2361071"/>
-            <a:ext cx="3339135" cy="384080"/>
+            <a:off x="5105400" y="2869684"/>
+            <a:ext cx="2996302" cy="1530547"/>
           </a:xfrm>
           <a:prstGeom prst="rect">
             <a:avLst/>
@@ -4950,7 +4585,7 @@
           </a:bodyPr>
           <a:lstStyle/>
           <a:p>
-            <a:pPr marL="298450" indent="-285750" algn="ctr">
+            <a:pPr marL="298450" indent="-285750" algn="just">
               <a:lnSpc>
                 <a:spcPct val="100000"/>
               </a:lnSpc>
@@ -4972,8 +4607,135 @@
                 <a:latin typeface="Arial"/>
                 <a:cs typeface="Arial"/>
               </a:rPr>
-              <a:t>Abordagens</a:t>
-            </a:r>
+              <a:t>Expressões Regulares</a:t>
+            </a:r>
+          </a:p>
+          <a:p>
+            <a:pPr marL="298450" indent="-285750" algn="just">
+              <a:lnSpc>
+                <a:spcPct val="100000"/>
+              </a:lnSpc>
+              <a:spcBef>
+                <a:spcPts val="1015"/>
+              </a:spcBef>
+              <a:buFont typeface="Arial"/>
+              <a:buChar char="•"/>
+              <a:tabLst>
+                <a:tab pos="297815" algn="l"/>
+                <a:tab pos="298450" algn="l"/>
+              </a:tabLst>
+            </a:pPr>
+            <a:r>
+              <a:rPr lang="pt-PT" sz="1650" b="1" spc="10" dirty="0">
+                <a:solidFill>
+                  <a:schemeClr val="bg1"/>
+                </a:solidFill>
+                <a:latin typeface="Arial"/>
+                <a:cs typeface="Arial"/>
+              </a:rPr>
+              <a:t>DSL</a:t>
+            </a:r>
+          </a:p>
+          <a:p>
+            <a:pPr marL="298450" indent="-285750" algn="just">
+              <a:lnSpc>
+                <a:spcPct val="100000"/>
+              </a:lnSpc>
+              <a:spcBef>
+                <a:spcPts val="1015"/>
+              </a:spcBef>
+              <a:buFont typeface="Arial"/>
+              <a:buChar char="•"/>
+              <a:tabLst>
+                <a:tab pos="297815" algn="l"/>
+                <a:tab pos="298450" algn="l"/>
+              </a:tabLst>
+            </a:pPr>
+            <a:r>
+              <a:rPr lang="pt-PT" sz="1650" b="1" spc="10" dirty="0">
+                <a:solidFill>
+                  <a:schemeClr val="bg1"/>
+                </a:solidFill>
+                <a:latin typeface="Arial"/>
+                <a:cs typeface="Arial"/>
+              </a:rPr>
+              <a:t>Funcionamento interno</a:t>
+            </a:r>
+          </a:p>
+          <a:p>
+            <a:pPr marL="298450" indent="-285750" algn="just">
+              <a:lnSpc>
+                <a:spcPct val="100000"/>
+              </a:lnSpc>
+              <a:spcBef>
+                <a:spcPts val="1015"/>
+              </a:spcBef>
+              <a:buFont typeface="Arial"/>
+              <a:buChar char="•"/>
+              <a:tabLst>
+                <a:tab pos="297815" algn="l"/>
+                <a:tab pos="298450" algn="l"/>
+              </a:tabLst>
+            </a:pPr>
+            <a:endParaRPr lang="pt-PT" sz="1650" b="1" spc="10" dirty="0">
+              <a:solidFill>
+                <a:schemeClr val="bg1"/>
+              </a:solidFill>
+              <a:latin typeface="Arial"/>
+              <a:cs typeface="Arial"/>
+            </a:endParaRPr>
+          </a:p>
+        </p:txBody>
+      </p:sp>
+      <p:sp>
+        <p:nvSpPr>
+          <p:cNvPr id="29" name="object 5">
+            <a:extLst>
+              <a:ext uri="{FF2B5EF4-FFF2-40B4-BE49-F238E27FC236}">
+                <a16:creationId xmlns:a16="http://schemas.microsoft.com/office/drawing/2014/main" id="{058F113C-3271-4083-B970-99511BAF0C70}"/>
+              </a:ext>
+            </a:extLst>
+          </p:cNvPr>
+          <p:cNvSpPr txBox="1"/>
+          <p:nvPr/>
+        </p:nvSpPr>
+        <p:spPr>
+          <a:xfrm>
+            <a:off x="815340" y="4677630"/>
+            <a:ext cx="2994660" cy="268662"/>
+          </a:xfrm>
+          <a:prstGeom prst="rect">
+            <a:avLst/>
+          </a:prstGeom>
+        </p:spPr>
+        <p:txBody>
+          <a:bodyPr vert="horz" wrap="square" lIns="0" tIns="14604" rIns="0" bIns="0" rtlCol="0">
+            <a:spAutoFit/>
+          </a:bodyPr>
+          <a:lstStyle/>
+          <a:p>
+            <a:pPr marL="12700" algn="ctr">
+              <a:lnSpc>
+                <a:spcPct val="100000"/>
+              </a:lnSpc>
+              <a:spcBef>
+                <a:spcPts val="114"/>
+              </a:spcBef>
+            </a:pPr>
+            <a:r>
+              <a:rPr lang="pt-PT" sz="1650" b="1" spc="45" dirty="0">
+                <a:solidFill>
+                  <a:srgbClr val="38505F"/>
+                </a:solidFill>
+                <a:latin typeface="Arial"/>
+                <a:cs typeface="Arial"/>
+              </a:rPr>
+              <a:t>Resultados</a:t>
+            </a:r>
+            <a:endParaRPr sz="1650" dirty="0">
+              <a:latin typeface="Arial"/>
+              <a:cs typeface="Arial"/>
+            </a:endParaRPr>
           </a:p>
         </p:txBody>
       </p:sp>
@@ -5604,7 +5366,7 @@
         </p:blipFill>
         <p:spPr bwMode="auto">
           <a:xfrm>
-            <a:off x="7043470" y="4698723"/>
+            <a:off x="5695410" y="4423409"/>
             <a:ext cx="1841744" cy="1841744"/>
           </a:xfrm>
           <a:prstGeom prst="rect">
@@ -5677,8 +5439,8 @@
         </p:blipFill>
         <p:spPr bwMode="auto">
           <a:xfrm>
-            <a:off x="5282854" y="5761636"/>
-            <a:ext cx="1351185" cy="751252"/>
+            <a:off x="6882613" y="3357026"/>
+            <a:ext cx="2179716" cy="1211911"/>
           </a:xfrm>
           <a:prstGeom prst="rect">
             <a:avLst/>
@@ -5724,7 +5486,7 @@
         </p:blipFill>
         <p:spPr bwMode="auto">
           <a:xfrm>
-            <a:off x="5410981" y="4233214"/>
+            <a:off x="454465" y="3429000"/>
             <a:ext cx="1351186" cy="1351186"/>
           </a:xfrm>
           <a:prstGeom prst="rect">
@@ -6683,13 +6445,13 @@
               </a:ext>
             </a:extLst>
           </a:blip>
-          <a:srcRect l="9999" t="16000" r="10000" b="43174"/>
+          <a:srcRect l="23702" t="16718" r="23438" b="45682"/>
           <a:stretch/>
         </p:blipFill>
         <p:spPr bwMode="auto">
           <a:xfrm>
-            <a:off x="1867094" y="5271807"/>
-            <a:ext cx="4811889" cy="1841744"/>
+            <a:off x="1030530" y="4568937"/>
+            <a:ext cx="3179400" cy="1696216"/>
           </a:xfrm>
           <a:prstGeom prst="rect">
             <a:avLst/>
@@ -6735,7 +6497,7 @@
         </p:blipFill>
         <p:spPr bwMode="auto">
           <a:xfrm>
-            <a:off x="270441" y="3518690"/>
+            <a:off x="3810000" y="3320758"/>
             <a:ext cx="1841744" cy="1841744"/>
           </a:xfrm>
           <a:prstGeom prst="rect">
@@ -8442,7 +8204,17 @@
                 <a:latin typeface="Consolas" panose="020B0609020204030204" pitchFamily="49" charset="0"/>
                 <a:cs typeface="Arial" panose="020B0604020202020204" pitchFamily="34" charset="0"/>
               </a:rPr>
-              <a:t>re.match</a:t>
+              <a:t>re.</a:t>
+            </a:r>
+            <a:r>
+              <a:rPr lang="pt-PT" sz="1700" dirty="0" err="1">
+                <a:solidFill>
+                  <a:srgbClr val="00B050"/>
+                </a:solidFill>
+                <a:latin typeface="Consolas" panose="020B0609020204030204" pitchFamily="49" charset="0"/>
+                <a:cs typeface="Arial" panose="020B0604020202020204" pitchFamily="34" charset="0"/>
+              </a:rPr>
+              <a:t>match</a:t>
             </a:r>
             <a:r>
               <a:rPr lang="pt-PT" sz="1700" dirty="0">
@@ -8542,6 +8314,9 @@
             </a:r>
             <a:r>
               <a:rPr lang="pt-PT" sz="1700" dirty="0" err="1">
+                <a:solidFill>
+                  <a:srgbClr val="00B050"/>
+                </a:solidFill>
                 <a:latin typeface="Consolas" panose="020B0609020204030204" pitchFamily="49" charset="0"/>
                 <a:cs typeface="Arial" panose="020B0604020202020204" pitchFamily="34" charset="0"/>
               </a:rPr>
@@ -8608,7 +8383,17 @@
                 <a:latin typeface="Consolas" panose="020B0609020204030204" pitchFamily="49" charset="0"/>
                 <a:cs typeface="Arial" panose="020B0604020202020204" pitchFamily="34" charset="0"/>
               </a:rPr>
-              <a:t>log.add</a:t>
+              <a:t>log.</a:t>
+            </a:r>
+            <a:r>
+              <a:rPr lang="pt-PT" sz="1700" dirty="0" err="1">
+                <a:solidFill>
+                  <a:srgbClr val="00B050"/>
+                </a:solidFill>
+                <a:latin typeface="Consolas" panose="020B0609020204030204" pitchFamily="49" charset="0"/>
+                <a:cs typeface="Arial" panose="020B0604020202020204" pitchFamily="34" charset="0"/>
+              </a:rPr>
+              <a:t>add</a:t>
             </a:r>
             <a:r>
               <a:rPr lang="pt-PT" sz="1700" dirty="0">
@@ -9785,7 +9570,7 @@
         </p:blipFill>
         <p:spPr bwMode="auto">
           <a:xfrm>
-            <a:off x="7051885" y="4379416"/>
+            <a:off x="7051885" y="4350172"/>
             <a:ext cx="1974428" cy="1974428"/>
           </a:xfrm>
           <a:prstGeom prst="rect">
@@ -10554,10 +10339,45 @@
           </a:prstGeom>
         </p:spPr>
       </p:pic>
+      <p:pic>
+        <p:nvPicPr>
+          <p:cNvPr id="15" name="Imagem 14">
+            <a:extLst>
+              <a:ext uri="{FF2B5EF4-FFF2-40B4-BE49-F238E27FC236}">
+                <a16:creationId xmlns:a16="http://schemas.microsoft.com/office/drawing/2014/main" id="{66B588C0-2E66-481F-9319-3A719D275693}"/>
+              </a:ext>
+            </a:extLst>
+          </p:cNvPr>
+          <p:cNvPicPr>
+            <a:picLocks noChangeAspect="1"/>
+          </p:cNvPicPr>
+          <p:nvPr/>
+        </p:nvPicPr>
+        <p:blipFill rotWithShape="1">
+          <a:blip r:embed="rId6" cstate="print">
+            <a:extLst>
+              <a:ext uri="{28A0092B-C50C-407E-A947-70E740481C1C}">
+                <a14:useLocalDpi xmlns:a14="http://schemas.microsoft.com/office/drawing/2010/main" val="0"/>
+              </a:ext>
+            </a:extLst>
+          </a:blip>
+          <a:srcRect l="27818" t="5400" b="12017"/>
+          <a:stretch/>
+        </p:blipFill>
+        <p:spPr>
+          <a:xfrm>
+            <a:off x="935940" y="1911433"/>
+            <a:ext cx="1856212" cy="2438400"/>
+          </a:xfrm>
+          <a:prstGeom prst="rect">
+            <a:avLst/>
+          </a:prstGeom>
+        </p:spPr>
+      </p:pic>
     </p:spTree>
     <p:extLst>
       <p:ext uri="{BB962C8B-B14F-4D97-AF65-F5344CB8AC3E}">
-        <p14:creationId xmlns:p14="http://schemas.microsoft.com/office/powerpoint/2010/main" val="3773006781"/>
+        <p14:creationId xmlns:p14="http://schemas.microsoft.com/office/powerpoint/2010/main" val="3696961312"/>
       </p:ext>
     </p:extLst>
   </p:cSld>

--- a/LEI/apresentações/apresLEI.pptx
+++ b/LEI/apresentações/apresLEI.pptx
@@ -527,7 +527,10 @@
           <a:bodyPr/>
           <a:lstStyle/>
           <a:p>
-            <a:endParaRPr lang="pt-PT" dirty="0"/>
+            <a:r>
+              <a:rPr lang="pt-PT" dirty="0"/>
+              <a:t>KIKO</a:t>
+            </a:r>
           </a:p>
         </p:txBody>
       </p:sp>
@@ -611,7 +614,10 @@
           <a:bodyPr/>
           <a:lstStyle/>
           <a:p>
-            <a:endParaRPr lang="pt-PT" dirty="0"/>
+            <a:r>
+              <a:rPr lang="pt-PT" dirty="0"/>
+              <a:t>KIKO</a:t>
+            </a:r>
           </a:p>
         </p:txBody>
       </p:sp>
@@ -632,7 +638,7 @@
           <a:p>
             <a:fld id="{62C9FF69-D9AD-48B5-8D39-7AA42039F77D}" type="slidenum">
               <a:rPr lang="pt-PT" smtClean="0"/>
-              <a:t>4</a:t>
+              <a:t>2</a:t>
             </a:fld>
             <a:endParaRPr lang="pt-PT"/>
           </a:p>
@@ -641,7 +647,7 @@
     </p:spTree>
     <p:extLst>
       <p:ext uri="{BB962C8B-B14F-4D97-AF65-F5344CB8AC3E}">
-        <p14:creationId xmlns:p14="http://schemas.microsoft.com/office/powerpoint/2010/main" val="596858377"/>
+        <p14:creationId xmlns:p14="http://schemas.microsoft.com/office/powerpoint/2010/main" val="4122160029"/>
       </p:ext>
     </p:extLst>
   </p:cSld>
@@ -697,81 +703,7 @@
           <a:p>
             <a:r>
               <a:rPr lang="pt-PT" dirty="0"/>
-              <a:t>Explicar na responde o processo geral de resposta (</a:t>
-            </a:r>
-            <a:r>
-              <a:rPr lang="pt-PT" dirty="0" err="1"/>
-              <a:t>pseudo</a:t>
-            </a:r>
-            <a:r>
-              <a:rPr lang="pt-PT" dirty="0"/>
-              <a:t> código)</a:t>
-            </a:r>
-          </a:p>
-          <a:p>
-            <a:r>
-              <a:rPr lang="pt-PT" dirty="0"/>
-              <a:t>Regras de cima a ver com os exemplos de que falamos (</a:t>
-            </a:r>
-            <a:r>
-              <a:rPr lang="pt-PT" dirty="0" err="1"/>
-              <a:t>else</a:t>
-            </a:r>
-            <a:r>
-              <a:rPr lang="pt-PT" dirty="0"/>
-              <a:t> </a:t>
-            </a:r>
-            <a:r>
-              <a:rPr lang="pt-PT" dirty="0" err="1"/>
-              <a:t>qdo</a:t>
-            </a:r>
-            <a:r>
-              <a:rPr lang="pt-PT" dirty="0"/>
-              <a:t> n dá match com nenhumas regras)</a:t>
-            </a:r>
-          </a:p>
-          <a:p>
-            <a:r>
-              <a:rPr lang="pt-PT" dirty="0"/>
-              <a:t>Mudar nomes das coisas para se perceber melhor o que está a acontecer.</a:t>
-            </a:r>
-          </a:p>
-          <a:p>
-            <a:r>
-              <a:rPr lang="pt-PT" dirty="0" err="1"/>
-              <a:t>Get</a:t>
-            </a:r>
-            <a:r>
-              <a:rPr lang="pt-PT" dirty="0"/>
-              <a:t> keywords.</a:t>
-            </a:r>
-          </a:p>
-          <a:p>
-            <a:r>
-              <a:rPr lang="pt-PT" dirty="0"/>
-              <a:t>Já estamos a fazer protótipos que generalizam o </a:t>
-            </a:r>
-            <a:r>
-              <a:rPr lang="pt-PT" dirty="0" err="1"/>
-              <a:t>re.match</a:t>
-            </a:r>
-            <a:r>
-              <a:rPr lang="pt-PT" dirty="0"/>
-              <a:t>.</a:t>
-            </a:r>
-          </a:p>
-          <a:p>
-            <a:r>
-              <a:rPr lang="pt-PT" dirty="0"/>
-              <a:t>É tudo </a:t>
-            </a:r>
-            <a:r>
-              <a:rPr lang="pt-PT" dirty="0" err="1"/>
-              <a:t>mto</a:t>
-            </a:r>
-            <a:r>
-              <a:rPr lang="pt-PT" dirty="0"/>
-              <a:t> geral, n estamos a mostrar como usar as prioridades etc</a:t>
+              <a:t>DIANA</a:t>
             </a:r>
           </a:p>
         </p:txBody>
@@ -793,7 +725,7 @@
           <a:p>
             <a:fld id="{62C9FF69-D9AD-48B5-8D39-7AA42039F77D}" type="slidenum">
               <a:rPr lang="pt-PT" smtClean="0"/>
-              <a:t>6</a:t>
+              <a:t>3</a:t>
             </a:fld>
             <a:endParaRPr lang="pt-PT"/>
           </a:p>
@@ -802,7 +734,7 @@
     </p:spTree>
     <p:extLst>
       <p:ext uri="{BB962C8B-B14F-4D97-AF65-F5344CB8AC3E}">
-        <p14:creationId xmlns:p14="http://schemas.microsoft.com/office/powerpoint/2010/main" val="2837080322"/>
+        <p14:creationId xmlns:p14="http://schemas.microsoft.com/office/powerpoint/2010/main" val="1605258199"/>
       </p:ext>
     </p:extLst>
   </p:cSld>
@@ -858,21 +790,7 @@
           <a:p>
             <a:r>
               <a:rPr lang="pt-PT" dirty="0"/>
-              <a:t>Destacar coisas e dizer qual o </a:t>
-            </a:r>
-            <a:r>
-              <a:rPr lang="pt-PT" dirty="0" err="1"/>
-              <a:t>bot</a:t>
-            </a:r>
-            <a:r>
-              <a:rPr lang="pt-PT" dirty="0"/>
-              <a:t>. </a:t>
-            </a:r>
-          </a:p>
-          <a:p>
-            <a:r>
-              <a:rPr lang="pt-PT" dirty="0"/>
-              <a:t>Explicar  que se está a passar.</a:t>
+              <a:t>DIANA</a:t>
             </a:r>
           </a:p>
         </p:txBody>
@@ -894,7 +812,7 @@
           <a:p>
             <a:fld id="{62C9FF69-D9AD-48B5-8D39-7AA42039F77D}" type="slidenum">
               <a:rPr lang="pt-PT" smtClean="0"/>
-              <a:t>7</a:t>
+              <a:t>4</a:t>
             </a:fld>
             <a:endParaRPr lang="pt-PT"/>
           </a:p>
@@ -903,7 +821,7 @@
     </p:spTree>
     <p:extLst>
       <p:ext uri="{BB962C8B-B14F-4D97-AF65-F5344CB8AC3E}">
-        <p14:creationId xmlns:p14="http://schemas.microsoft.com/office/powerpoint/2010/main" val="1184834112"/>
+        <p14:creationId xmlns:p14="http://schemas.microsoft.com/office/powerpoint/2010/main" val="596858377"/>
       </p:ext>
     </p:extLst>
   </p:cSld>
@@ -959,87 +877,268 @@
           <a:p>
             <a:r>
               <a:rPr lang="pt-PT" dirty="0"/>
-              <a:t>Dizer que já começamos aos poucos</a:t>
-            </a:r>
-          </a:p>
+              <a:t>DIANA</a:t>
+            </a:r>
+          </a:p>
+        </p:txBody>
+      </p:sp>
+      <p:sp>
+        <p:nvSpPr>
+          <p:cNvPr id="4" name="Marcador de Posição do Número do Diapositivo 3"/>
+          <p:cNvSpPr>
+            <a:spLocks noGrp="1"/>
+          </p:cNvSpPr>
+          <p:nvPr>
+            <p:ph type="sldNum" sz="quarter" idx="5"/>
+          </p:nvPr>
+        </p:nvSpPr>
+        <p:spPr/>
+        <p:txBody>
+          <a:bodyPr/>
+          <a:lstStyle/>
+          <a:p>
+            <a:fld id="{62C9FF69-D9AD-48B5-8D39-7AA42039F77D}" type="slidenum">
+              <a:rPr lang="pt-PT" smtClean="0"/>
+              <a:t>5</a:t>
+            </a:fld>
+            <a:endParaRPr lang="pt-PT"/>
+          </a:p>
+        </p:txBody>
+      </p:sp>
+    </p:spTree>
+    <p:extLst>
+      <p:ext uri="{BB962C8B-B14F-4D97-AF65-F5344CB8AC3E}">
+        <p14:creationId xmlns:p14="http://schemas.microsoft.com/office/powerpoint/2010/main" val="3156174035"/>
+      </p:ext>
+    </p:extLst>
+  </p:cSld>
+  <p:clrMapOvr>
+    <a:masterClrMapping/>
+  </p:clrMapOvr>
+</p:notes>
+</file>
+
+<file path=ppt/notesSlides/notesSlide6.xml><?xml version="1.0" encoding="utf-8"?>
+<p:notes xmlns:a="http://schemas.openxmlformats.org/drawingml/2006/main" xmlns:r="http://schemas.openxmlformats.org/officeDocument/2006/relationships" xmlns:p="http://schemas.openxmlformats.org/presentationml/2006/main">
+  <p:cSld>
+    <p:spTree>
+      <p:nvGrpSpPr>
+        <p:cNvPr id="1" name=""/>
+        <p:cNvGrpSpPr/>
+        <p:nvPr/>
+      </p:nvGrpSpPr>
+      <p:grpSpPr>
+        <a:xfrm>
+          <a:off x="0" y="0"/>
+          <a:ext cx="0" cy="0"/>
+          <a:chOff x="0" y="0"/>
+          <a:chExt cx="0" cy="0"/>
+        </a:xfrm>
+      </p:grpSpPr>
+      <p:sp>
+        <p:nvSpPr>
+          <p:cNvPr id="2" name="Marcador de Posição da Imagem do Diapositivo 1"/>
+          <p:cNvSpPr>
+            <a:spLocks noGrp="1" noRot="1" noChangeAspect="1"/>
+          </p:cNvSpPr>
+          <p:nvPr>
+            <p:ph type="sldImg"/>
+          </p:nvPr>
+        </p:nvSpPr>
+        <p:spPr/>
+      </p:sp>
+      <p:sp>
+        <p:nvSpPr>
+          <p:cNvPr id="3" name="Marcador de Posição de Notas 2"/>
+          <p:cNvSpPr>
+            <a:spLocks noGrp="1"/>
+          </p:cNvSpPr>
+          <p:nvPr>
+            <p:ph type="body" idx="1"/>
+          </p:nvPr>
+        </p:nvSpPr>
+        <p:spPr/>
+        <p:txBody>
+          <a:bodyPr/>
+          <a:lstStyle/>
           <a:p>
             <a:r>
               <a:rPr lang="pt-PT" dirty="0"/>
-              <a:t>Que estados e tipo de informação guardar (perfil de utilizador, etc…)</a:t>
-            </a:r>
-          </a:p>
+              <a:t>RAUL</a:t>
+            </a:r>
+          </a:p>
+        </p:txBody>
+      </p:sp>
+      <p:sp>
+        <p:nvSpPr>
+          <p:cNvPr id="4" name="Marcador de Posição do Número do Diapositivo 3"/>
+          <p:cNvSpPr>
+            <a:spLocks noGrp="1"/>
+          </p:cNvSpPr>
+          <p:nvPr>
+            <p:ph type="sldNum" sz="quarter" idx="5"/>
+          </p:nvPr>
+        </p:nvSpPr>
+        <p:spPr/>
+        <p:txBody>
+          <a:bodyPr/>
+          <a:lstStyle/>
+          <a:p>
+            <a:fld id="{62C9FF69-D9AD-48B5-8D39-7AA42039F77D}" type="slidenum">
+              <a:rPr lang="pt-PT" smtClean="0"/>
+              <a:t>6</a:t>
+            </a:fld>
+            <a:endParaRPr lang="pt-PT"/>
+          </a:p>
+        </p:txBody>
+      </p:sp>
+    </p:spTree>
+    <p:extLst>
+      <p:ext uri="{BB962C8B-B14F-4D97-AF65-F5344CB8AC3E}">
+        <p14:creationId xmlns:p14="http://schemas.microsoft.com/office/powerpoint/2010/main" val="2837080322"/>
+      </p:ext>
+    </p:extLst>
+  </p:cSld>
+  <p:clrMapOvr>
+    <a:masterClrMapping/>
+  </p:clrMapOvr>
+</p:notes>
+</file>
+
+<file path=ppt/notesSlides/notesSlide7.xml><?xml version="1.0" encoding="utf-8"?>
+<p:notes xmlns:a="http://schemas.openxmlformats.org/drawingml/2006/main" xmlns:r="http://schemas.openxmlformats.org/officeDocument/2006/relationships" xmlns:p="http://schemas.openxmlformats.org/presentationml/2006/main">
+  <p:cSld>
+    <p:spTree>
+      <p:nvGrpSpPr>
+        <p:cNvPr id="1" name=""/>
+        <p:cNvGrpSpPr/>
+        <p:nvPr/>
+      </p:nvGrpSpPr>
+      <p:grpSpPr>
+        <a:xfrm>
+          <a:off x="0" y="0"/>
+          <a:ext cx="0" cy="0"/>
+          <a:chOff x="0" y="0"/>
+          <a:chExt cx="0" cy="0"/>
+        </a:xfrm>
+      </p:grpSpPr>
+      <p:sp>
+        <p:nvSpPr>
+          <p:cNvPr id="2" name="Marcador de Posição da Imagem do Diapositivo 1"/>
+          <p:cNvSpPr>
+            <a:spLocks noGrp="1" noRot="1" noChangeAspect="1"/>
+          </p:cNvSpPr>
+          <p:nvPr>
+            <p:ph type="sldImg"/>
+          </p:nvPr>
+        </p:nvSpPr>
+        <p:spPr/>
+      </p:sp>
+      <p:sp>
+        <p:nvSpPr>
+          <p:cNvPr id="3" name="Marcador de Posição de Notas 2"/>
+          <p:cNvSpPr>
+            <a:spLocks noGrp="1"/>
+          </p:cNvSpPr>
+          <p:nvPr>
+            <p:ph type="body" idx="1"/>
+          </p:nvPr>
+        </p:nvSpPr>
+        <p:spPr/>
+        <p:txBody>
+          <a:bodyPr/>
+          <a:lstStyle/>
           <a:p>
             <a:r>
               <a:rPr lang="pt-PT" dirty="0"/>
-              <a:t>Maneiras de aprender: </a:t>
-            </a:r>
-            <a:r>
-              <a:rPr lang="pt-PT" dirty="0" err="1"/>
-              <a:t>hardcoded</a:t>
-            </a:r>
+              <a:t>RAUL</a:t>
+            </a:r>
+          </a:p>
+        </p:txBody>
+      </p:sp>
+      <p:sp>
+        <p:nvSpPr>
+          <p:cNvPr id="4" name="Marcador de Posição do Número do Diapositivo 3"/>
+          <p:cNvSpPr>
+            <a:spLocks noGrp="1"/>
+          </p:cNvSpPr>
+          <p:nvPr>
+            <p:ph type="sldNum" sz="quarter" idx="5"/>
+          </p:nvPr>
+        </p:nvSpPr>
+        <p:spPr/>
+        <p:txBody>
+          <a:bodyPr/>
+          <a:lstStyle/>
+          <a:p>
+            <a:fld id="{62C9FF69-D9AD-48B5-8D39-7AA42039F77D}" type="slidenum">
+              <a:rPr lang="pt-PT" smtClean="0"/>
+              <a:t>7</a:t>
+            </a:fld>
+            <a:endParaRPr lang="pt-PT"/>
+          </a:p>
+        </p:txBody>
+      </p:sp>
+    </p:spTree>
+    <p:extLst>
+      <p:ext uri="{BB962C8B-B14F-4D97-AF65-F5344CB8AC3E}">
+        <p14:creationId xmlns:p14="http://schemas.microsoft.com/office/powerpoint/2010/main" val="1184834112"/>
+      </p:ext>
+    </p:extLst>
+  </p:cSld>
+  <p:clrMapOvr>
+    <a:masterClrMapping/>
+  </p:clrMapOvr>
+</p:notes>
+</file>
+
+<file path=ppt/notesSlides/notesSlide8.xml><?xml version="1.0" encoding="utf-8"?>
+<p:notes xmlns:a="http://schemas.openxmlformats.org/drawingml/2006/main" xmlns:r="http://schemas.openxmlformats.org/officeDocument/2006/relationships" xmlns:p="http://schemas.openxmlformats.org/presentationml/2006/main">
+  <p:cSld>
+    <p:spTree>
+      <p:nvGrpSpPr>
+        <p:cNvPr id="1" name=""/>
+        <p:cNvGrpSpPr/>
+        <p:nvPr/>
+      </p:nvGrpSpPr>
+      <p:grpSpPr>
+        <a:xfrm>
+          <a:off x="0" y="0"/>
+          <a:ext cx="0" cy="0"/>
+          <a:chOff x="0" y="0"/>
+          <a:chExt cx="0" cy="0"/>
+        </a:xfrm>
+      </p:grpSpPr>
+      <p:sp>
+        <p:nvSpPr>
+          <p:cNvPr id="2" name="Marcador de Posição da Imagem do Diapositivo 1"/>
+          <p:cNvSpPr>
+            <a:spLocks noGrp="1" noRot="1" noChangeAspect="1"/>
+          </p:cNvSpPr>
+          <p:nvPr>
+            <p:ph type="sldImg"/>
+          </p:nvPr>
+        </p:nvSpPr>
+        <p:spPr/>
+      </p:sp>
+      <p:sp>
+        <p:nvSpPr>
+          <p:cNvPr id="3" name="Marcador de Posição de Notas 2"/>
+          <p:cNvSpPr>
+            <a:spLocks noGrp="1"/>
+          </p:cNvSpPr>
+          <p:nvPr>
+            <p:ph type="body" idx="1"/>
+          </p:nvPr>
+        </p:nvSpPr>
+        <p:spPr/>
+        <p:txBody>
+          <a:bodyPr/>
+          <a:lstStyle/>
+          <a:p>
             <a:r>
               <a:rPr lang="pt-PT" dirty="0"/>
-              <a:t>; generalizar por keywords; o meu x favorito é y. </a:t>
-            </a:r>
-            <a:r>
-              <a:rPr lang="pt-PT" dirty="0" err="1"/>
-              <a:t>aka</a:t>
-            </a:r>
-            <a:r>
-              <a:rPr lang="pt-PT" dirty="0"/>
-              <a:t>, criar perfis dos utilizador; aprender a partir de excertos de diálogos. </a:t>
-            </a:r>
-            <a:r>
-              <a:rPr lang="pt-PT" dirty="0" err="1"/>
-              <a:t>FAQs</a:t>
-            </a:r>
-            <a:r>
-              <a:rPr lang="pt-PT" dirty="0"/>
-              <a:t>. </a:t>
-            </a:r>
-          </a:p>
-          <a:p>
-            <a:r>
-              <a:rPr lang="pt-PT" dirty="0"/>
-              <a:t>(se recebe </a:t>
-            </a:r>
-            <a:r>
-              <a:rPr lang="pt-PT" dirty="0" err="1"/>
-              <a:t>faqs</a:t>
-            </a:r>
-            <a:r>
-              <a:rPr lang="pt-PT" dirty="0"/>
-              <a:t> </a:t>
-            </a:r>
-            <a:r>
-              <a:rPr lang="pt-PT" dirty="0" err="1"/>
-              <a:t>ex</a:t>
-            </a:r>
-            <a:r>
-              <a:rPr lang="pt-PT" dirty="0"/>
-              <a:t>; qual é o telefone do </a:t>
-            </a:r>
-            <a:r>
-              <a:rPr lang="pt-PT" dirty="0" err="1"/>
-              <a:t>cesium</a:t>
-            </a:r>
-            <a:r>
-              <a:rPr lang="pt-PT" dirty="0"/>
-              <a:t>. E alguém disser algo com essas keywords e ele n souber o que responder deteta as keywords e responde com isso). Ex: módulos </a:t>
-            </a:r>
-            <a:r>
-              <a:rPr lang="pt-PT" dirty="0" err="1"/>
-              <a:t>python</a:t>
-            </a:r>
-            <a:r>
-              <a:rPr lang="pt-PT" dirty="0"/>
-              <a:t> que aprende com diálogos.</a:t>
-            </a:r>
-          </a:p>
-          <a:p>
-            <a:r>
-              <a:rPr lang="pt-PT" dirty="0"/>
-              <a:t>Responder como pessoas responderiam aprender com diálogos de pessoas de por exemplo filmes.</a:t>
+              <a:t>KIKO</a:t>
             </a:r>
           </a:p>
         </p:txBody>
@@ -1080,7 +1179,7 @@
 </p:notes>
 </file>
 
-<file path=ppt/notesSlides/notesSlide6.xml><?xml version="1.0" encoding="utf-8"?>
+<file path=ppt/notesSlides/notesSlide9.xml><?xml version="1.0" encoding="utf-8"?>
 <p:notes xmlns:a="http://schemas.openxmlformats.org/drawingml/2006/main" xmlns:r="http://schemas.openxmlformats.org/officeDocument/2006/relationships" xmlns:p="http://schemas.openxmlformats.org/presentationml/2006/main">
   <p:cSld>
     <p:spTree>
@@ -4779,7 +4878,7 @@
           <p:nvPr/>
         </p:nvPicPr>
         <p:blipFill>
-          <a:blip r:embed="rId2">
+          <a:blip r:embed="rId3">
             <a:extLst>
               <a:ext uri="{28A0092B-C50C-407E-A947-70E740481C1C}">
                 <a14:useLocalDpi xmlns:a14="http://schemas.microsoft.com/office/drawing/2010/main" val="0"/>
@@ -5287,7 +5386,7 @@
           <p:nvPr/>
         </p:nvPicPr>
         <p:blipFill rotWithShape="1">
-          <a:blip r:embed="rId3">
+          <a:blip r:embed="rId4">
             <a:extLst>
               <a:ext uri="{28A0092B-C50C-407E-A947-70E740481C1C}">
                 <a14:useLocalDpi xmlns:a14="http://schemas.microsoft.com/office/drawing/2010/main" val="0"/>
@@ -7368,7 +7467,7 @@
           <p:nvPr/>
         </p:nvPicPr>
         <p:blipFill rotWithShape="1">
-          <a:blip r:embed="rId2">
+          <a:blip r:embed="rId3">
             <a:extLst>
               <a:ext uri="{28A0092B-C50C-407E-A947-70E740481C1C}">
                 <a14:useLocalDpi xmlns:a14="http://schemas.microsoft.com/office/drawing/2010/main" val="0"/>
@@ -7601,7 +7700,7 @@
         </p:nvSpPr>
         <p:spPr>
           <a:xfrm>
-            <a:off x="990600" y="1219200"/>
+            <a:off x="990600" y="1324894"/>
             <a:ext cx="7467600" cy="1923604"/>
           </a:xfrm>
           <a:prstGeom prst="rect">
@@ -7620,19 +7719,8 @@
                 <a:latin typeface="Consolas" panose="020B0609020204030204" pitchFamily="49" charset="0"/>
                 <a:cs typeface="Arial" panose="020B0604020202020204" pitchFamily="34" charset="0"/>
               </a:rPr>
-              <a:t>regras </a:t>
-            </a:r>
-            <a:r>
-              <a:rPr lang="pt-PT" sz="1700">
-                <a:latin typeface="Consolas" panose="020B0609020204030204" pitchFamily="49" charset="0"/>
-                <a:cs typeface="Arial" panose="020B0604020202020204" pitchFamily="34" charset="0"/>
-              </a:rPr>
-              <a:t>= [</a:t>
-            </a:r>
-            <a:endParaRPr lang="pt-PT" sz="1700" dirty="0">
-              <a:latin typeface="Consolas" panose="020B0609020204030204" pitchFamily="49" charset="0"/>
-              <a:cs typeface="Arial" panose="020B0604020202020204" pitchFamily="34" charset="0"/>
-            </a:endParaRPr>
+              <a:t>regras = [</a:t>
+            </a:r>
           </a:p>
           <a:p>
             <a:r>
@@ -7664,7 +7752,7 @@
                 <a:latin typeface="Consolas" panose="020B0609020204030204" pitchFamily="49" charset="0"/>
                 <a:cs typeface="Arial" panose="020B0604020202020204" pitchFamily="34" charset="0"/>
               </a:rPr>
-              <a:t>pickOne</a:t>
+              <a:t>chooseOne</a:t>
             </a:r>
             <a:r>
               <a:rPr lang="pt-PT" sz="1700" dirty="0">
@@ -7894,7 +7982,7 @@
                 <a:latin typeface="Consolas" panose="020B0609020204030204" pitchFamily="49" charset="0"/>
                 <a:cs typeface="Arial" panose="020B0604020202020204" pitchFamily="34" charset="0"/>
               </a:rPr>
-              <a:t>gimmeKnowledge</a:t>
+              <a:t>getKnowledge</a:t>
             </a:r>
             <a:r>
               <a:rPr lang="pt-PT" sz="1700" dirty="0">
@@ -8028,7 +8116,14 @@
                 <a:latin typeface="Consolas" panose="020B0609020204030204" pitchFamily="49" charset="0"/>
                 <a:cs typeface="Arial" panose="020B0604020202020204" pitchFamily="34" charset="0"/>
               </a:rPr>
-              <a:t>   ...</a:t>
+              <a:t>  </a:t>
+            </a:r>
+            <a:r>
+              <a:rPr lang="pt-PT" sz="1200" dirty="0">
+                <a:latin typeface="Consolas" panose="020B0609020204030204" pitchFamily="49" charset="0"/>
+                <a:cs typeface="Arial" panose="020B0604020202020204" pitchFamily="34" charset="0"/>
+              </a:rPr>
+              <a:t>(...)</a:t>
             </a:r>
           </a:p>
           <a:p>
@@ -8754,7 +8849,37 @@
                 <a:latin typeface="Consolas" panose="020B0609020204030204" pitchFamily="49" charset="0"/>
                 <a:cs typeface="Segoe UI" panose="020B0502040204020203" pitchFamily="34" charset="0"/>
               </a:rPr>
-              <a:t>: Comigo tudo bem, obrigado. Como se diz bem em inglês?</a:t>
+              <a:t>: Comigo tudo bem, obrigado.</a:t>
+            </a:r>
+            <a:r>
+              <a:rPr lang="pt-PT" sz="1700" dirty="0">
+                <a:solidFill>
+                  <a:srgbClr val="FF3300"/>
+                </a:solidFill>
+                <a:latin typeface="Consolas" panose="020B0609020204030204" pitchFamily="49" charset="0"/>
+                <a:cs typeface="Segoe UI" panose="020B0502040204020203" pitchFamily="34" charset="0"/>
+              </a:rPr>
+              <a:t> </a:t>
+            </a:r>
+            <a:r>
+              <a:rPr lang="pt-PT" sz="1700" u="sng" dirty="0">
+                <a:solidFill>
+                  <a:schemeClr val="tx1"/>
+                </a:solidFill>
+                <a:latin typeface="Consolas" panose="020B0609020204030204" pitchFamily="49" charset="0"/>
+                <a:cs typeface="Segoe UI" panose="020B0502040204020203" pitchFamily="34" charset="0"/>
+              </a:rPr>
+              <a:t>Como se diz bem em inglês</a:t>
+            </a:r>
+            <a:r>
+              <a:rPr lang="pt-PT" sz="1700" dirty="0">
+                <a:solidFill>
+                  <a:schemeClr val="tx1"/>
+                </a:solidFill>
+                <a:latin typeface="Consolas" panose="020B0609020204030204" pitchFamily="49" charset="0"/>
+                <a:cs typeface="Segoe UI" panose="020B0502040204020203" pitchFamily="34" charset="0"/>
+              </a:rPr>
+              <a:t>?</a:t>
             </a:r>
           </a:p>
           <a:p>
@@ -8912,7 +9037,27 @@
                 <a:latin typeface="Consolas" panose="020B0609020204030204" pitchFamily="49" charset="0"/>
                 <a:cs typeface="Segoe UI" panose="020B0502040204020203" pitchFamily="34" charset="0"/>
               </a:rPr>
-              <a:t>: O meu livro preferido é A Arte de Insultar. Conheces?</a:t>
+              <a:t>: O meu livro preferido é </a:t>
+            </a:r>
+            <a:r>
+              <a:rPr lang="pt-PT" sz="1700" u="sng" dirty="0">
+                <a:solidFill>
+                  <a:schemeClr val="tx1"/>
+                </a:solidFill>
+                <a:latin typeface="Consolas" panose="020B0609020204030204" pitchFamily="49" charset="0"/>
+                <a:cs typeface="Segoe UI" panose="020B0502040204020203" pitchFamily="34" charset="0"/>
+              </a:rPr>
+              <a:t>A Arte de Insultar</a:t>
+            </a:r>
+            <a:r>
+              <a:rPr lang="pt-PT" sz="1700" dirty="0">
+                <a:solidFill>
+                  <a:schemeClr val="tx1"/>
+                </a:solidFill>
+                <a:latin typeface="Consolas" panose="020B0609020204030204" pitchFamily="49" charset="0"/>
+                <a:cs typeface="Segoe UI" panose="020B0502040204020203" pitchFamily="34" charset="0"/>
+              </a:rPr>
+              <a:t>. Conheces?</a:t>
             </a:r>
           </a:p>
           <a:p>
@@ -8958,7 +9103,27 @@
                 <a:latin typeface="Consolas" panose="020B0609020204030204" pitchFamily="49" charset="0"/>
                 <a:cs typeface="Segoe UI" panose="020B0502040204020203" pitchFamily="34" charset="0"/>
               </a:rPr>
-              <a:t>: Adoro ir à praia.</a:t>
+              <a:t>: </a:t>
+            </a:r>
+            <a:r>
+              <a:rPr lang="pt-PT" sz="1700" u="sng" dirty="0">
+                <a:solidFill>
+                  <a:schemeClr val="tx1"/>
+                </a:solidFill>
+                <a:latin typeface="Consolas" panose="020B0609020204030204" pitchFamily="49" charset="0"/>
+                <a:cs typeface="Segoe UI" panose="020B0502040204020203" pitchFamily="34" charset="0"/>
+              </a:rPr>
+              <a:t>Adoro ir à praia</a:t>
+            </a:r>
+            <a:r>
+              <a:rPr lang="pt-PT" sz="1700" dirty="0">
+                <a:solidFill>
+                  <a:schemeClr val="tx1"/>
+                </a:solidFill>
+                <a:latin typeface="Consolas" panose="020B0609020204030204" pitchFamily="49" charset="0"/>
+                <a:cs typeface="Segoe UI" panose="020B0502040204020203" pitchFamily="34" charset="0"/>
+              </a:rPr>
+              <a:t>.</a:t>
             </a:r>
           </a:p>
           <a:p>

--- a/LEI/apresentações/apresLEI.pptx
+++ b/LEI/apresentações/apresLEI.pptx
@@ -8152,7 +8152,7 @@
         <p:spPr>
           <a:xfrm>
             <a:off x="990600" y="3641095"/>
-            <a:ext cx="7391400" cy="2185214"/>
+            <a:ext cx="7391400" cy="2446824"/>
           </a:xfrm>
           <a:prstGeom prst="rect">
             <a:avLst/>
@@ -8405,7 +8405,50 @@
                 <a:latin typeface="Consolas" panose="020B0609020204030204" pitchFamily="49" charset="0"/>
                 <a:cs typeface="Arial" panose="020B0604020202020204" pitchFamily="34" charset="0"/>
               </a:rPr>
-              <a:t>    output = </a:t>
+              <a:t>    </a:t>
+            </a:r>
+            <a:r>
+              <a:rPr lang="pt-PT" sz="1700" dirty="0" err="1">
+                <a:solidFill>
+                  <a:srgbClr val="BC7BA0"/>
+                </a:solidFill>
+                <a:latin typeface="Consolas" panose="020B0609020204030204" pitchFamily="49" charset="0"/>
+                <a:cs typeface="Arial" panose="020B0604020202020204" pitchFamily="34" charset="0"/>
+              </a:rPr>
+              <a:t>if</a:t>
+            </a:r>
+            <a:r>
+              <a:rPr lang="pt-PT" sz="1700" dirty="0">
+                <a:latin typeface="Consolas" panose="020B0609020204030204" pitchFamily="49" charset="0"/>
+                <a:cs typeface="Arial" panose="020B0604020202020204" pitchFamily="34" charset="0"/>
+              </a:rPr>
+              <a:t> </a:t>
+            </a:r>
+            <a:r>
+              <a:rPr lang="pt-PT" sz="1700" dirty="0" err="1">
+                <a:solidFill>
+                  <a:srgbClr val="488ED4"/>
+                </a:solidFill>
+                <a:latin typeface="Consolas" panose="020B0609020204030204" pitchFamily="49" charset="0"/>
+                <a:cs typeface="Arial" panose="020B0604020202020204" pitchFamily="34" charset="0"/>
+              </a:rPr>
+              <a:t>not</a:t>
+            </a:r>
+            <a:r>
+              <a:rPr lang="pt-PT" sz="1700" dirty="0">
+                <a:latin typeface="Consolas" panose="020B0609020204030204" pitchFamily="49" charset="0"/>
+                <a:cs typeface="Arial" panose="020B0604020202020204" pitchFamily="34" charset="0"/>
+              </a:rPr>
+              <a:t> output</a:t>
+            </a:r>
+          </a:p>
+          <a:p>
+            <a:r>
+              <a:rPr lang="pt-PT" sz="1700" dirty="0">
+                <a:latin typeface="Consolas" panose="020B0609020204030204" pitchFamily="49" charset="0"/>
+                <a:cs typeface="Arial" panose="020B0604020202020204" pitchFamily="34" charset="0"/>
+              </a:rPr>
+              <a:t>        </a:t>
             </a:r>
             <a:r>
               <a:rPr lang="pt-PT" sz="1700" dirty="0" err="1">

--- a/LEI/apresentações/apresLEI.pptx
+++ b/LEI/apresentações/apresLEI.pptx
@@ -532,6 +532,44 @@
               <a:t>KIKO</a:t>
             </a:r>
           </a:p>
+          <a:p>
+            <a:r>
+              <a:rPr lang="pt-PT" b="1" u="sng" dirty="0"/>
+              <a:t>Bom dia!!!</a:t>
+            </a:r>
+          </a:p>
+          <a:p>
+            <a:r>
+              <a:rPr lang="pt-PT" dirty="0"/>
+              <a:t>Eu sou o Francisco, este é o Raul, e esta é a Diana e vamos começar a nossa apresentação do </a:t>
+            </a:r>
+            <a:r>
+              <a:rPr lang="pt-PT" u="sng" dirty="0"/>
+              <a:t>projeto de Laboratórios de Engenharia Informática</a:t>
+            </a:r>
+            <a:r>
+              <a:rPr lang="pt-PT" dirty="0"/>
+              <a:t>.</a:t>
+            </a:r>
+          </a:p>
+          <a:p>
+            <a:r>
+              <a:rPr lang="pt-PT" dirty="0"/>
+              <a:t>O tema do projeto é uma </a:t>
+            </a:r>
+            <a:r>
+              <a:rPr lang="pt-PT" b="1" u="sng" dirty="0"/>
+              <a:t>“DSL para geração de </a:t>
+            </a:r>
+            <a:r>
+              <a:rPr lang="pt-PT" b="1" u="sng" dirty="0" err="1"/>
+              <a:t>ChatBots</a:t>
+            </a:r>
+            <a:r>
+              <a:rPr lang="pt-PT" b="1" u="sng" dirty="0"/>
+              <a:t>”</a:t>
+            </a:r>
+          </a:p>
         </p:txBody>
       </p:sp>
       <p:sp>
@@ -619,6 +657,110 @@
               <a:t>KIKO</a:t>
             </a:r>
           </a:p>
+          <a:p>
+            <a:r>
+              <a:rPr lang="pt-PT" dirty="0"/>
+              <a:t>Aqui temos a estrutura da apresentação!</a:t>
+            </a:r>
+          </a:p>
+          <a:p>
+            <a:r>
+              <a:rPr lang="pt-PT" dirty="0"/>
+              <a:t>Vamos iniciar com uma </a:t>
+            </a:r>
+            <a:r>
+              <a:rPr lang="pt-PT" u="sng" dirty="0"/>
+              <a:t>INTRODUÇÃO</a:t>
+            </a:r>
+            <a:r>
+              <a:rPr lang="pt-PT" dirty="0"/>
+              <a:t> indicando alguns Conceitos, e marcando alguns </a:t>
+            </a:r>
+            <a:r>
+              <a:rPr lang="pt-PT" b="1" u="none" dirty="0"/>
+              <a:t>Objetivos e Motivações </a:t>
+            </a:r>
+            <a:r>
+              <a:rPr lang="pt-PT" dirty="0"/>
+              <a:t>deste projeto.</a:t>
+            </a:r>
+          </a:p>
+          <a:p>
+            <a:r>
+              <a:rPr lang="pt-PT" dirty="0"/>
+              <a:t>De seguida vamos </a:t>
+            </a:r>
+            <a:r>
+              <a:rPr lang="pt-PT" u="sng" dirty="0"/>
+              <a:t>DESENVOLVER</a:t>
+            </a:r>
+            <a:r>
+              <a:rPr lang="pt-PT" dirty="0"/>
+              <a:t> um pouco a </a:t>
+            </a:r>
+            <a:r>
+              <a:rPr lang="pt-PT" b="1" dirty="0"/>
+              <a:t>DSL</a:t>
+            </a:r>
+            <a:r>
+              <a:rPr lang="pt-PT" dirty="0"/>
+              <a:t> e falar sobre ela, bem como o </a:t>
+            </a:r>
+            <a:r>
+              <a:rPr lang="pt-PT" b="1" dirty="0"/>
+              <a:t>Funcionamento Interno </a:t>
+            </a:r>
+            <a:r>
+              <a:rPr lang="pt-PT" dirty="0"/>
+              <a:t>genérico de um BOT</a:t>
+            </a:r>
+          </a:p>
+          <a:p>
+            <a:r>
+              <a:rPr lang="pt-PT" dirty="0"/>
+              <a:t>Finalmente vamos mostrar </a:t>
+            </a:r>
+            <a:r>
+              <a:rPr lang="pt-PT" u="sng" dirty="0"/>
+              <a:t>RESULTADOS</a:t>
+            </a:r>
+            <a:r>
+              <a:rPr lang="pt-PT" dirty="0"/>
+              <a:t> com um breve </a:t>
+            </a:r>
+            <a:r>
+              <a:rPr lang="pt-PT" b="1" dirty="0"/>
+              <a:t>Demo</a:t>
+            </a:r>
+            <a:r>
+              <a:rPr lang="pt-PT" dirty="0"/>
+              <a:t> de interação entre um </a:t>
+            </a:r>
+            <a:r>
+              <a:rPr lang="pt-PT" b="1" dirty="0" err="1"/>
+              <a:t>User</a:t>
+            </a:r>
+            <a:r>
+              <a:rPr lang="pt-PT" b="1" dirty="0"/>
+              <a:t> e os </a:t>
+            </a:r>
+            <a:r>
+              <a:rPr lang="pt-PT" b="1" dirty="0" err="1"/>
+              <a:t>Bots</a:t>
+            </a:r>
+            <a:r>
+              <a:rPr lang="pt-PT" dirty="0"/>
+              <a:t>, e terminamos com referencias a </a:t>
+            </a:r>
+            <a:r>
+              <a:rPr lang="pt-PT" b="1" dirty="0"/>
+              <a:t>Trabalho Futuro </a:t>
+            </a:r>
+            <a:r>
+              <a:rPr lang="pt-PT" dirty="0"/>
+              <a:t>e melhoramentos que temos planeados.</a:t>
+            </a:r>
+          </a:p>
         </p:txBody>
       </p:sp>
       <p:sp>
@@ -1141,6 +1283,110 @@
               <a:t>KIKO</a:t>
             </a:r>
           </a:p>
+          <a:p>
+            <a:r>
+              <a:rPr lang="pt-PT" dirty="0"/>
+              <a:t>Quanto ao Trabalho Futuro, temos como objetivos: </a:t>
+            </a:r>
+          </a:p>
+          <a:p>
+            <a:pPr marL="171450" indent="-171450">
+              <a:buFont typeface="Arial" panose="020B0604020202020204" pitchFamily="34" charset="0"/>
+              <a:buChar char="•"/>
+            </a:pPr>
+            <a:r>
+              <a:rPr lang="pt-PT" dirty="0"/>
+              <a:t>Permitir especificar na DSL, </a:t>
+            </a:r>
+            <a:r>
+              <a:rPr lang="pt-PT" u="sng" dirty="0"/>
+              <a:t>Prioridades e Categorias </a:t>
+            </a:r>
+            <a:r>
+              <a:rPr lang="pt-PT" dirty="0"/>
+              <a:t>(</a:t>
+            </a:r>
+            <a:r>
+              <a:rPr lang="pt-PT" dirty="0" err="1"/>
+              <a:t>etc</a:t>
+            </a:r>
+            <a:r>
+              <a:rPr lang="pt-PT" dirty="0"/>
+              <a:t>, caraterísticas) para cada BOT aumentando a capacidade de </a:t>
+            </a:r>
+            <a:r>
+              <a:rPr lang="pt-PT" b="1" dirty="0"/>
+              <a:t>personalização do sistema</a:t>
+            </a:r>
+          </a:p>
+          <a:p>
+            <a:pPr marL="171450" indent="-171450">
+              <a:buFont typeface="Arial" panose="020B0604020202020204" pitchFamily="34" charset="0"/>
+              <a:buChar char="•"/>
+            </a:pPr>
+            <a:r>
+              <a:rPr lang="pt-PT" dirty="0"/>
+              <a:t>Aumentar a capacidade de  </a:t>
+            </a:r>
+            <a:r>
+              <a:rPr lang="pt-PT" u="sng" dirty="0"/>
+              <a:t>Aprendizagem do BOT</a:t>
+            </a:r>
+            <a:r>
+              <a:rPr lang="pt-PT" dirty="0"/>
+              <a:t>, através da analise do </a:t>
+            </a:r>
+            <a:r>
+              <a:rPr lang="pt-PT" b="1" dirty="0"/>
+              <a:t>utilizador (perfil, preferências) </a:t>
+            </a:r>
+            <a:r>
+              <a:rPr lang="pt-PT" dirty="0"/>
+              <a:t>ou até mesmo por aprendizagem com </a:t>
+            </a:r>
+            <a:r>
+              <a:rPr lang="pt-PT" b="1" dirty="0"/>
+              <a:t>diálogos (utilizador, excertos filmes)</a:t>
+            </a:r>
+          </a:p>
+          <a:p>
+            <a:pPr marL="171450" indent="-171450">
+              <a:buFont typeface="Arial" panose="020B0604020202020204" pitchFamily="34" charset="0"/>
+              <a:buChar char="•"/>
+            </a:pPr>
+            <a:r>
+              <a:rPr lang="pt-PT" u="sng" dirty="0"/>
+              <a:t>Guardar estados/informação recente </a:t>
+            </a:r>
+            <a:r>
+              <a:rPr lang="pt-PT" dirty="0"/>
+              <a:t>que permitam um </a:t>
+            </a:r>
+            <a:r>
+              <a:rPr lang="pt-PT" b="1" dirty="0"/>
+              <a:t>melhor e mais </a:t>
+            </a:r>
+            <a:r>
+              <a:rPr lang="pt-PT" b="1" u="none" dirty="0"/>
+              <a:t>fluido</a:t>
+            </a:r>
+            <a:r>
+              <a:rPr lang="pt-PT" b="1" dirty="0"/>
+              <a:t> dialogo </a:t>
+            </a:r>
+            <a:r>
+              <a:rPr lang="pt-PT" dirty="0"/>
+              <a:t>com o </a:t>
+            </a:r>
+            <a:r>
+              <a:rPr lang="pt-PT" b="1" dirty="0"/>
+              <a:t>utilizador</a:t>
+            </a:r>
+            <a:r>
+              <a:rPr lang="pt-PT" dirty="0"/>
+              <a:t> (exemplo???)</a:t>
+            </a:r>
+          </a:p>
         </p:txBody>
       </p:sp>
       <p:sp>
@@ -1223,7 +1469,38 @@
           <a:bodyPr/>
           <a:lstStyle/>
           <a:p>
-            <a:endParaRPr lang="pt-PT" dirty="0"/>
+            <a:r>
+              <a:rPr lang="pt-PT" dirty="0"/>
+              <a:t>KIKO</a:t>
+            </a:r>
+          </a:p>
+          <a:p>
+            <a:r>
+              <a:rPr lang="pt-PT" dirty="0"/>
+              <a:t>Assim terminamos a nossa apresentação, não sei se existe alguma duvida… . .</a:t>
+            </a:r>
+          </a:p>
+          <a:p>
+            <a:r>
+              <a:rPr lang="pt-PT" i="1" dirty="0"/>
+              <a:t>Não? </a:t>
+            </a:r>
+            <a:r>
+              <a:rPr lang="pt-PT" dirty="0"/>
+              <a:t>Ok então por nós é tudo :D XD </a:t>
+            </a:r>
+          </a:p>
+          <a:p>
+            <a:r>
+              <a:rPr lang="pt-PT" dirty="0"/>
+              <a:t>Muito obrigado</a:t>
+            </a:r>
+          </a:p>
+          <a:p>
+            <a:r>
+              <a:rPr lang="pt-PT" b="1" dirty="0"/>
+              <a:t>PEACEEEEE</a:t>
+            </a:r>
           </a:p>
         </p:txBody>
       </p:sp>
@@ -4671,8 +4948,8 @@
         </p:nvSpPr>
         <p:spPr>
           <a:xfrm>
-            <a:off x="5105400" y="2869684"/>
-            <a:ext cx="2996302" cy="1530547"/>
+            <a:off x="5105400" y="2970005"/>
+            <a:ext cx="2996302" cy="1148391"/>
           </a:xfrm>
           <a:prstGeom prst="rect">
             <a:avLst/>
@@ -4683,32 +4960,6 @@
             <a:spAutoFit/>
           </a:bodyPr>
           <a:lstStyle/>
-          <a:p>
-            <a:pPr marL="298450" indent="-285750" algn="just">
-              <a:lnSpc>
-                <a:spcPct val="100000"/>
-              </a:lnSpc>
-              <a:spcBef>
-                <a:spcPts val="1015"/>
-              </a:spcBef>
-              <a:buFont typeface="Arial"/>
-              <a:buChar char="•"/>
-              <a:tabLst>
-                <a:tab pos="297815" algn="l"/>
-                <a:tab pos="298450" algn="l"/>
-              </a:tabLst>
-            </a:pPr>
-            <a:r>
-              <a:rPr lang="pt-PT" sz="1650" b="1" spc="10" dirty="0">
-                <a:solidFill>
-                  <a:schemeClr val="bg1"/>
-                </a:solidFill>
-                <a:latin typeface="Arial"/>
-                <a:cs typeface="Arial"/>
-              </a:rPr>
-              <a:t>Expressões Regulares</a:t>
-            </a:r>
-          </a:p>
           <a:p>
             <a:pPr marL="298450" indent="-285750" algn="just">
               <a:lnSpc>
@@ -8223,14 +8474,21 @@
               <a:t>userInput</a:t>
             </a:r>
             <a:r>
-              <a:rPr lang="pt-PT" sz="1700" dirty="0">
+              <a:rPr lang="pt-PT" sz="1700" dirty="0" err="1">
+                <a:latin typeface="Consolas" panose="020B0609020204030204" pitchFamily="49" charset="0"/>
+                <a:cs typeface="Arial" panose="020B0604020202020204" pitchFamily="34" charset="0"/>
+              </a:rPr>
+              <a:t>,</a:t>
+            </a:r>
+            <a:r>
+              <a:rPr lang="pt-PT" sz="1700" dirty="0" err="1">
                 <a:solidFill>
                   <a:srgbClr val="488ED4"/>
                 </a:solidFill>
                 <a:latin typeface="Consolas" panose="020B0609020204030204" pitchFamily="49" charset="0"/>
                 <a:cs typeface="Arial" panose="020B0604020202020204" pitchFamily="34" charset="0"/>
               </a:rPr>
-              <a:t> , regras</a:t>
+              <a:t>regras</a:t>
             </a:r>
             <a:r>
               <a:rPr lang="pt-PT" sz="1700" dirty="0">
@@ -9080,7 +9338,7 @@
                 <a:latin typeface="Consolas" panose="020B0609020204030204" pitchFamily="49" charset="0"/>
                 <a:cs typeface="Segoe UI" panose="020B0502040204020203" pitchFamily="34" charset="0"/>
               </a:rPr>
-              <a:t>: O meu livro preferido é </a:t>
+              <a:t>: O meu livro preferido é A Arte de Insultar. </a:t>
             </a:r>
             <a:r>
               <a:rPr lang="pt-PT" sz="1700" u="sng" dirty="0">
@@ -9090,7 +9348,7 @@
                 <a:latin typeface="Consolas" panose="020B0609020204030204" pitchFamily="49" charset="0"/>
                 <a:cs typeface="Segoe UI" panose="020B0502040204020203" pitchFamily="34" charset="0"/>
               </a:rPr>
-              <a:t>A Arte de Insultar</a:t>
+              <a:t>Conheces</a:t>
             </a:r>
             <a:r>
               <a:rPr lang="pt-PT" sz="1700" dirty="0">
@@ -9100,7 +9358,7 @@
                 <a:latin typeface="Consolas" panose="020B0609020204030204" pitchFamily="49" charset="0"/>
                 <a:cs typeface="Segoe UI" panose="020B0502040204020203" pitchFamily="34" charset="0"/>
               </a:rPr>
-              <a:t>. Conheces?</a:t>
+              <a:t>?</a:t>
             </a:r>
           </a:p>
           <a:p>

--- a/LEI/apresentações/apresLEI.pptx
+++ b/LEI/apresentações/apresLEI.pptx
@@ -216,7 +216,7 @@
           <a:p>
             <a:fld id="{06D80BC0-DB8E-4343-896B-DB141BAE3B05}" type="datetimeFigureOut">
               <a:rPr lang="pt-PT" smtClean="0"/>
-              <a:t>26/03/2019</a:t>
+              <a:t>27/03/2019</a:t>
             </a:fld>
             <a:endParaRPr lang="pt-PT"/>
           </a:p>
@@ -932,8 +932,36 @@
           <a:p>
             <a:r>
               <a:rPr lang="pt-PT" dirty="0"/>
-              <a:t>DIANA</a:t>
-            </a:r>
+              <a:t>DIANA será que vale a pena?</a:t>
+            </a:r>
+          </a:p>
+          <a:p>
+            <a:r>
+              <a:rPr lang="pt-PT" dirty="0"/>
+              <a:t>Aplicabilidade a várias áreas</a:t>
+            </a:r>
+          </a:p>
+          <a:p>
+            <a:r>
+              <a:rPr lang="pt-PT" dirty="0"/>
+              <a:t>Disponibilidade</a:t>
+            </a:r>
+          </a:p>
+          <a:p>
+            <a:r>
+              <a:rPr lang="pt-PT" dirty="0"/>
+              <a:t>Utilidade</a:t>
+            </a:r>
+          </a:p>
+          <a:p>
+            <a:r>
+              <a:rPr lang="pt-PT"/>
+              <a:t>SERVIÇOS ACADÉMICOS</a:t>
+            </a:r>
+            <a:endParaRPr lang="pt-PT" dirty="0"/>
+          </a:p>
+          <a:p>
+            <a:endParaRPr lang="pt-PT" dirty="0"/>
           </a:p>
         </p:txBody>
       </p:sp>
@@ -1679,7 +1707,7 @@
           <a:p>
             <a:fld id="{1D8BD707-D9CF-40AE-B4C6-C98DA3205C09}" type="datetimeFigureOut">
               <a:rPr lang="en-US"/>
-              <a:t>3/26/2019</a:t>
+              <a:t>3/27/2019</a:t>
             </a:fld>
             <a:endParaRPr lang="en-US"/>
           </a:p>
@@ -1850,7 +1878,7 @@
           <a:p>
             <a:fld id="{1D8BD707-D9CF-40AE-B4C6-C98DA3205C09}" type="datetimeFigureOut">
               <a:rPr lang="en-US"/>
-              <a:t>3/26/2019</a:t>
+              <a:t>3/27/2019</a:t>
             </a:fld>
             <a:endParaRPr lang="en-US"/>
           </a:p>
@@ -2290,7 +2318,7 @@
           <a:p>
             <a:fld id="{1D8BD707-D9CF-40AE-B4C6-C98DA3205C09}" type="datetimeFigureOut">
               <a:rPr lang="en-US"/>
-              <a:t>3/26/2019</a:t>
+              <a:t>3/27/2019</a:t>
             </a:fld>
             <a:endParaRPr lang="en-US"/>
           </a:p>
@@ -2496,7 +2524,7 @@
           <a:p>
             <a:fld id="{1D8BD707-D9CF-40AE-B4C6-C98DA3205C09}" type="datetimeFigureOut">
               <a:rPr lang="en-US"/>
-              <a:t>3/26/2019</a:t>
+              <a:t>3/27/2019</a:t>
             </a:fld>
             <a:endParaRPr lang="en-US"/>
           </a:p>
@@ -2615,7 +2643,7 @@
           <a:p>
             <a:fld id="{1D8BD707-D9CF-40AE-B4C6-C98DA3205C09}" type="datetimeFigureOut">
               <a:rPr lang="en-US"/>
-              <a:t>3/26/2019</a:t>
+              <a:t>3/27/2019</a:t>
             </a:fld>
             <a:endParaRPr lang="en-US"/>
           </a:p>
@@ -2834,7 +2862,7 @@
           <a:p>
             <a:fld id="{1D8BD707-D9CF-40AE-B4C6-C98DA3205C09}" type="datetimeFigureOut">
               <a:rPr lang="en-US"/>
-              <a:t>3/26/2019</a:t>
+              <a:t>3/27/2019</a:t>
             </a:fld>
             <a:endParaRPr lang="en-US"/>
           </a:p>
